--- a/林广和研一下学术ppt-2016-06-06.pptx
+++ b/林广和研一下学术ppt-2016-06-06.pptx
@@ -5,61 +5,62 @@
     <p:sldMasterId id="2147483648" r:id="rId1"/>
   </p:sldMasterIdLst>
   <p:notesMasterIdLst>
-    <p:notesMasterId r:id="rId54"/>
+    <p:notesMasterId r:id="rId55"/>
   </p:notesMasterIdLst>
   <p:sldIdLst>
     <p:sldId id="276" r:id="rId2"/>
     <p:sldId id="354" r:id="rId3"/>
     <p:sldId id="355" r:id="rId4"/>
     <p:sldId id="356" r:id="rId5"/>
-    <p:sldId id="358" r:id="rId6"/>
-    <p:sldId id="357" r:id="rId7"/>
-    <p:sldId id="360" r:id="rId8"/>
-    <p:sldId id="359" r:id="rId9"/>
-    <p:sldId id="277" r:id="rId10"/>
-    <p:sldId id="278" r:id="rId11"/>
-    <p:sldId id="279" r:id="rId12"/>
-    <p:sldId id="280" r:id="rId13"/>
-    <p:sldId id="281" r:id="rId14"/>
-    <p:sldId id="282" r:id="rId15"/>
-    <p:sldId id="299" r:id="rId16"/>
-    <p:sldId id="339" r:id="rId17"/>
-    <p:sldId id="340" r:id="rId18"/>
-    <p:sldId id="283" r:id="rId19"/>
-    <p:sldId id="315" r:id="rId20"/>
-    <p:sldId id="334" r:id="rId21"/>
-    <p:sldId id="337" r:id="rId22"/>
-    <p:sldId id="341" r:id="rId23"/>
-    <p:sldId id="336" r:id="rId24"/>
-    <p:sldId id="296" r:id="rId25"/>
-    <p:sldId id="297" r:id="rId26"/>
-    <p:sldId id="346" r:id="rId27"/>
-    <p:sldId id="350" r:id="rId28"/>
-    <p:sldId id="347" r:id="rId29"/>
-    <p:sldId id="348" r:id="rId30"/>
-    <p:sldId id="349" r:id="rId31"/>
-    <p:sldId id="351" r:id="rId32"/>
-    <p:sldId id="352" r:id="rId33"/>
-    <p:sldId id="353" r:id="rId34"/>
-    <p:sldId id="335" r:id="rId35"/>
-    <p:sldId id="343" r:id="rId36"/>
-    <p:sldId id="338" r:id="rId37"/>
-    <p:sldId id="295" r:id="rId38"/>
-    <p:sldId id="333" r:id="rId39"/>
-    <p:sldId id="332" r:id="rId40"/>
-    <p:sldId id="342" r:id="rId41"/>
-    <p:sldId id="285" r:id="rId42"/>
-    <p:sldId id="291" r:id="rId43"/>
-    <p:sldId id="292" r:id="rId44"/>
-    <p:sldId id="293" r:id="rId45"/>
-    <p:sldId id="290" r:id="rId46"/>
-    <p:sldId id="289" r:id="rId47"/>
-    <p:sldId id="344" r:id="rId48"/>
-    <p:sldId id="287" r:id="rId49"/>
-    <p:sldId id="288" r:id="rId50"/>
-    <p:sldId id="345" r:id="rId51"/>
-    <p:sldId id="294" r:id="rId52"/>
-    <p:sldId id="275" r:id="rId53"/>
+    <p:sldId id="357" r:id="rId6"/>
+    <p:sldId id="358" r:id="rId7"/>
+    <p:sldId id="361" r:id="rId8"/>
+    <p:sldId id="360" r:id="rId9"/>
+    <p:sldId id="359" r:id="rId10"/>
+    <p:sldId id="277" r:id="rId11"/>
+    <p:sldId id="278" r:id="rId12"/>
+    <p:sldId id="279" r:id="rId13"/>
+    <p:sldId id="280" r:id="rId14"/>
+    <p:sldId id="281" r:id="rId15"/>
+    <p:sldId id="282" r:id="rId16"/>
+    <p:sldId id="299" r:id="rId17"/>
+    <p:sldId id="339" r:id="rId18"/>
+    <p:sldId id="340" r:id="rId19"/>
+    <p:sldId id="283" r:id="rId20"/>
+    <p:sldId id="315" r:id="rId21"/>
+    <p:sldId id="334" r:id="rId22"/>
+    <p:sldId id="337" r:id="rId23"/>
+    <p:sldId id="341" r:id="rId24"/>
+    <p:sldId id="336" r:id="rId25"/>
+    <p:sldId id="296" r:id="rId26"/>
+    <p:sldId id="297" r:id="rId27"/>
+    <p:sldId id="346" r:id="rId28"/>
+    <p:sldId id="350" r:id="rId29"/>
+    <p:sldId id="347" r:id="rId30"/>
+    <p:sldId id="348" r:id="rId31"/>
+    <p:sldId id="349" r:id="rId32"/>
+    <p:sldId id="351" r:id="rId33"/>
+    <p:sldId id="352" r:id="rId34"/>
+    <p:sldId id="353" r:id="rId35"/>
+    <p:sldId id="335" r:id="rId36"/>
+    <p:sldId id="343" r:id="rId37"/>
+    <p:sldId id="338" r:id="rId38"/>
+    <p:sldId id="295" r:id="rId39"/>
+    <p:sldId id="333" r:id="rId40"/>
+    <p:sldId id="332" r:id="rId41"/>
+    <p:sldId id="342" r:id="rId42"/>
+    <p:sldId id="285" r:id="rId43"/>
+    <p:sldId id="291" r:id="rId44"/>
+    <p:sldId id="292" r:id="rId45"/>
+    <p:sldId id="293" r:id="rId46"/>
+    <p:sldId id="290" r:id="rId47"/>
+    <p:sldId id="289" r:id="rId48"/>
+    <p:sldId id="344" r:id="rId49"/>
+    <p:sldId id="287" r:id="rId50"/>
+    <p:sldId id="288" r:id="rId51"/>
+    <p:sldId id="345" r:id="rId52"/>
+    <p:sldId id="294" r:id="rId53"/>
+    <p:sldId id="275" r:id="rId54"/>
   </p:sldIdLst>
   <p:sldSz cx="9144000" cy="6858000" type="screen4x3"/>
   <p:notesSz cx="6858000" cy="9144000"/>
@@ -31835,6 +31836,212 @@
           </a:p>
         </p:txBody>
       </p:sp>
+      <p:sp>
+        <p:nvSpPr>
+          <p:cNvPr id="3" name="标题 1"/>
+          <p:cNvSpPr txBox="1">
+            <a:spLocks/>
+          </p:cNvSpPr>
+          <p:nvPr/>
+        </p:nvSpPr>
+        <p:spPr bwMode="auto">
+          <a:xfrm>
+            <a:off x="5140416" y="5182277"/>
+            <a:ext cx="3175448" cy="646331"/>
+          </a:xfrm>
+          <a:prstGeom prst="rect">
+            <a:avLst/>
+          </a:prstGeom>
+          <a:noFill/>
+          <a:ln>
+            <a:noFill/>
+          </a:ln>
+          <a:extLst>
+            <a:ext uri="{909E8E84-426E-40DD-AFC4-6F175D3DCCD1}">
+              <a14:hiddenFill xmlns:a14="http://schemas.microsoft.com/office/drawing/2010/main">
+                <a:solidFill>
+                  <a:srgbClr val="FFFFFF"/>
+                </a:solidFill>
+              </a14:hiddenFill>
+            </a:ext>
+            <a:ext uri="{91240B29-F687-4F45-9708-019B960494DF}">
+              <a14:hiddenLine xmlns:a14="http://schemas.microsoft.com/office/drawing/2010/main" w="9525">
+                <a:solidFill>
+                  <a:srgbClr val="000000"/>
+                </a:solidFill>
+                <a:miter lim="800000"/>
+                <a:headEnd/>
+                <a:tailEnd/>
+              </a14:hiddenLine>
+            </a:ext>
+          </a:extLst>
+        </p:spPr>
+        <p:txBody>
+          <a:bodyPr vert="horz" wrap="square" lIns="91440" tIns="45720" rIns="91440" bIns="45720" numCol="1" anchor="ctr" anchorCtr="0" compatLnSpc="1">
+            <a:spAutoFit/>
+          </a:bodyPr>
+          <a:lstStyle>
+            <a:lvl1pPr algn="l" rtl="0" eaLnBrk="1" fontAlgn="base" hangingPunct="1">
+              <a:spcBef>
+                <a:spcPct val="0"/>
+              </a:spcBef>
+              <a:spcAft>
+                <a:spcPct val="0"/>
+              </a:spcAft>
+              <a:defRPr sz="2700" b="1">
+                <a:solidFill>
+                  <a:srgbClr val="0070AF"/>
+                </a:solidFill>
+                <a:effectLst>
+                  <a:outerShdw blurRad="38100" dist="38100" dir="2700000" algn="tl">
+                    <a:srgbClr val="000000">
+                      <a:alpha val="43137"/>
+                    </a:srgbClr>
+                  </a:outerShdw>
+                </a:effectLst>
+                <a:latin typeface="微软雅黑" pitchFamily="34" charset="-122"/>
+                <a:ea typeface="微软雅黑" pitchFamily="34" charset="-122"/>
+                <a:cs typeface="微软雅黑" pitchFamily="34" charset="-122"/>
+              </a:defRPr>
+            </a:lvl1pPr>
+            <a:lvl2pPr algn="l" rtl="0" eaLnBrk="1" fontAlgn="base" hangingPunct="1">
+              <a:spcBef>
+                <a:spcPct val="0"/>
+              </a:spcBef>
+              <a:spcAft>
+                <a:spcPct val="0"/>
+              </a:spcAft>
+              <a:defRPr sz="2100">
+                <a:solidFill>
+                  <a:schemeClr val="bg1"/>
+                </a:solidFill>
+                <a:latin typeface="微软雅黑" pitchFamily="34" charset="-122"/>
+                <a:ea typeface="微软雅黑" pitchFamily="34" charset="-122"/>
+                <a:cs typeface="ＭＳ Ｐゴシック" pitchFamily="-112" charset="-128"/>
+              </a:defRPr>
+            </a:lvl2pPr>
+            <a:lvl3pPr algn="l" rtl="0" eaLnBrk="1" fontAlgn="base" hangingPunct="1">
+              <a:spcBef>
+                <a:spcPct val="0"/>
+              </a:spcBef>
+              <a:spcAft>
+                <a:spcPct val="0"/>
+              </a:spcAft>
+              <a:defRPr sz="2100">
+                <a:solidFill>
+                  <a:schemeClr val="bg1"/>
+                </a:solidFill>
+                <a:latin typeface="微软雅黑" pitchFamily="34" charset="-122"/>
+                <a:ea typeface="微软雅黑" pitchFamily="34" charset="-122"/>
+                <a:cs typeface="ＭＳ Ｐゴシック" pitchFamily="-112" charset="-128"/>
+              </a:defRPr>
+            </a:lvl3pPr>
+            <a:lvl4pPr algn="l" rtl="0" eaLnBrk="1" fontAlgn="base" hangingPunct="1">
+              <a:spcBef>
+                <a:spcPct val="0"/>
+              </a:spcBef>
+              <a:spcAft>
+                <a:spcPct val="0"/>
+              </a:spcAft>
+              <a:defRPr sz="2100">
+                <a:solidFill>
+                  <a:schemeClr val="bg1"/>
+                </a:solidFill>
+                <a:latin typeface="微软雅黑" pitchFamily="34" charset="-122"/>
+                <a:ea typeface="微软雅黑" pitchFamily="34" charset="-122"/>
+                <a:cs typeface="ＭＳ Ｐゴシック" pitchFamily="-112" charset="-128"/>
+              </a:defRPr>
+            </a:lvl4pPr>
+            <a:lvl5pPr algn="l" rtl="0" eaLnBrk="1" fontAlgn="base" hangingPunct="1">
+              <a:spcBef>
+                <a:spcPct val="0"/>
+              </a:spcBef>
+              <a:spcAft>
+                <a:spcPct val="0"/>
+              </a:spcAft>
+              <a:defRPr sz="2100">
+                <a:solidFill>
+                  <a:schemeClr val="bg1"/>
+                </a:solidFill>
+                <a:latin typeface="微软雅黑" pitchFamily="34" charset="-122"/>
+                <a:ea typeface="微软雅黑" pitchFamily="34" charset="-122"/>
+                <a:cs typeface="ＭＳ Ｐゴシック" pitchFamily="-112" charset="-128"/>
+              </a:defRPr>
+            </a:lvl5pPr>
+            <a:lvl6pPr marL="342900" algn="l" rtl="0" eaLnBrk="1" fontAlgn="base" hangingPunct="1">
+              <a:spcBef>
+                <a:spcPct val="0"/>
+              </a:spcBef>
+              <a:spcAft>
+                <a:spcPct val="0"/>
+              </a:spcAft>
+              <a:defRPr sz="2100">
+                <a:solidFill>
+                  <a:srgbClr val="336799"/>
+                </a:solidFill>
+                <a:latin typeface="Segoe Semibold" pitchFamily="34" charset="0"/>
+              </a:defRPr>
+            </a:lvl6pPr>
+            <a:lvl7pPr marL="685800" algn="l" rtl="0" eaLnBrk="1" fontAlgn="base" hangingPunct="1">
+              <a:spcBef>
+                <a:spcPct val="0"/>
+              </a:spcBef>
+              <a:spcAft>
+                <a:spcPct val="0"/>
+              </a:spcAft>
+              <a:defRPr sz="2100">
+                <a:solidFill>
+                  <a:srgbClr val="336799"/>
+                </a:solidFill>
+                <a:latin typeface="Segoe Semibold" pitchFamily="34" charset="0"/>
+              </a:defRPr>
+            </a:lvl7pPr>
+            <a:lvl8pPr marL="1028700" algn="l" rtl="0" eaLnBrk="1" fontAlgn="base" hangingPunct="1">
+              <a:spcBef>
+                <a:spcPct val="0"/>
+              </a:spcBef>
+              <a:spcAft>
+                <a:spcPct val="0"/>
+              </a:spcAft>
+              <a:defRPr sz="2100">
+                <a:solidFill>
+                  <a:srgbClr val="336799"/>
+                </a:solidFill>
+                <a:latin typeface="Segoe Semibold" pitchFamily="34" charset="0"/>
+              </a:defRPr>
+            </a:lvl8pPr>
+            <a:lvl9pPr marL="1371600" algn="l" rtl="0" eaLnBrk="1" fontAlgn="base" hangingPunct="1">
+              <a:spcBef>
+                <a:spcPct val="0"/>
+              </a:spcBef>
+              <a:spcAft>
+                <a:spcPct val="0"/>
+              </a:spcAft>
+              <a:defRPr sz="2100">
+                <a:solidFill>
+                  <a:srgbClr val="336799"/>
+                </a:solidFill>
+                <a:latin typeface="Segoe Semibold" pitchFamily="34" charset="0"/>
+              </a:defRPr>
+            </a:lvl9pPr>
+          </a:lstStyle>
+          <a:p>
+            <a:pPr algn="ctr"/>
+            <a:r>
+              <a:rPr lang="zh-CN" altLang="en-US" sz="1800" kern="0" dirty="0" smtClean="0"/>
+              <a:t>林广和</a:t>
+            </a:r>
+            <a:r>
+              <a:rPr lang="en-US" altLang="zh-CN" sz="1800" kern="0" dirty="0" smtClean="0"/>
+              <a:t/>
+            </a:r>
+            <a:br>
+              <a:rPr lang="en-US" altLang="zh-CN" sz="1800" kern="0" dirty="0" smtClean="0"/>
+            </a:br>
+            <a:endParaRPr lang="zh-CN" altLang="en-US" sz="1800" kern="0" dirty="0"/>
+          </a:p>
+        </p:txBody>
+      </p:sp>
     </p:spTree>
   </p:cSld>
   <p:clrMapOvr>
@@ -31869,81 +32076,7 @@
       </p:grpSpPr>
       <p:sp>
         <p:nvSpPr>
-          <p:cNvPr id="8" name="内容占位符 7"/>
-          <p:cNvSpPr>
-            <a:spLocks noGrp="1"/>
-          </p:cNvSpPr>
-          <p:nvPr>
-            <p:ph idx="1"/>
-          </p:nvPr>
-        </p:nvSpPr>
-        <p:spPr/>
-        <p:txBody>
-          <a:bodyPr/>
-          <a:lstStyle/>
-          <a:p>
-            <a:r>
-              <a:rPr lang="en-US" altLang="zh-CN" dirty="0" smtClean="0"/>
-              <a:t>Named Entity Recognition (NER) </a:t>
-            </a:r>
-          </a:p>
-          <a:p>
-            <a:pPr lvl="1"/>
-            <a:r>
-              <a:rPr lang="en-US" altLang="zh-CN" dirty="0" smtClean="0"/>
-              <a:t>an important problem in natural language processing and has been investigated for many years. </a:t>
-            </a:r>
-          </a:p>
-          <a:p>
-            <a:r>
-              <a:rPr lang="en-US" altLang="zh-CN" dirty="0" smtClean="0"/>
-              <a:t>Research Background</a:t>
-            </a:r>
-          </a:p>
-          <a:p>
-            <a:pPr lvl="1"/>
-            <a:r>
-              <a:rPr lang="en-US" altLang="zh-CN" dirty="0" smtClean="0"/>
-              <a:t>There have been a lot of works on this task, especially for major languages such as English, Chinese, etc.</a:t>
-            </a:r>
-          </a:p>
-          <a:p>
-            <a:pPr lvl="1"/>
-            <a:r>
-              <a:rPr lang="en-US" altLang="zh-CN" dirty="0" smtClean="0"/>
-              <a:t>For the Vietnamese language, several authors have attempted to tackle the NER problem using both supervised and semi-supervised methods.</a:t>
-            </a:r>
-          </a:p>
-          <a:p>
-            <a:pPr lvl="1"/>
-            <a:r>
-              <a:rPr lang="en-US" altLang="zh-CN" dirty="0" smtClean="0"/>
-              <a:t>However, previous works for NER in the Vietnamese language mainly used offline supervised learning methods, where all the training data are gathered before a model is trained.</a:t>
-            </a:r>
-            <a:br>
-              <a:rPr lang="en-US" altLang="zh-CN" dirty="0" smtClean="0"/>
-            </a:br>
-            <a:r>
-              <a:rPr lang="en-US" altLang="zh-CN" dirty="0" smtClean="0"/>
-              <a:t/>
-            </a:r>
-            <a:br>
-              <a:rPr lang="en-US" altLang="zh-CN" dirty="0" smtClean="0"/>
-            </a:br>
-            <a:r>
-              <a:rPr lang="en-US" altLang="zh-CN" dirty="0" smtClean="0"/>
-              <a:t/>
-            </a:r>
-            <a:br>
-              <a:rPr lang="en-US" altLang="zh-CN" dirty="0" smtClean="0"/>
-            </a:br>
-            <a:endParaRPr lang="zh-CN" altLang="en-US" dirty="0"/>
-          </a:p>
-        </p:txBody>
-      </p:sp>
-      <p:sp>
-        <p:nvSpPr>
-          <p:cNvPr id="7" name="标题 6"/>
+          <p:cNvPr id="9" name="标题 8"/>
           <p:cNvSpPr>
             <a:spLocks noGrp="1"/>
           </p:cNvSpPr>
@@ -31958,8 +32091,119 @@
           <a:p>
             <a:r>
               <a:rPr lang="en-US" altLang="zh-CN" dirty="0" smtClean="0"/>
+              <a:t>Outline</a:t>
+            </a:r>
+            <a:endParaRPr lang="zh-CN" altLang="en-US" dirty="0"/>
+          </a:p>
+        </p:txBody>
+      </p:sp>
+      <p:sp>
+        <p:nvSpPr>
+          <p:cNvPr id="10" name="文本占位符 9"/>
+          <p:cNvSpPr>
+            <a:spLocks noGrp="1"/>
+          </p:cNvSpPr>
+          <p:nvPr>
+            <p:ph type="body" sz="quarter" idx="10"/>
+          </p:nvPr>
+        </p:nvSpPr>
+        <p:spPr/>
+        <p:txBody>
+          <a:bodyPr/>
+          <a:lstStyle/>
+          <a:p>
+            <a:r>
+              <a:rPr lang="en-US" altLang="zh-CN" b="1" dirty="0" smtClean="0"/>
+              <a:t>Bootstrapping with CRFs</a:t>
+            </a:r>
+            <a:endParaRPr lang="zh-CN" altLang="en-US" dirty="0"/>
+          </a:p>
+        </p:txBody>
+      </p:sp>
+      <p:sp>
+        <p:nvSpPr>
+          <p:cNvPr id="11" name="文本占位符 10"/>
+          <p:cNvSpPr>
+            <a:spLocks noGrp="1"/>
+          </p:cNvSpPr>
+          <p:nvPr>
+            <p:ph type="body" sz="quarter" idx="11"/>
+          </p:nvPr>
+        </p:nvSpPr>
+        <p:spPr>
+          <a:xfrm>
+            <a:off x="2492474" y="2779986"/>
+            <a:ext cx="5309419" cy="452492"/>
+          </a:xfrm>
+        </p:spPr>
+        <p:txBody>
+          <a:bodyPr/>
+          <a:lstStyle/>
+          <a:p>
+            <a:r>
+              <a:rPr lang="en-US" altLang="zh-CN" b="1" dirty="0" smtClean="0"/>
+              <a:t>Margin Infused Relaxed Algorithm for CRFs</a:t>
+            </a:r>
+            <a:r>
+              <a:rPr lang="en-US" altLang="zh-CN" dirty="0" smtClean="0"/>
+              <a:t/>
+            </a:r>
+            <a:br>
+              <a:rPr lang="en-US" altLang="zh-CN" dirty="0" smtClean="0"/>
+            </a:br>
+            <a:endParaRPr lang="zh-CN" altLang="en-US" dirty="0"/>
+          </a:p>
+        </p:txBody>
+      </p:sp>
+      <p:sp>
+        <p:nvSpPr>
+          <p:cNvPr id="6" name="文本占位符 5"/>
+          <p:cNvSpPr>
+            <a:spLocks noGrp="1"/>
+          </p:cNvSpPr>
+          <p:nvPr>
+            <p:ph type="body" sz="quarter" idx="12"/>
+          </p:nvPr>
+        </p:nvSpPr>
+        <p:spPr/>
+        <p:txBody>
+          <a:bodyPr/>
+          <a:lstStyle/>
+          <a:p>
+            <a:r>
+              <a:rPr lang="en-US" altLang="zh-CN" b="1" dirty="0" smtClean="0"/>
               <a:t>Introduction</a:t>
             </a:r>
+            <a:endParaRPr lang="zh-CN" altLang="en-US" b="1" dirty="0" smtClean="0"/>
+          </a:p>
+        </p:txBody>
+      </p:sp>
+      <p:sp>
+        <p:nvSpPr>
+          <p:cNvPr id="12" name="文本占位符 11"/>
+          <p:cNvSpPr>
+            <a:spLocks noGrp="1"/>
+          </p:cNvSpPr>
+          <p:nvPr>
+            <p:ph type="body" sz="quarter" idx="13"/>
+          </p:nvPr>
+        </p:nvSpPr>
+        <p:spPr/>
+        <p:txBody>
+          <a:bodyPr/>
+          <a:lstStyle/>
+          <a:p>
+            <a:r>
+              <a:rPr lang="en-US" altLang="zh-CN" b="1" dirty="0" smtClean="0"/>
+              <a:t>Experimental Results &amp; Discussions</a:t>
+            </a:r>
+            <a:r>
+              <a:rPr lang="en-US" altLang="zh-CN" dirty="0" smtClean="0"/>
+              <a:t/>
+            </a:r>
+            <a:br>
+              <a:rPr lang="en-US" altLang="zh-CN" dirty="0" smtClean="0"/>
+            </a:br>
             <a:endParaRPr lang="zh-CN" altLang="en-US" dirty="0"/>
           </a:p>
         </p:txBody>
@@ -31998,7 +32242,7 @@
       </p:grpSpPr>
       <p:sp>
         <p:nvSpPr>
-          <p:cNvPr id="2" name="内容占位符 1"/>
+          <p:cNvPr id="8" name="内容占位符 7"/>
           <p:cNvSpPr>
             <a:spLocks noGrp="1"/>
           </p:cNvSpPr>
@@ -32013,61 +32257,66 @@
           <a:p>
             <a:r>
               <a:rPr lang="en-US" altLang="zh-CN" dirty="0" smtClean="0"/>
-              <a:t>One dominant approach for NER in the Vietnamese language </a:t>
+              <a:t>Named Entity Recognition (NER) </a:t>
             </a:r>
           </a:p>
           <a:p>
             <a:pPr lvl="1"/>
             <a:r>
               <a:rPr lang="en-US" altLang="zh-CN" dirty="0" smtClean="0"/>
-              <a:t>supervised learning with conditional random fields(CRFs)</a:t>
+              <a:t>an important problem in natural language processing and has been investigated for many years. </a:t>
+            </a:r>
+          </a:p>
+          <a:p>
+            <a:r>
+              <a:rPr lang="en-US" altLang="zh-CN" dirty="0" smtClean="0"/>
+              <a:t>Research Background</a:t>
             </a:r>
           </a:p>
           <a:p>
             <a:pPr lvl="1"/>
-            <a:endParaRPr lang="en-US" altLang="zh-CN" dirty="0" smtClean="0"/>
-          </a:p>
-          <a:p>
             <a:r>
               <a:rPr lang="en-US" altLang="zh-CN" dirty="0" smtClean="0"/>
-              <a:t>Attractive semi-supervised learning approaches</a:t>
+              <a:t>There have been a lot of works on this task, especially for major languages such as English, Chinese, etc.</a:t>
             </a:r>
           </a:p>
           <a:p>
             <a:pPr lvl="1"/>
             <a:r>
               <a:rPr lang="en-US" altLang="zh-CN" dirty="0" smtClean="0"/>
-              <a:t>Reason: it is expensive to get a large amount of labeled data. </a:t>
+              <a:t>For the Vietnamese language, several authors have attempted to tackle the NER problem using both supervised and semi-supervised methods.</a:t>
             </a:r>
           </a:p>
           <a:p>
             <a:pPr lvl="1"/>
             <a:r>
               <a:rPr lang="en-US" altLang="zh-CN" dirty="0" smtClean="0"/>
-              <a:t>Especially, using bootstrapping methods, </a:t>
-            </a:r>
-            <a:r>
-              <a:rPr lang="en-US" altLang="zh-CN" dirty="0" err="1" smtClean="0"/>
-              <a:t>Ji</a:t>
-            </a:r>
-            <a:r>
+              <a:t>However, previous works for NER in the Vietnamese language mainly used offline supervised learning methods, where all the training data are gathered before a model is trained.</a:t>
+            </a:r>
+            <a:br>
               <a:rPr lang="en-US" altLang="zh-CN" dirty="0" smtClean="0"/>
-              <a:t> and </a:t>
-            </a:r>
-            <a:r>
-              <a:rPr lang="en-US" altLang="zh-CN" dirty="0" err="1" smtClean="0"/>
-              <a:t>Grishman</a:t>
-            </a:r>
+            </a:br>
             <a:r>
               <a:rPr lang="en-US" altLang="zh-CN" dirty="0" smtClean="0"/>
-              <a:t> (2006) were able to improve the performance of existing NER systems.</a:t>
-            </a:r>
+              <a:t/>
+            </a:r>
+            <a:br>
+              <a:rPr lang="en-US" altLang="zh-CN" dirty="0" smtClean="0"/>
+            </a:br>
+            <a:r>
+              <a:rPr lang="en-US" altLang="zh-CN" dirty="0" smtClean="0"/>
+              <a:t/>
+            </a:r>
+            <a:br>
+              <a:rPr lang="en-US" altLang="zh-CN" dirty="0" smtClean="0"/>
+            </a:br>
+            <a:endParaRPr lang="zh-CN" altLang="en-US" dirty="0"/>
           </a:p>
         </p:txBody>
       </p:sp>
       <p:sp>
         <p:nvSpPr>
-          <p:cNvPr id="3" name="标题 2"/>
+          <p:cNvPr id="7" name="标题 6"/>
           <p:cNvSpPr>
             <a:spLocks noGrp="1"/>
           </p:cNvSpPr>
@@ -32137,142 +32386,55 @@
           <a:p>
             <a:r>
               <a:rPr lang="en-US" altLang="zh-CN" dirty="0" smtClean="0"/>
-              <a:t>For the Vietnamese language, in supervised learning</a:t>
+              <a:t>One dominant approach for NER in the Vietnamese language </a:t>
             </a:r>
           </a:p>
           <a:p>
             <a:pPr lvl="1"/>
             <a:r>
               <a:rPr lang="en-US" altLang="zh-CN" dirty="0" smtClean="0"/>
-              <a:t>Using  CRFs  87.90% </a:t>
-            </a:r>
-            <a:r>
-              <a:rPr lang="en-US" altLang="zh-CN" i="1" dirty="0" smtClean="0"/>
-              <a:t>F</a:t>
-            </a:r>
-            <a:r>
-              <a:rPr lang="en-US" altLang="zh-CN" baseline="-25000" dirty="0" smtClean="0"/>
-              <a:t>1</a:t>
-            </a:r>
-            <a:r>
-              <a:rPr lang="en-US" altLang="zh-CN" dirty="0" smtClean="0"/>
-              <a:t> score as their highest performance. </a:t>
+              <a:t>supervised learning with conditional random fields(CRFs)</a:t>
             </a:r>
           </a:p>
           <a:p>
             <a:pPr lvl="1"/>
-            <a:r>
-              <a:rPr lang="en-US" altLang="zh-CN" dirty="0" smtClean="0"/>
-              <a:t>Using SVMs  87.75% </a:t>
-            </a:r>
-            <a:r>
-              <a:rPr lang="en-US" altLang="zh-CN" i="1" dirty="0" smtClean="0"/>
-              <a:t>F</a:t>
-            </a:r>
-            <a:r>
-              <a:rPr lang="en-US" altLang="zh-CN" baseline="-25000" dirty="0" smtClean="0"/>
-              <a:t>1</a:t>
-            </a:r>
-            <a:r>
-              <a:rPr lang="en-US" altLang="zh-CN" dirty="0" smtClean="0"/>
-              <a:t> score for the task. </a:t>
-            </a:r>
-          </a:p>
-          <a:p>
             <a:endParaRPr lang="en-US" altLang="zh-CN" dirty="0" smtClean="0"/>
           </a:p>
           <a:p>
             <a:r>
               <a:rPr lang="en-US" altLang="zh-CN" dirty="0" smtClean="0"/>
-              <a:t>In semi-supervised learning</a:t>
+              <a:t>Attractive semi-supervised learning approaches</a:t>
             </a:r>
           </a:p>
           <a:p>
             <a:pPr lvl="1"/>
             <a:r>
               <a:rPr lang="en-US" altLang="zh-CN" dirty="0" smtClean="0"/>
-              <a:t>90.14% </a:t>
-            </a:r>
-            <a:r>
-              <a:rPr lang="en-US" altLang="zh-CN" i="1" dirty="0" smtClean="0"/>
-              <a:t>F</a:t>
-            </a:r>
-            <a:r>
-              <a:rPr lang="en-US" altLang="zh-CN" baseline="-25000" dirty="0" smtClean="0"/>
-              <a:t>1</a:t>
-            </a:r>
-            <a:r>
-              <a:rPr lang="en-US" altLang="zh-CN" dirty="0" smtClean="0"/>
-              <a:t> score using CRFs with the generalized expectation criteria</a:t>
+              <a:t>Reason: it is expensive to get a large amount of labeled data. </a:t>
             </a:r>
           </a:p>
           <a:p>
             <a:pPr lvl="1"/>
             <a:r>
               <a:rPr lang="en-US" altLang="zh-CN" dirty="0" smtClean="0"/>
-              <a:t>95% </a:t>
-            </a:r>
-            <a:r>
-              <a:rPr lang="en-US" altLang="zh-CN" i="1" dirty="0" smtClean="0"/>
-              <a:t>F</a:t>
-            </a:r>
-            <a:r>
-              <a:rPr lang="en-US" altLang="zh-CN" baseline="-25000" dirty="0" smtClean="0"/>
-              <a:t>1</a:t>
+              <a:t>Especially, using bootstrapping methods, </a:t>
+            </a:r>
+            <a:r>
+              <a:rPr lang="en-US" altLang="zh-CN" dirty="0" err="1" smtClean="0"/>
+              <a:t>Ji</a:t>
             </a:r>
             <a:r>
               <a:rPr lang="en-US" altLang="zh-CN" dirty="0" smtClean="0"/>
-              <a:t> score using bootstrapping and rule-based models.</a:t>
-            </a:r>
-            <a:br>
+              <a:t> and </a:t>
+            </a:r>
+            <a:r>
+              <a:rPr lang="en-US" altLang="zh-CN" dirty="0" err="1" smtClean="0"/>
+              <a:t>Grishman</a:t>
+            </a:r>
+            <a:r>
               <a:rPr lang="en-US" altLang="zh-CN" dirty="0" smtClean="0"/>
-            </a:br>
-            <a:r>
-              <a:rPr lang="en-US" altLang="zh-CN" dirty="0" smtClean="0"/>
-              <a:t/>
-            </a:r>
-            <a:br>
-              <a:rPr lang="en-US" altLang="zh-CN" dirty="0" smtClean="0"/>
-            </a:br>
-            <a:r>
-              <a:rPr lang="en-US" altLang="zh-CN" dirty="0" smtClean="0"/>
-              <a:t/>
-            </a:r>
-            <a:br>
-              <a:rPr lang="en-US" altLang="zh-CN" dirty="0" smtClean="0"/>
-            </a:br>
-            <a:r>
-              <a:rPr lang="en-US" altLang="zh-CN" dirty="0" smtClean="0"/>
-              <a:t/>
-            </a:r>
-            <a:br>
-              <a:rPr lang="en-US" altLang="zh-CN" dirty="0" smtClean="0"/>
-            </a:br>
-            <a:r>
-              <a:rPr lang="en-US" altLang="zh-CN" dirty="0" smtClean="0"/>
-              <a:t> </a:t>
-            </a:r>
-            <a:br>
-              <a:rPr lang="en-US" altLang="zh-CN" dirty="0" smtClean="0"/>
-            </a:br>
-            <a:r>
-              <a:rPr lang="en-US" altLang="zh-CN" dirty="0" smtClean="0"/>
-              <a:t> </a:t>
-            </a:r>
-            <a:br>
-              <a:rPr lang="en-US" altLang="zh-CN" dirty="0" smtClean="0"/>
-            </a:br>
-            <a:r>
-              <a:rPr lang="en-US" altLang="zh-CN" dirty="0" smtClean="0"/>
-              <a:t> </a:t>
-            </a:r>
-            <a:br>
-              <a:rPr lang="en-US" altLang="zh-CN" dirty="0" smtClean="0"/>
-            </a:br>
-            <a:endParaRPr lang="zh-CN" altLang="en-US" dirty="0" smtClean="0"/>
-          </a:p>
-          <a:p>
-            <a:endParaRPr lang="zh-CN" altLang="en-US" dirty="0"/>
+              <a:t> (2006) were able to improve the performance of existing NER systems.</a:t>
+            </a:r>
           </a:p>
         </p:txBody>
       </p:sp>
@@ -32348,6 +32510,217 @@
           <a:p>
             <a:r>
               <a:rPr lang="en-US" altLang="zh-CN" dirty="0" smtClean="0"/>
+              <a:t>For the Vietnamese language, in supervised learning</a:t>
+            </a:r>
+          </a:p>
+          <a:p>
+            <a:pPr lvl="1"/>
+            <a:r>
+              <a:rPr lang="en-US" altLang="zh-CN" dirty="0" smtClean="0"/>
+              <a:t>Using  CRFs  87.90% </a:t>
+            </a:r>
+            <a:r>
+              <a:rPr lang="en-US" altLang="zh-CN" i="1" dirty="0" smtClean="0"/>
+              <a:t>F</a:t>
+            </a:r>
+            <a:r>
+              <a:rPr lang="en-US" altLang="zh-CN" baseline="-25000" dirty="0" smtClean="0"/>
+              <a:t>1</a:t>
+            </a:r>
+            <a:r>
+              <a:rPr lang="en-US" altLang="zh-CN" dirty="0" smtClean="0"/>
+              <a:t> score as their highest performance. </a:t>
+            </a:r>
+          </a:p>
+          <a:p>
+            <a:pPr lvl="1"/>
+            <a:r>
+              <a:rPr lang="en-US" altLang="zh-CN" dirty="0" smtClean="0"/>
+              <a:t>Using SVMs  87.75% </a:t>
+            </a:r>
+            <a:r>
+              <a:rPr lang="en-US" altLang="zh-CN" i="1" dirty="0" smtClean="0"/>
+              <a:t>F</a:t>
+            </a:r>
+            <a:r>
+              <a:rPr lang="en-US" altLang="zh-CN" baseline="-25000" dirty="0" smtClean="0"/>
+              <a:t>1</a:t>
+            </a:r>
+            <a:r>
+              <a:rPr lang="en-US" altLang="zh-CN" dirty="0" smtClean="0"/>
+              <a:t> score for the task. </a:t>
+            </a:r>
+          </a:p>
+          <a:p>
+            <a:endParaRPr lang="en-US" altLang="zh-CN" dirty="0" smtClean="0"/>
+          </a:p>
+          <a:p>
+            <a:r>
+              <a:rPr lang="en-US" altLang="zh-CN" dirty="0" smtClean="0"/>
+              <a:t>In semi-supervised learning</a:t>
+            </a:r>
+          </a:p>
+          <a:p>
+            <a:pPr lvl="1"/>
+            <a:r>
+              <a:rPr lang="en-US" altLang="zh-CN" dirty="0" smtClean="0"/>
+              <a:t>90.14% </a:t>
+            </a:r>
+            <a:r>
+              <a:rPr lang="en-US" altLang="zh-CN" i="1" dirty="0" smtClean="0"/>
+              <a:t>F</a:t>
+            </a:r>
+            <a:r>
+              <a:rPr lang="en-US" altLang="zh-CN" baseline="-25000" dirty="0" smtClean="0"/>
+              <a:t>1</a:t>
+            </a:r>
+            <a:r>
+              <a:rPr lang="en-US" altLang="zh-CN" dirty="0" smtClean="0"/>
+              <a:t> score using CRFs with the generalized expectation criteria</a:t>
+            </a:r>
+          </a:p>
+          <a:p>
+            <a:pPr lvl="1"/>
+            <a:r>
+              <a:rPr lang="en-US" altLang="zh-CN" dirty="0" smtClean="0"/>
+              <a:t>95% </a:t>
+            </a:r>
+            <a:r>
+              <a:rPr lang="en-US" altLang="zh-CN" i="1" dirty="0" smtClean="0"/>
+              <a:t>F</a:t>
+            </a:r>
+            <a:r>
+              <a:rPr lang="en-US" altLang="zh-CN" baseline="-25000" dirty="0" smtClean="0"/>
+              <a:t>1</a:t>
+            </a:r>
+            <a:r>
+              <a:rPr lang="en-US" altLang="zh-CN" dirty="0" smtClean="0"/>
+              <a:t> score using bootstrapping and rule-based models.</a:t>
+            </a:r>
+            <a:br>
+              <a:rPr lang="en-US" altLang="zh-CN" dirty="0" smtClean="0"/>
+            </a:br>
+            <a:r>
+              <a:rPr lang="en-US" altLang="zh-CN" dirty="0" smtClean="0"/>
+              <a:t/>
+            </a:r>
+            <a:br>
+              <a:rPr lang="en-US" altLang="zh-CN" dirty="0" smtClean="0"/>
+            </a:br>
+            <a:r>
+              <a:rPr lang="en-US" altLang="zh-CN" dirty="0" smtClean="0"/>
+              <a:t/>
+            </a:r>
+            <a:br>
+              <a:rPr lang="en-US" altLang="zh-CN" dirty="0" smtClean="0"/>
+            </a:br>
+            <a:r>
+              <a:rPr lang="en-US" altLang="zh-CN" dirty="0" smtClean="0"/>
+              <a:t/>
+            </a:r>
+            <a:br>
+              <a:rPr lang="en-US" altLang="zh-CN" dirty="0" smtClean="0"/>
+            </a:br>
+            <a:r>
+              <a:rPr lang="en-US" altLang="zh-CN" dirty="0" smtClean="0"/>
+              <a:t> </a:t>
+            </a:r>
+            <a:br>
+              <a:rPr lang="en-US" altLang="zh-CN" dirty="0" smtClean="0"/>
+            </a:br>
+            <a:r>
+              <a:rPr lang="en-US" altLang="zh-CN" dirty="0" smtClean="0"/>
+              <a:t> </a:t>
+            </a:r>
+            <a:br>
+              <a:rPr lang="en-US" altLang="zh-CN" dirty="0" smtClean="0"/>
+            </a:br>
+            <a:r>
+              <a:rPr lang="en-US" altLang="zh-CN" dirty="0" smtClean="0"/>
+              <a:t> </a:t>
+            </a:r>
+            <a:br>
+              <a:rPr lang="en-US" altLang="zh-CN" dirty="0" smtClean="0"/>
+            </a:br>
+            <a:endParaRPr lang="zh-CN" altLang="en-US" dirty="0" smtClean="0"/>
+          </a:p>
+          <a:p>
+            <a:endParaRPr lang="zh-CN" altLang="en-US" dirty="0"/>
+          </a:p>
+        </p:txBody>
+      </p:sp>
+      <p:sp>
+        <p:nvSpPr>
+          <p:cNvPr id="3" name="标题 2"/>
+          <p:cNvSpPr>
+            <a:spLocks noGrp="1"/>
+          </p:cNvSpPr>
+          <p:nvPr>
+            <p:ph type="title"/>
+          </p:nvPr>
+        </p:nvSpPr>
+        <p:spPr/>
+        <p:txBody>
+          <a:bodyPr/>
+          <a:lstStyle/>
+          <a:p>
+            <a:r>
+              <a:rPr lang="en-US" altLang="zh-CN" dirty="0" smtClean="0"/>
+              <a:t>Introduction</a:t>
+            </a:r>
+            <a:endParaRPr lang="zh-CN" altLang="en-US" dirty="0"/>
+          </a:p>
+        </p:txBody>
+      </p:sp>
+    </p:spTree>
+  </p:cSld>
+  <p:clrMapOvr>
+    <a:masterClrMapping/>
+  </p:clrMapOvr>
+  <p:timing>
+    <p:tnLst>
+      <p:par>
+        <p:cTn id="1" dur="indefinite" restart="never" nodeType="tmRoot"/>
+      </p:par>
+    </p:tnLst>
+  </p:timing>
+</p:sld>
+</file>
+
+<file path=ppt/slides/slide14.xml><?xml version="1.0" encoding="utf-8"?>
+<p:sld xmlns:a="http://schemas.openxmlformats.org/drawingml/2006/main" xmlns:r="http://schemas.openxmlformats.org/officeDocument/2006/relationships" xmlns:p="http://schemas.openxmlformats.org/presentationml/2006/main">
+  <p:cSld>
+    <p:spTree>
+      <p:nvGrpSpPr>
+        <p:cNvPr id="1" name=""/>
+        <p:cNvGrpSpPr/>
+        <p:nvPr/>
+      </p:nvGrpSpPr>
+      <p:grpSpPr>
+        <a:xfrm>
+          <a:off x="0" y="0"/>
+          <a:ext cx="0" cy="0"/>
+          <a:chOff x="0" y="0"/>
+          <a:chExt cx="0" cy="0"/>
+        </a:xfrm>
+      </p:grpSpPr>
+      <p:sp>
+        <p:nvSpPr>
+          <p:cNvPr id="2" name="内容占位符 1"/>
+          <p:cNvSpPr>
+            <a:spLocks noGrp="1"/>
+          </p:cNvSpPr>
+          <p:nvPr>
+            <p:ph idx="1"/>
+          </p:nvPr>
+        </p:nvSpPr>
+        <p:spPr/>
+        <p:txBody>
+          <a:bodyPr/>
+          <a:lstStyle/>
+          <a:p>
+            <a:r>
+              <a:rPr lang="en-US" altLang="zh-CN" dirty="0" smtClean="0"/>
               <a:t>Works</a:t>
             </a:r>
           </a:p>
@@ -32445,7 +32818,7 @@
 </p:sld>
 </file>
 
-<file path=ppt/slides/slide14.xml><?xml version="1.0" encoding="utf-8"?>
+<file path=ppt/slides/slide15.xml><?xml version="1.0" encoding="utf-8"?>
 <p:sld xmlns:a="http://schemas.openxmlformats.org/drawingml/2006/main" xmlns:r="http://schemas.openxmlformats.org/officeDocument/2006/relationships" xmlns:p="http://schemas.openxmlformats.org/presentationml/2006/main" show="0">
   <p:cSld>
     <p:spTree>
@@ -32550,7 +32923,7 @@
 </p:sld>
 </file>
 
-<file path=ppt/slides/slide15.xml><?xml version="1.0" encoding="utf-8"?>
+<file path=ppt/slides/slide16.xml><?xml version="1.0" encoding="utf-8"?>
 <p:sld xmlns:a="http://schemas.openxmlformats.org/drawingml/2006/main" xmlns:r="http://schemas.openxmlformats.org/officeDocument/2006/relationships" xmlns:p="http://schemas.openxmlformats.org/presentationml/2006/main">
   <p:cSld>
     <p:spTree>
@@ -32726,7 +33099,7 @@
           <a:graphicData uri="http://schemas.openxmlformats.org/presentationml/2006/ole">
             <mc:AlternateContent xmlns:mc="http://schemas.openxmlformats.org/markup-compatibility/2006">
               <mc:Choice xmlns:v="urn:schemas-microsoft-com:vml" Requires="v">
-                <p:oleObj spid="_x0000_s35909" name="Equation" r:id="rId3" imgW="660240" imgH="253800" progId="Equation.DSMT4">
+                <p:oleObj spid="_x0000_s35967" name="Equation" r:id="rId3" imgW="660240" imgH="253800" progId="Equation.DSMT4">
                   <p:embed/>
                 </p:oleObj>
               </mc:Choice>
@@ -32796,7 +33169,7 @@
           <a:graphicData uri="http://schemas.openxmlformats.org/presentationml/2006/ole">
             <mc:AlternateContent xmlns:mc="http://schemas.openxmlformats.org/markup-compatibility/2006">
               <mc:Choice xmlns:v="urn:schemas-microsoft-com:vml" Requires="v">
-                <p:oleObj spid="_x0000_s35910" name="Equation" r:id="rId5" imgW="126720" imgH="126720" progId="Equation.DSMT4">
+                <p:oleObj spid="_x0000_s35968" name="Equation" r:id="rId5" imgW="126720" imgH="126720" progId="Equation.DSMT4">
                   <p:embed/>
                 </p:oleObj>
               </mc:Choice>
@@ -34009,7 +34382,7 @@
 </p:sld>
 </file>
 
-<file path=ppt/slides/slide16.xml><?xml version="1.0" encoding="utf-8"?>
+<file path=ppt/slides/slide17.xml><?xml version="1.0" encoding="utf-8"?>
 <p:sld xmlns:a="http://schemas.openxmlformats.org/drawingml/2006/main" xmlns:r="http://schemas.openxmlformats.org/officeDocument/2006/relationships" xmlns:p="http://schemas.openxmlformats.org/presentationml/2006/main">
   <p:cSld>
     <p:spTree>
@@ -35213,7 +35586,7 @@
           <a:graphicData uri="http://schemas.openxmlformats.org/presentationml/2006/ole">
             <mc:AlternateContent xmlns:mc="http://schemas.openxmlformats.org/markup-compatibility/2006">
               <mc:Choice xmlns:v="urn:schemas-microsoft-com:vml" Requires="v">
-                <p:oleObj spid="_x0000_s90178" r:id="rId3" imgW="2476440" imgH="241200" progId="Equation.3">
+                <p:oleObj spid="_x0000_s90236" r:id="rId3" imgW="2476440" imgH="241200" progId="Equation.3">
                   <p:embed/>
                 </p:oleObj>
               </mc:Choice>
@@ -35285,7 +35658,7 @@
           <a:graphicData uri="http://schemas.openxmlformats.org/presentationml/2006/ole">
             <mc:AlternateContent xmlns:mc="http://schemas.openxmlformats.org/markup-compatibility/2006">
               <mc:Choice xmlns:v="urn:schemas-microsoft-com:vml" Requires="v">
-                <p:oleObj spid="_x0000_s90179" r:id="rId5" imgW="3085920" imgH="241200" progId="Equation.3">
+                <p:oleObj spid="_x0000_s90237" r:id="rId5" imgW="3085920" imgH="241200" progId="Equation.3">
                   <p:embed/>
                 </p:oleObj>
               </mc:Choice>
@@ -35586,7 +35959,7 @@
 </p:sld>
 </file>
 
-<file path=ppt/slides/slide17.xml><?xml version="1.0" encoding="utf-8"?>
+<file path=ppt/slides/slide18.xml><?xml version="1.0" encoding="utf-8"?>
 <p:sld xmlns:a="http://schemas.openxmlformats.org/drawingml/2006/main" xmlns:r="http://schemas.openxmlformats.org/officeDocument/2006/relationships" xmlns:p="http://schemas.openxmlformats.org/presentationml/2006/main">
   <p:cSld>
     <p:spTree>
@@ -35800,7 +36173,7 @@
           <a:graphicData uri="http://schemas.openxmlformats.org/presentationml/2006/ole">
             <mc:AlternateContent xmlns:mc="http://schemas.openxmlformats.org/markup-compatibility/2006">
               <mc:Choice xmlns:v="urn:schemas-microsoft-com:vml" Requires="v">
-                <p:oleObj spid="_x0000_s91202" name="Equation" r:id="rId3" imgW="15849600" imgH="6096000" progId="Equation.DSMT4">
+                <p:oleObj spid="_x0000_s91260" name="Equation" r:id="rId3" imgW="15849600" imgH="6096000" progId="Equation.DSMT4">
                   <p:embed/>
                 </p:oleObj>
               </mc:Choice>
@@ -35870,7 +36243,7 @@
           <a:graphicData uri="http://schemas.openxmlformats.org/presentationml/2006/ole">
             <mc:AlternateContent xmlns:mc="http://schemas.openxmlformats.org/markup-compatibility/2006">
               <mc:Choice xmlns:v="urn:schemas-microsoft-com:vml" Requires="v">
-                <p:oleObj spid="_x0000_s91203" name="Equation" r:id="rId5" imgW="55473600" imgH="6705600" progId="Equation.DSMT4">
+                <p:oleObj spid="_x0000_s91261" name="Equation" r:id="rId5" imgW="55473600" imgH="6705600" progId="Equation.DSMT4">
                   <p:embed/>
                 </p:oleObj>
               </mc:Choice>
@@ -35939,7 +36312,7 @@
 </p:sld>
 </file>
 
-<file path=ppt/slides/slide18.xml><?xml version="1.0" encoding="utf-8"?>
+<file path=ppt/slides/slide19.xml><?xml version="1.0" encoding="utf-8"?>
 <p:sld xmlns:a="http://schemas.openxmlformats.org/drawingml/2006/main" xmlns:r="http://schemas.openxmlformats.org/officeDocument/2006/relationships" xmlns:p="http://schemas.openxmlformats.org/presentationml/2006/main" show="0">
   <p:cSld>
     <p:spTree>
@@ -36115,7 +36488,7 @@
           <a:graphicData uri="http://schemas.openxmlformats.org/presentationml/2006/ole">
             <mc:AlternateContent xmlns:mc="http://schemas.openxmlformats.org/markup-compatibility/2006">
               <mc:Choice xmlns:v="urn:schemas-microsoft-com:vml" Requires="v">
-                <p:oleObj spid="_x0000_s36961" name="Equation" r:id="rId3" imgW="12192000" imgH="6096000" progId="Equation.DSMT4">
+                <p:oleObj spid="_x0000_s37048" name="Equation" r:id="rId3" imgW="12192000" imgH="6096000" progId="Equation.DSMT4">
                   <p:embed/>
                 </p:oleObj>
               </mc:Choice>
@@ -36185,7 +36558,7 @@
           <a:graphicData uri="http://schemas.openxmlformats.org/presentationml/2006/ole">
             <mc:AlternateContent xmlns:mc="http://schemas.openxmlformats.org/markup-compatibility/2006">
               <mc:Choice xmlns:v="urn:schemas-microsoft-com:vml" Requires="v">
-                <p:oleObj spid="_x0000_s36962" name="Equation" r:id="rId5" imgW="64617600" imgH="11277600" progId="Equation.DSMT4">
+                <p:oleObj spid="_x0000_s37049" name="Equation" r:id="rId5" imgW="64617600" imgH="11277600" progId="Equation.DSMT4">
                   <p:embed/>
                 </p:oleObj>
               </mc:Choice>
@@ -36255,7 +36628,7 @@
           <a:graphicData uri="http://schemas.openxmlformats.org/presentationml/2006/ole">
             <mc:AlternateContent xmlns:mc="http://schemas.openxmlformats.org/markup-compatibility/2006">
               <mc:Choice xmlns:v="urn:schemas-microsoft-com:vml" Requires="v">
-                <p:oleObj spid="_x0000_s36963" name="Equation" r:id="rId7" imgW="58216800" imgH="10972800" progId="Equation.DSMT4">
+                <p:oleObj spid="_x0000_s37050" name="Equation" r:id="rId7" imgW="58216800" imgH="10972800" progId="Equation.DSMT4">
                   <p:embed/>
                 </p:oleObj>
               </mc:Choice>
@@ -36318,7 +36691,144 @@
 </p:sld>
 </file>
 
-<file path=ppt/slides/slide19.xml><?xml version="1.0" encoding="utf-8"?>
+<file path=ppt/slides/slide2.xml><?xml version="1.0" encoding="utf-8"?>
+<p:sld xmlns:a="http://schemas.openxmlformats.org/drawingml/2006/main" xmlns:r="http://schemas.openxmlformats.org/officeDocument/2006/relationships" xmlns:p="http://schemas.openxmlformats.org/presentationml/2006/main">
+  <p:cSld>
+    <p:spTree>
+      <p:nvGrpSpPr>
+        <p:cNvPr id="1" name=""/>
+        <p:cNvGrpSpPr/>
+        <p:nvPr/>
+      </p:nvGrpSpPr>
+      <p:grpSpPr>
+        <a:xfrm>
+          <a:off x="0" y="0"/>
+          <a:ext cx="0" cy="0"/>
+          <a:chOff x="0" y="0"/>
+          <a:chExt cx="0" cy="0"/>
+        </a:xfrm>
+      </p:grpSpPr>
+      <p:sp>
+        <p:nvSpPr>
+          <p:cNvPr id="4" name="内容占位符 3"/>
+          <p:cNvSpPr>
+            <a:spLocks noGrp="1"/>
+          </p:cNvSpPr>
+          <p:nvPr>
+            <p:ph idx="1"/>
+          </p:nvPr>
+        </p:nvSpPr>
+        <p:spPr/>
+        <p:txBody>
+          <a:bodyPr/>
+          <a:lstStyle/>
+          <a:p>
+            <a:r>
+              <a:rPr lang="en-US" altLang="zh-CN" b="0" dirty="0"/>
+              <a:t>T</a:t>
+            </a:r>
+            <a:r>
+              <a:rPr lang="en-US" altLang="zh-CN" b="0" dirty="0" smtClean="0"/>
+              <a:t>raditional </a:t>
+            </a:r>
+            <a:r>
+              <a:rPr lang="en-US" altLang="zh-CN" b="0" dirty="0" smtClean="0"/>
+              <a:t>Neural Network</a:t>
+            </a:r>
+          </a:p>
+          <a:p>
+            <a:pPr lvl="1"/>
+            <a:r>
+              <a:rPr lang="en-US" altLang="zh-CN" dirty="0" smtClean="0"/>
+              <a:t>Shortcoming</a:t>
+            </a:r>
+            <a:r>
+              <a:rPr lang="en-US" altLang="zh-CN" dirty="0" smtClean="0"/>
+              <a:t>: </a:t>
+            </a:r>
+            <a:r>
+              <a:rPr lang="en-US" altLang="zh-CN" b="0" dirty="0" smtClean="0"/>
+              <a:t>all </a:t>
+            </a:r>
+            <a:r>
+              <a:rPr lang="en-US" altLang="zh-CN" b="0" dirty="0"/>
+              <a:t>inputs (and outputs) are independent of each </a:t>
+            </a:r>
+            <a:r>
+              <a:rPr lang="en-US" altLang="zh-CN" b="0" dirty="0" smtClean="0"/>
+              <a:t>other</a:t>
+            </a:r>
+          </a:p>
+          <a:p>
+            <a:pPr lvl="1"/>
+            <a:r>
+              <a:rPr lang="en-US" altLang="zh-CN" dirty="0" smtClean="0"/>
+              <a:t>Example</a:t>
+            </a:r>
+            <a:r>
+              <a:rPr lang="en-US" altLang="zh-CN" dirty="0" smtClean="0"/>
+              <a:t>: predict </a:t>
+            </a:r>
+            <a:r>
+              <a:rPr lang="en-US" altLang="zh-CN" dirty="0"/>
+              <a:t>the next word in a </a:t>
+            </a:r>
+            <a:r>
+              <a:rPr lang="en-US" altLang="zh-CN" dirty="0" smtClean="0"/>
+              <a:t>sentence without context</a:t>
+            </a:r>
+          </a:p>
+          <a:p>
+            <a:pPr lvl="1"/>
+            <a:endParaRPr lang="en-US" altLang="zh-CN" dirty="0"/>
+          </a:p>
+          <a:p>
+            <a:pPr lvl="1"/>
+            <a:r>
+              <a:rPr lang="zh-CN" altLang="en-US" dirty="0" smtClean="0"/>
+              <a:t>（缺少前馈神经网络的图）</a:t>
+            </a:r>
+            <a:endParaRPr lang="zh-CN" altLang="en-US" dirty="0"/>
+          </a:p>
+        </p:txBody>
+      </p:sp>
+      <p:sp>
+        <p:nvSpPr>
+          <p:cNvPr id="2" name="标题 1"/>
+          <p:cNvSpPr>
+            <a:spLocks noGrp="1"/>
+          </p:cNvSpPr>
+          <p:nvPr>
+            <p:ph type="title"/>
+          </p:nvPr>
+        </p:nvSpPr>
+        <p:spPr/>
+        <p:txBody>
+          <a:bodyPr/>
+          <a:lstStyle/>
+          <a:p>
+            <a:r>
+              <a:rPr lang="en-US" altLang="zh-CN" dirty="0" smtClean="0"/>
+              <a:t>RNN</a:t>
+            </a:r>
+            <a:endParaRPr lang="zh-CN" altLang="en-US" dirty="0"/>
+          </a:p>
+        </p:txBody>
+      </p:sp>
+    </p:spTree>
+    <p:extLst>
+      <p:ext uri="{BB962C8B-B14F-4D97-AF65-F5344CB8AC3E}">
+        <p14:creationId xmlns:p14="http://schemas.microsoft.com/office/powerpoint/2010/main" val="656834489"/>
+      </p:ext>
+    </p:extLst>
+  </p:cSld>
+  <p:clrMapOvr>
+    <a:masterClrMapping/>
+  </p:clrMapOvr>
+</p:sld>
+</file>
+
+<file path=ppt/slides/slide20.xml><?xml version="1.0" encoding="utf-8"?>
 <p:sld xmlns:a="http://schemas.openxmlformats.org/drawingml/2006/main" xmlns:r="http://schemas.openxmlformats.org/officeDocument/2006/relationships" xmlns:p="http://schemas.openxmlformats.org/presentationml/2006/main">
   <p:cSld>
     <p:spTree>
@@ -38238,7 +38748,7 @@
           <a:graphicData uri="http://schemas.openxmlformats.org/presentationml/2006/ole">
             <mc:AlternateContent xmlns:mc="http://schemas.openxmlformats.org/markup-compatibility/2006">
               <mc:Choice xmlns:v="urn:schemas-microsoft-com:vml" Requires="v">
-                <p:oleObj spid="_x0000_s55329" name="Equation" r:id="rId3" imgW="1765080" imgH="723600" progId="Equation.DSMT4">
+                <p:oleObj spid="_x0000_s55358" name="Equation" r:id="rId3" imgW="1765080" imgH="723600" progId="Equation.DSMT4">
                   <p:embed/>
                 </p:oleObj>
               </mc:Choice>
@@ -38372,140 +38882,7 @@
 </p:sld>
 </file>
 
-<file path=ppt/slides/slide2.xml><?xml version="1.0" encoding="utf-8"?>
-<p:sld xmlns:a="http://schemas.openxmlformats.org/drawingml/2006/main" xmlns:r="http://schemas.openxmlformats.org/officeDocument/2006/relationships" xmlns:p="http://schemas.openxmlformats.org/presentationml/2006/main">
-  <p:cSld>
-    <p:spTree>
-      <p:nvGrpSpPr>
-        <p:cNvPr id="1" name=""/>
-        <p:cNvGrpSpPr/>
-        <p:nvPr/>
-      </p:nvGrpSpPr>
-      <p:grpSpPr>
-        <a:xfrm>
-          <a:off x="0" y="0"/>
-          <a:ext cx="0" cy="0"/>
-          <a:chOff x="0" y="0"/>
-          <a:chExt cx="0" cy="0"/>
-        </a:xfrm>
-      </p:grpSpPr>
-      <p:sp>
-        <p:nvSpPr>
-          <p:cNvPr id="4" name="内容占位符 3"/>
-          <p:cNvSpPr>
-            <a:spLocks noGrp="1"/>
-          </p:cNvSpPr>
-          <p:nvPr>
-            <p:ph idx="1"/>
-          </p:nvPr>
-        </p:nvSpPr>
-        <p:spPr/>
-        <p:txBody>
-          <a:bodyPr/>
-          <a:lstStyle/>
-          <a:p>
-            <a:r>
-              <a:rPr lang="en-US" altLang="zh-CN" b="0" dirty="0"/>
-              <a:t>traditional </a:t>
-            </a:r>
-            <a:r>
-              <a:rPr lang="en-US" altLang="zh-CN" b="0" dirty="0" smtClean="0"/>
-              <a:t>Neural Network</a:t>
-            </a:r>
-          </a:p>
-          <a:p>
-            <a:pPr lvl="1"/>
-            <a:r>
-              <a:rPr lang="en-US" altLang="zh-CN" dirty="0" err="1" smtClean="0"/>
-              <a:t>Shortcoming:</a:t>
-            </a:r>
-            <a:r>
-              <a:rPr lang="en-US" altLang="zh-CN" b="0" dirty="0" err="1" smtClean="0"/>
-              <a:t>all</a:t>
-            </a:r>
-            <a:r>
-              <a:rPr lang="en-US" altLang="zh-CN" b="0" dirty="0" smtClean="0"/>
-              <a:t> </a:t>
-            </a:r>
-            <a:r>
-              <a:rPr lang="en-US" altLang="zh-CN" b="0" dirty="0"/>
-              <a:t>inputs (and outputs) are independent of each </a:t>
-            </a:r>
-            <a:r>
-              <a:rPr lang="en-US" altLang="zh-CN" b="0" dirty="0" smtClean="0"/>
-              <a:t>other</a:t>
-            </a:r>
-          </a:p>
-          <a:p>
-            <a:pPr lvl="1"/>
-            <a:r>
-              <a:rPr lang="en-US" altLang="zh-CN" dirty="0" err="1" smtClean="0"/>
-              <a:t>Example:</a:t>
-            </a:r>
-            <a:r>
-              <a:rPr lang="en-US" altLang="zh-CN" dirty="0" err="1"/>
-              <a:t>predict</a:t>
-            </a:r>
-            <a:r>
-              <a:rPr lang="en-US" altLang="zh-CN" dirty="0"/>
-              <a:t> the next word in a </a:t>
-            </a:r>
-            <a:r>
-              <a:rPr lang="en-US" altLang="zh-CN" dirty="0" smtClean="0"/>
-              <a:t>sentence without context</a:t>
-            </a:r>
-          </a:p>
-          <a:p>
-            <a:pPr lvl="1"/>
-            <a:endParaRPr lang="en-US" altLang="zh-CN" dirty="0"/>
-          </a:p>
-          <a:p>
-            <a:pPr lvl="1"/>
-            <a:r>
-              <a:rPr lang="zh-CN" altLang="en-US" dirty="0" smtClean="0"/>
-              <a:t>（缺少前馈神经网络的图）</a:t>
-            </a:r>
-            <a:endParaRPr lang="zh-CN" altLang="en-US" dirty="0"/>
-          </a:p>
-        </p:txBody>
-      </p:sp>
-      <p:sp>
-        <p:nvSpPr>
-          <p:cNvPr id="2" name="标题 1"/>
-          <p:cNvSpPr>
-            <a:spLocks noGrp="1"/>
-          </p:cNvSpPr>
-          <p:nvPr>
-            <p:ph type="title"/>
-          </p:nvPr>
-        </p:nvSpPr>
-        <p:spPr/>
-        <p:txBody>
-          <a:bodyPr/>
-          <a:lstStyle/>
-          <a:p>
-            <a:r>
-              <a:rPr lang="en-US" altLang="zh-CN" dirty="0" smtClean="0"/>
-              <a:t>RNN</a:t>
-            </a:r>
-            <a:endParaRPr lang="zh-CN" altLang="en-US" dirty="0"/>
-          </a:p>
-        </p:txBody>
-      </p:sp>
-    </p:spTree>
-    <p:extLst>
-      <p:ext uri="{BB962C8B-B14F-4D97-AF65-F5344CB8AC3E}">
-        <p14:creationId xmlns:p14="http://schemas.microsoft.com/office/powerpoint/2010/main" val="656834489"/>
-      </p:ext>
-    </p:extLst>
-  </p:cSld>
-  <p:clrMapOvr>
-    <a:masterClrMapping/>
-  </p:clrMapOvr>
-</p:sld>
-</file>
-
-<file path=ppt/slides/slide20.xml><?xml version="1.0" encoding="utf-8"?>
+<file path=ppt/slides/slide21.xml><?xml version="1.0" encoding="utf-8"?>
 <p:sld xmlns:a="http://schemas.openxmlformats.org/drawingml/2006/main" xmlns:r="http://schemas.openxmlformats.org/officeDocument/2006/relationships" xmlns:p="http://schemas.openxmlformats.org/presentationml/2006/main">
   <p:cSld>
     <p:spTree>
@@ -38681,7 +39058,7 @@
           <a:graphicData uri="http://schemas.openxmlformats.org/presentationml/2006/ole">
             <mc:AlternateContent xmlns:mc="http://schemas.openxmlformats.org/markup-compatibility/2006">
               <mc:Choice xmlns:v="urn:schemas-microsoft-com:vml" Requires="v">
-                <p:oleObj spid="_x0000_s52322" name="Equation" r:id="rId3" imgW="12192000" imgH="6096000" progId="Equation.DSMT4">
+                <p:oleObj spid="_x0000_s52409" name="Equation" r:id="rId3" imgW="12192000" imgH="6096000" progId="Equation.DSMT4">
                   <p:embed/>
                 </p:oleObj>
               </mc:Choice>
@@ -38751,7 +39128,7 @@
           <a:graphicData uri="http://schemas.openxmlformats.org/presentationml/2006/ole">
             <mc:AlternateContent xmlns:mc="http://schemas.openxmlformats.org/markup-compatibility/2006">
               <mc:Choice xmlns:v="urn:schemas-microsoft-com:vml" Requires="v">
-                <p:oleObj spid="_x0000_s52323" name="Equation" r:id="rId5" imgW="3555720" imgH="482400" progId="Equation.DSMT4">
+                <p:oleObj spid="_x0000_s52410" name="Equation" r:id="rId5" imgW="3555720" imgH="482400" progId="Equation.DSMT4">
                   <p:embed/>
                 </p:oleObj>
               </mc:Choice>
@@ -38821,7 +39198,7 @@
           <a:graphicData uri="http://schemas.openxmlformats.org/presentationml/2006/ole">
             <mc:AlternateContent xmlns:mc="http://schemas.openxmlformats.org/markup-compatibility/2006">
               <mc:Choice xmlns:v="urn:schemas-microsoft-com:vml" Requires="v">
-                <p:oleObj spid="_x0000_s52324" name="Equation" r:id="rId7" imgW="3314520" imgH="482400" progId="Equation.DSMT4">
+                <p:oleObj spid="_x0000_s52411" name="Equation" r:id="rId7" imgW="3314520" imgH="482400" progId="Equation.DSMT4">
                   <p:embed/>
                 </p:oleObj>
               </mc:Choice>
@@ -38922,7 +39299,7 @@
 </p:sld>
 </file>
 
-<file path=ppt/slides/slide21.xml><?xml version="1.0" encoding="utf-8"?>
+<file path=ppt/slides/slide22.xml><?xml version="1.0" encoding="utf-8"?>
 <p:sld xmlns:a="http://schemas.openxmlformats.org/drawingml/2006/main" xmlns:r="http://schemas.openxmlformats.org/officeDocument/2006/relationships" xmlns:p="http://schemas.openxmlformats.org/presentationml/2006/main">
   <p:cSld>
     <p:spTree>
@@ -39070,7 +39447,7 @@
           <a:graphicData uri="http://schemas.openxmlformats.org/presentationml/2006/ole">
             <mc:AlternateContent xmlns:mc="http://schemas.openxmlformats.org/markup-compatibility/2006">
               <mc:Choice xmlns:v="urn:schemas-microsoft-com:vml" Requires="v">
-                <p:oleObj spid="_x0000_s65703" name="Equation" r:id="rId3" imgW="2260440" imgH="304560" progId="Equation.DSMT4">
+                <p:oleObj spid="_x0000_s65848" name="Equation" r:id="rId3" imgW="2260440" imgH="304560" progId="Equation.DSMT4">
                   <p:embed/>
                 </p:oleObj>
               </mc:Choice>
@@ -39140,7 +39517,7 @@
           <a:graphicData uri="http://schemas.openxmlformats.org/presentationml/2006/ole">
             <mc:AlternateContent xmlns:mc="http://schemas.openxmlformats.org/markup-compatibility/2006">
               <mc:Choice xmlns:v="urn:schemas-microsoft-com:vml" Requires="v">
-                <p:oleObj spid="_x0000_s65704" name="Equation" r:id="rId5" imgW="2527200" imgH="431640" progId="Equation.DSMT4">
+                <p:oleObj spid="_x0000_s65849" name="Equation" r:id="rId5" imgW="2527200" imgH="431640" progId="Equation.DSMT4">
                   <p:embed/>
                 </p:oleObj>
               </mc:Choice>
@@ -39210,7 +39587,7 @@
           <a:graphicData uri="http://schemas.openxmlformats.org/presentationml/2006/ole">
             <mc:AlternateContent xmlns:mc="http://schemas.openxmlformats.org/markup-compatibility/2006">
               <mc:Choice xmlns:v="urn:schemas-microsoft-com:vml" Requires="v">
-                <p:oleObj spid="_x0000_s65705" name="Equation" r:id="rId7" imgW="1320480" imgH="304560" progId="Equation.DSMT4">
+                <p:oleObj spid="_x0000_s65850" name="Equation" r:id="rId7" imgW="1320480" imgH="304560" progId="Equation.DSMT4">
                   <p:embed/>
                 </p:oleObj>
               </mc:Choice>
@@ -39280,7 +39657,7 @@
           <a:graphicData uri="http://schemas.openxmlformats.org/presentationml/2006/ole">
             <mc:AlternateContent xmlns:mc="http://schemas.openxmlformats.org/markup-compatibility/2006">
               <mc:Choice xmlns:v="urn:schemas-microsoft-com:vml" Requires="v">
-                <p:oleObj spid="_x0000_s65706" name="Equation" r:id="rId9" imgW="4622760" imgH="469800" progId="Equation.DSMT4">
+                <p:oleObj spid="_x0000_s65851" name="Equation" r:id="rId9" imgW="4622760" imgH="469800" progId="Equation.DSMT4">
                   <p:embed/>
                 </p:oleObj>
               </mc:Choice>
@@ -39350,7 +39727,7 @@
           <a:graphicData uri="http://schemas.openxmlformats.org/presentationml/2006/ole">
             <mc:AlternateContent xmlns:mc="http://schemas.openxmlformats.org/markup-compatibility/2006">
               <mc:Choice xmlns:v="urn:schemas-microsoft-com:vml" Requires="v">
-                <p:oleObj spid="_x0000_s65707" name="Equation" r:id="rId11" imgW="774360" imgH="228600" progId="Equation.DSMT4">
+                <p:oleObj spid="_x0000_s65852" name="Equation" r:id="rId11" imgW="774360" imgH="228600" progId="Equation.DSMT4">
                   <p:embed/>
                 </p:oleObj>
               </mc:Choice>
@@ -39419,7 +39796,7 @@
 </p:sld>
 </file>
 
-<file path=ppt/slides/slide22.xml><?xml version="1.0" encoding="utf-8"?>
+<file path=ppt/slides/slide23.xml><?xml version="1.0" encoding="utf-8"?>
 <p:sld xmlns:a="http://schemas.openxmlformats.org/drawingml/2006/main" xmlns:r="http://schemas.openxmlformats.org/officeDocument/2006/relationships" xmlns:p="http://schemas.openxmlformats.org/presentationml/2006/main">
   <p:cSld>
     <p:spTree>
@@ -39534,7 +39911,7 @@
           <a:graphicData uri="http://schemas.openxmlformats.org/presentationml/2006/ole">
             <mc:AlternateContent xmlns:mc="http://schemas.openxmlformats.org/markup-compatibility/2006">
               <mc:Choice xmlns:v="urn:schemas-microsoft-com:vml" Requires="v">
-                <p:oleObj spid="_x0000_s92231" name="Equation" r:id="rId3" imgW="3720960" imgH="241200" progId="Equation.DSMT4">
+                <p:oleObj spid="_x0000_s92289" name="Equation" r:id="rId3" imgW="3720960" imgH="241200" progId="Equation.DSMT4">
                   <p:embed/>
                 </p:oleObj>
               </mc:Choice>
@@ -39604,7 +39981,7 @@
           <a:graphicData uri="http://schemas.openxmlformats.org/presentationml/2006/ole">
             <mc:AlternateContent xmlns:mc="http://schemas.openxmlformats.org/markup-compatibility/2006">
               <mc:Choice xmlns:v="urn:schemas-microsoft-com:vml" Requires="v">
-                <p:oleObj spid="_x0000_s92232" name="Equation" r:id="rId5" imgW="3822480" imgH="457200" progId="Equation.DSMT4">
+                <p:oleObj spid="_x0000_s92290" name="Equation" r:id="rId5" imgW="3822480" imgH="457200" progId="Equation.DSMT4">
                   <p:embed/>
                 </p:oleObj>
               </mc:Choice>
@@ -39673,7 +40050,7 @@
 </p:sld>
 </file>
 
-<file path=ppt/slides/slide23.xml><?xml version="1.0" encoding="utf-8"?>
+<file path=ppt/slides/slide24.xml><?xml version="1.0" encoding="utf-8"?>
 <p:sld xmlns:a="http://schemas.openxmlformats.org/drawingml/2006/main" xmlns:r="http://schemas.openxmlformats.org/officeDocument/2006/relationships" xmlns:p="http://schemas.openxmlformats.org/presentationml/2006/main" show="0">
   <p:cSld>
     <p:spTree>
@@ -39849,7 +40226,7 @@
           <a:graphicData uri="http://schemas.openxmlformats.org/presentationml/2006/ole">
             <mc:AlternateContent xmlns:mc="http://schemas.openxmlformats.org/markup-compatibility/2006">
               <mc:Choice xmlns:v="urn:schemas-microsoft-com:vml" Requires="v">
-                <p:oleObj spid="_x0000_s64610" name="Equation" r:id="rId3" imgW="12192000" imgH="6096000" progId="Equation.DSMT4">
+                <p:oleObj spid="_x0000_s64697" name="Equation" r:id="rId3" imgW="12192000" imgH="6096000" progId="Equation.DSMT4">
                   <p:embed/>
                 </p:oleObj>
               </mc:Choice>
@@ -39919,7 +40296,7 @@
           <a:graphicData uri="http://schemas.openxmlformats.org/presentationml/2006/ole">
             <mc:AlternateContent xmlns:mc="http://schemas.openxmlformats.org/markup-compatibility/2006">
               <mc:Choice xmlns:v="urn:schemas-microsoft-com:vml" Requires="v">
-                <p:oleObj spid="_x0000_s64611" name="Equation" r:id="rId5" imgW="64617600" imgH="11277600" progId="Equation.DSMT4">
+                <p:oleObj spid="_x0000_s64698" name="Equation" r:id="rId5" imgW="64617600" imgH="11277600" progId="Equation.DSMT4">
                   <p:embed/>
                 </p:oleObj>
               </mc:Choice>
@@ -39989,7 +40366,7 @@
           <a:graphicData uri="http://schemas.openxmlformats.org/presentationml/2006/ole">
             <mc:AlternateContent xmlns:mc="http://schemas.openxmlformats.org/markup-compatibility/2006">
               <mc:Choice xmlns:v="urn:schemas-microsoft-com:vml" Requires="v">
-                <p:oleObj spid="_x0000_s64612" name="Equation" r:id="rId7" imgW="58216800" imgH="10972800" progId="Equation.DSMT4">
+                <p:oleObj spid="_x0000_s64699" name="Equation" r:id="rId7" imgW="58216800" imgH="10972800" progId="Equation.DSMT4">
                   <p:embed/>
                 </p:oleObj>
               </mc:Choice>
@@ -40052,7 +40429,7 @@
 </p:sld>
 </file>
 
-<file path=ppt/slides/slide24.xml><?xml version="1.0" encoding="utf-8"?>
+<file path=ppt/slides/slide25.xml><?xml version="1.0" encoding="utf-8"?>
 <p:sld xmlns:a="http://schemas.openxmlformats.org/drawingml/2006/main" xmlns:r="http://schemas.openxmlformats.org/officeDocument/2006/relationships" xmlns:p="http://schemas.openxmlformats.org/presentationml/2006/main" show="0">
   <p:cSld>
     <p:spTree>
@@ -40420,110 +40797,6 @@
 </p:sld>
 </file>
 
-<file path=ppt/slides/slide25.xml><?xml version="1.0" encoding="utf-8"?>
-<p:sld xmlns:a="http://schemas.openxmlformats.org/drawingml/2006/main" xmlns:r="http://schemas.openxmlformats.org/officeDocument/2006/relationships" xmlns:p="http://schemas.openxmlformats.org/presentationml/2006/main">
-  <p:cSld>
-    <p:spTree>
-      <p:nvGrpSpPr>
-        <p:cNvPr id="1" name=""/>
-        <p:cNvGrpSpPr/>
-        <p:nvPr/>
-      </p:nvGrpSpPr>
-      <p:grpSpPr>
-        <a:xfrm>
-          <a:off x="0" y="0"/>
-          <a:ext cx="0" cy="0"/>
-          <a:chOff x="0" y="0"/>
-          <a:chExt cx="0" cy="0"/>
-        </a:xfrm>
-      </p:grpSpPr>
-      <p:sp>
-        <p:nvSpPr>
-          <p:cNvPr id="2" name="内容占位符 1"/>
-          <p:cNvSpPr>
-            <a:spLocks noGrp="1"/>
-          </p:cNvSpPr>
-          <p:nvPr>
-            <p:ph idx="1"/>
-          </p:nvPr>
-        </p:nvSpPr>
-        <p:spPr/>
-        <p:txBody>
-          <a:bodyPr/>
-          <a:lstStyle/>
-          <a:p>
-            <a:r>
-              <a:rPr lang="en-US" altLang="zh-CN" dirty="0" smtClean="0"/>
-              <a:t>The normal method of training a CRF:</a:t>
-            </a:r>
-          </a:p>
-          <a:p>
-            <a:pPr lvl="1"/>
-            <a:r>
-              <a:rPr lang="en-US" altLang="zh-CN" dirty="0" smtClean="0"/>
-              <a:t>IIS</a:t>
-            </a:r>
-          </a:p>
-          <a:p>
-            <a:pPr lvl="1"/>
-            <a:r>
-              <a:rPr lang="zh-CN" altLang="en-US" dirty="0" smtClean="0"/>
-              <a:t>Quasi-Newton methods such as the L-BFGS algorithm</a:t>
-            </a:r>
-          </a:p>
-          <a:p>
-            <a:endParaRPr lang="en-US" altLang="zh-CN" dirty="0" smtClean="0"/>
-          </a:p>
-          <a:p>
-            <a:r>
-              <a:rPr lang="en-US" altLang="zh-CN" dirty="0" smtClean="0"/>
-              <a:t>In this paper , we introduce MIRA to train the model.</a:t>
-            </a:r>
-            <a:br>
-              <a:rPr lang="en-US" altLang="zh-CN" dirty="0" smtClean="0"/>
-            </a:br>
-            <a:endParaRPr lang="zh-CN" altLang="en-US" dirty="0"/>
-          </a:p>
-        </p:txBody>
-      </p:sp>
-      <p:sp>
-        <p:nvSpPr>
-          <p:cNvPr id="3" name="标题 2"/>
-          <p:cNvSpPr>
-            <a:spLocks noGrp="1"/>
-          </p:cNvSpPr>
-          <p:nvPr>
-            <p:ph type="title"/>
-          </p:nvPr>
-        </p:nvSpPr>
-        <p:spPr/>
-        <p:txBody>
-          <a:bodyPr/>
-          <a:lstStyle/>
-          <a:p>
-            <a:r>
-              <a:rPr lang="en-US" altLang="zh-CN" dirty="0" smtClean="0"/>
-              <a:t>Training by MIRA</a:t>
-            </a:r>
-            <a:endParaRPr lang="zh-CN" altLang="en-US" dirty="0"/>
-          </a:p>
-        </p:txBody>
-      </p:sp>
-    </p:spTree>
-  </p:cSld>
-  <p:clrMapOvr>
-    <a:masterClrMapping/>
-  </p:clrMapOvr>
-  <p:timing>
-    <p:tnLst>
-      <p:par>
-        <p:cTn id="1" dur="indefinite" restart="never" nodeType="tmRoot"/>
-      </p:par>
-    </p:tnLst>
-  </p:timing>
-</p:sld>
-</file>
-
 <file path=ppt/slides/slide26.xml><?xml version="1.0" encoding="utf-8"?>
 <p:sld xmlns:a="http://schemas.openxmlformats.org/drawingml/2006/main" xmlns:r="http://schemas.openxmlformats.org/officeDocument/2006/relationships" xmlns:p="http://schemas.openxmlformats.org/presentationml/2006/main">
   <p:cSld>
@@ -40558,6 +40831,110 @@
           <a:p>
             <a:r>
               <a:rPr lang="en-US" altLang="zh-CN" dirty="0" smtClean="0"/>
+              <a:t>The normal method of training a CRF:</a:t>
+            </a:r>
+          </a:p>
+          <a:p>
+            <a:pPr lvl="1"/>
+            <a:r>
+              <a:rPr lang="en-US" altLang="zh-CN" dirty="0" smtClean="0"/>
+              <a:t>IIS</a:t>
+            </a:r>
+          </a:p>
+          <a:p>
+            <a:pPr lvl="1"/>
+            <a:r>
+              <a:rPr lang="zh-CN" altLang="en-US" dirty="0" smtClean="0"/>
+              <a:t>Quasi-Newton methods such as the L-BFGS algorithm</a:t>
+            </a:r>
+          </a:p>
+          <a:p>
+            <a:endParaRPr lang="en-US" altLang="zh-CN" dirty="0" smtClean="0"/>
+          </a:p>
+          <a:p>
+            <a:r>
+              <a:rPr lang="en-US" altLang="zh-CN" dirty="0" smtClean="0"/>
+              <a:t>In this paper , we introduce MIRA to train the model.</a:t>
+            </a:r>
+            <a:br>
+              <a:rPr lang="en-US" altLang="zh-CN" dirty="0" smtClean="0"/>
+            </a:br>
+            <a:endParaRPr lang="zh-CN" altLang="en-US" dirty="0"/>
+          </a:p>
+        </p:txBody>
+      </p:sp>
+      <p:sp>
+        <p:nvSpPr>
+          <p:cNvPr id="3" name="标题 2"/>
+          <p:cNvSpPr>
+            <a:spLocks noGrp="1"/>
+          </p:cNvSpPr>
+          <p:nvPr>
+            <p:ph type="title"/>
+          </p:nvPr>
+        </p:nvSpPr>
+        <p:spPr/>
+        <p:txBody>
+          <a:bodyPr/>
+          <a:lstStyle/>
+          <a:p>
+            <a:r>
+              <a:rPr lang="en-US" altLang="zh-CN" dirty="0" smtClean="0"/>
+              <a:t>Training by MIRA</a:t>
+            </a:r>
+            <a:endParaRPr lang="zh-CN" altLang="en-US" dirty="0"/>
+          </a:p>
+        </p:txBody>
+      </p:sp>
+    </p:spTree>
+  </p:cSld>
+  <p:clrMapOvr>
+    <a:masterClrMapping/>
+  </p:clrMapOvr>
+  <p:timing>
+    <p:tnLst>
+      <p:par>
+        <p:cTn id="1" dur="indefinite" restart="never" nodeType="tmRoot"/>
+      </p:par>
+    </p:tnLst>
+  </p:timing>
+</p:sld>
+</file>
+
+<file path=ppt/slides/slide27.xml><?xml version="1.0" encoding="utf-8"?>
+<p:sld xmlns:a="http://schemas.openxmlformats.org/drawingml/2006/main" xmlns:r="http://schemas.openxmlformats.org/officeDocument/2006/relationships" xmlns:p="http://schemas.openxmlformats.org/presentationml/2006/main">
+  <p:cSld>
+    <p:spTree>
+      <p:nvGrpSpPr>
+        <p:cNvPr id="1" name=""/>
+        <p:cNvGrpSpPr/>
+        <p:nvPr/>
+      </p:nvGrpSpPr>
+      <p:grpSpPr>
+        <a:xfrm>
+          <a:off x="0" y="0"/>
+          <a:ext cx="0" cy="0"/>
+          <a:chOff x="0" y="0"/>
+          <a:chExt cx="0" cy="0"/>
+        </a:xfrm>
+      </p:grpSpPr>
+      <p:sp>
+        <p:nvSpPr>
+          <p:cNvPr id="2" name="内容占位符 1"/>
+          <p:cNvSpPr>
+            <a:spLocks noGrp="1"/>
+          </p:cNvSpPr>
+          <p:nvPr>
+            <p:ph idx="1"/>
+          </p:nvPr>
+        </p:nvSpPr>
+        <p:spPr/>
+        <p:txBody>
+          <a:bodyPr/>
+          <a:lstStyle/>
+          <a:p>
+            <a:r>
+              <a:rPr lang="en-US" altLang="zh-CN" dirty="0" smtClean="0"/>
               <a:t>Online Learning</a:t>
             </a:r>
           </a:p>
@@ -40658,7 +41035,7 @@
           <a:graphicData uri="http://schemas.openxmlformats.org/presentationml/2006/ole">
             <mc:AlternateContent xmlns:mc="http://schemas.openxmlformats.org/markup-compatibility/2006">
               <mc:Choice xmlns:v="urn:schemas-microsoft-com:vml" Requires="v">
-                <p:oleObj spid="_x0000_s118818" name="Equation" r:id="rId6" imgW="4216320" imgH="558720" progId="Equation.DSMT4">
+                <p:oleObj spid="_x0000_s118847" name="Equation" r:id="rId6" imgW="4216320" imgH="558720" progId="Equation.DSMT4">
                   <p:embed/>
                 </p:oleObj>
               </mc:Choice>
@@ -40727,7 +41104,7 @@
 </p:sld>
 </file>
 
-<file path=ppt/slides/slide27.xml><?xml version="1.0" encoding="utf-8"?>
+<file path=ppt/slides/slide28.xml><?xml version="1.0" encoding="utf-8"?>
 <p:sld xmlns:a="http://schemas.openxmlformats.org/drawingml/2006/main" xmlns:r="http://schemas.openxmlformats.org/officeDocument/2006/relationships" xmlns:p="http://schemas.openxmlformats.org/presentationml/2006/main">
   <p:cSld>
     <p:spTree>
@@ -40839,7 +41216,7 @@
           <a:graphicData uri="http://schemas.openxmlformats.org/presentationml/2006/ole">
             <mc:AlternateContent xmlns:mc="http://schemas.openxmlformats.org/markup-compatibility/2006">
               <mc:Choice xmlns:v="urn:schemas-microsoft-com:vml" Requires="v">
-                <p:oleObj spid="_x0000_s119843" name="Equation" r:id="rId5" imgW="5549760" imgH="774360" progId="Equation.DSMT4">
+                <p:oleObj spid="_x0000_s119872" name="Equation" r:id="rId5" imgW="5549760" imgH="774360" progId="Equation.DSMT4">
                   <p:embed/>
                 </p:oleObj>
               </mc:Choice>
@@ -40908,7 +41285,7 @@
 </p:sld>
 </file>
 
-<file path=ppt/slides/slide28.xml><?xml version="1.0" encoding="utf-8"?>
+<file path=ppt/slides/slide29.xml><?xml version="1.0" encoding="utf-8"?>
 <p:sld xmlns:a="http://schemas.openxmlformats.org/drawingml/2006/main" xmlns:r="http://schemas.openxmlformats.org/officeDocument/2006/relationships" xmlns:p="http://schemas.openxmlformats.org/presentationml/2006/main" show="0">
   <p:cSld>
     <p:bg>
@@ -41282,7 +41659,7 @@
           <a:graphicData uri="http://schemas.openxmlformats.org/presentationml/2006/ole">
             <mc:AlternateContent xmlns:mc="http://schemas.openxmlformats.org/markup-compatibility/2006">
               <mc:Choice xmlns:v="urn:schemas-microsoft-com:vml" Requires="v">
-                <p:oleObj spid="_x0000_s114786" name="Equation" r:id="rId5" imgW="1206360" imgH="253800" progId="Equation.DSMT4">
+                <p:oleObj spid="_x0000_s114873" name="Equation" r:id="rId5" imgW="1206360" imgH="253800" progId="Equation.DSMT4">
                   <p:embed/>
                 </p:oleObj>
               </mc:Choice>
@@ -41352,7 +41729,7 @@
           <a:graphicData uri="http://schemas.openxmlformats.org/presentationml/2006/ole">
             <mc:AlternateContent xmlns:mc="http://schemas.openxmlformats.org/markup-compatibility/2006">
               <mc:Choice xmlns:v="urn:schemas-microsoft-com:vml" Requires="v">
-                <p:oleObj spid="_x0000_s114787" name="Equation" r:id="rId7" imgW="1257120" imgH="241200" progId="Equation.DSMT4">
+                <p:oleObj spid="_x0000_s114874" name="Equation" r:id="rId7" imgW="1257120" imgH="241200" progId="Equation.DSMT4">
                   <p:embed/>
                 </p:oleObj>
               </mc:Choice>
@@ -41422,7 +41799,7 @@
           <a:graphicData uri="http://schemas.openxmlformats.org/presentationml/2006/ole">
             <mc:AlternateContent xmlns:mc="http://schemas.openxmlformats.org/markup-compatibility/2006">
               <mc:Choice xmlns:v="urn:schemas-microsoft-com:vml" Requires="v">
-                <p:oleObj spid="_x0000_s114788" name="Equation" r:id="rId9" imgW="1511280" imgH="241200" progId="Equation.DSMT4">
+                <p:oleObj spid="_x0000_s114875" name="Equation" r:id="rId9" imgW="1511280" imgH="241200" progId="Equation.DSMT4">
                   <p:embed/>
                 </p:oleObj>
               </mc:Choice>
@@ -41524,7 +41901,165 @@
 </p:sld>
 </file>
 
-<file path=ppt/slides/slide29.xml><?xml version="1.0" encoding="utf-8"?>
+<file path=ppt/slides/slide3.xml><?xml version="1.0" encoding="utf-8"?>
+<p:sld xmlns:a="http://schemas.openxmlformats.org/drawingml/2006/main" xmlns:r="http://schemas.openxmlformats.org/officeDocument/2006/relationships" xmlns:p="http://schemas.openxmlformats.org/presentationml/2006/main">
+  <p:cSld>
+    <p:spTree>
+      <p:nvGrpSpPr>
+        <p:cNvPr id="1" name=""/>
+        <p:cNvGrpSpPr/>
+        <p:nvPr/>
+      </p:nvGrpSpPr>
+      <p:grpSpPr>
+        <a:xfrm>
+          <a:off x="0" y="0"/>
+          <a:ext cx="0" cy="0"/>
+          <a:chOff x="0" y="0"/>
+          <a:chExt cx="0" cy="0"/>
+        </a:xfrm>
+      </p:grpSpPr>
+      <p:sp>
+        <p:nvSpPr>
+          <p:cNvPr id="2" name="内容占位符 1"/>
+          <p:cNvSpPr>
+            <a:spLocks noGrp="1"/>
+          </p:cNvSpPr>
+          <p:nvPr>
+            <p:ph idx="1"/>
+          </p:nvPr>
+        </p:nvSpPr>
+        <p:spPr/>
+        <p:txBody>
+          <a:bodyPr/>
+          <a:lstStyle/>
+          <a:p>
+            <a:r>
+              <a:rPr lang="en-US" altLang="zh-CN" dirty="0" smtClean="0"/>
+              <a:t>RNN(Recurrent Neural Network)</a:t>
+            </a:r>
+          </a:p>
+          <a:p>
+            <a:pPr lvl="1"/>
+            <a:r>
+              <a:rPr lang="en-US" altLang="zh-CN" dirty="0" smtClean="0"/>
+              <a:t>Recurrent:</a:t>
+            </a:r>
+          </a:p>
+          <a:p>
+            <a:pPr lvl="2"/>
+            <a:r>
+              <a:rPr lang="en-US" altLang="zh-CN" dirty="0" smtClean="0"/>
+              <a:t>perform </a:t>
+            </a:r>
+            <a:r>
+              <a:rPr lang="en-US" altLang="zh-CN" dirty="0"/>
+              <a:t>the same task for every element of a </a:t>
+            </a:r>
+            <a:r>
+              <a:rPr lang="en-US" altLang="zh-CN" dirty="0" smtClean="0"/>
+              <a:t>sequence</a:t>
+            </a:r>
+            <a:r>
+              <a:rPr lang="en-US" altLang="zh-CN" dirty="0"/>
+              <a:t>, with the output being depended on the previous </a:t>
+            </a:r>
+            <a:r>
+              <a:rPr lang="en-US" altLang="zh-CN" dirty="0" smtClean="0"/>
+              <a:t>computations.</a:t>
+            </a:r>
+          </a:p>
+          <a:p>
+            <a:pPr lvl="2"/>
+            <a:r>
+              <a:rPr lang="en-US" altLang="zh-CN" dirty="0" smtClean="0"/>
+              <a:t>RNNs </a:t>
+            </a:r>
+            <a:r>
+              <a:rPr lang="en-US" altLang="zh-CN" dirty="0"/>
+              <a:t> have a “memory” which captures information about what has been calculated so </a:t>
+            </a:r>
+            <a:r>
+              <a:rPr lang="en-US" altLang="zh-CN" dirty="0" smtClean="0"/>
+              <a:t>far.</a:t>
+            </a:r>
+            <a:endParaRPr lang="zh-CN" altLang="en-US" dirty="0"/>
+          </a:p>
+        </p:txBody>
+      </p:sp>
+      <p:sp>
+        <p:nvSpPr>
+          <p:cNvPr id="3" name="标题 2"/>
+          <p:cNvSpPr>
+            <a:spLocks noGrp="1"/>
+          </p:cNvSpPr>
+          <p:nvPr>
+            <p:ph type="title"/>
+          </p:nvPr>
+        </p:nvSpPr>
+        <p:spPr/>
+        <p:txBody>
+          <a:bodyPr/>
+          <a:lstStyle/>
+          <a:p>
+            <a:endParaRPr lang="zh-CN" altLang="en-US" dirty="0"/>
+          </a:p>
+        </p:txBody>
+      </p:sp>
+      <p:pic>
+        <p:nvPicPr>
+          <p:cNvPr id="122882" name="Picture 2" descr="A recurrent neural network and the unfolding in time of the computation involved in its forward computation."/>
+          <p:cNvPicPr>
+            <a:picLocks noChangeAspect="1" noChangeArrowheads="1"/>
+          </p:cNvPicPr>
+          <p:nvPr/>
+        </p:nvPicPr>
+        <p:blipFill>
+          <a:blip r:embed="rId2">
+            <a:extLst>
+              <a:ext uri="{28A0092B-C50C-407E-A947-70E740481C1C}">
+                <a14:useLocalDpi xmlns:a14="http://schemas.microsoft.com/office/drawing/2010/main" val="0"/>
+              </a:ext>
+            </a:extLst>
+          </a:blip>
+          <a:srcRect/>
+          <a:stretch>
+            <a:fillRect/>
+          </a:stretch>
+        </p:blipFill>
+        <p:spPr bwMode="auto">
+          <a:xfrm>
+            <a:off x="1190445" y="3482297"/>
+            <a:ext cx="6861928" cy="2753403"/>
+          </a:xfrm>
+          <a:prstGeom prst="rect">
+            <a:avLst/>
+          </a:prstGeom>
+          <a:noFill/>
+          <a:extLst>
+            <a:ext uri="{909E8E84-426E-40DD-AFC4-6F175D3DCCD1}">
+              <a14:hiddenFill xmlns:a14="http://schemas.microsoft.com/office/drawing/2010/main">
+                <a:solidFill>
+                  <a:srgbClr val="FFFFFF"/>
+                </a:solidFill>
+              </a14:hiddenFill>
+            </a:ext>
+          </a:extLst>
+        </p:spPr>
+      </p:pic>
+    </p:spTree>
+    <p:extLst>
+      <p:ext uri="{BB962C8B-B14F-4D97-AF65-F5344CB8AC3E}">
+        <p14:creationId xmlns:p14="http://schemas.microsoft.com/office/powerpoint/2010/main" val="1618240841"/>
+      </p:ext>
+    </p:extLst>
+  </p:cSld>
+  <p:clrMapOvr>
+    <a:masterClrMapping/>
+  </p:clrMapOvr>
+</p:sld>
+</file>
+
+<file path=ppt/slides/slide30.xml><?xml version="1.0" encoding="utf-8"?>
 <p:sld xmlns:a="http://schemas.openxmlformats.org/drawingml/2006/main" xmlns:r="http://schemas.openxmlformats.org/officeDocument/2006/relationships" xmlns:p="http://schemas.openxmlformats.org/presentationml/2006/main">
   <p:cSld>
     <p:bg>
@@ -41674,165 +42209,7 @@
 </p:sld>
 </file>
 
-<file path=ppt/slides/slide3.xml><?xml version="1.0" encoding="utf-8"?>
-<p:sld xmlns:a="http://schemas.openxmlformats.org/drawingml/2006/main" xmlns:r="http://schemas.openxmlformats.org/officeDocument/2006/relationships" xmlns:p="http://schemas.openxmlformats.org/presentationml/2006/main">
-  <p:cSld>
-    <p:spTree>
-      <p:nvGrpSpPr>
-        <p:cNvPr id="1" name=""/>
-        <p:cNvGrpSpPr/>
-        <p:nvPr/>
-      </p:nvGrpSpPr>
-      <p:grpSpPr>
-        <a:xfrm>
-          <a:off x="0" y="0"/>
-          <a:ext cx="0" cy="0"/>
-          <a:chOff x="0" y="0"/>
-          <a:chExt cx="0" cy="0"/>
-        </a:xfrm>
-      </p:grpSpPr>
-      <p:sp>
-        <p:nvSpPr>
-          <p:cNvPr id="2" name="内容占位符 1"/>
-          <p:cNvSpPr>
-            <a:spLocks noGrp="1"/>
-          </p:cNvSpPr>
-          <p:nvPr>
-            <p:ph idx="1"/>
-          </p:nvPr>
-        </p:nvSpPr>
-        <p:spPr/>
-        <p:txBody>
-          <a:bodyPr/>
-          <a:lstStyle/>
-          <a:p>
-            <a:r>
-              <a:rPr lang="en-US" altLang="zh-CN" dirty="0" smtClean="0"/>
-              <a:t>RNN(Recurrent Neural Network)</a:t>
-            </a:r>
-          </a:p>
-          <a:p>
-            <a:pPr lvl="1"/>
-            <a:r>
-              <a:rPr lang="en-US" altLang="zh-CN" dirty="0" smtClean="0"/>
-              <a:t>Recurrent:</a:t>
-            </a:r>
-          </a:p>
-          <a:p>
-            <a:pPr lvl="2"/>
-            <a:r>
-              <a:rPr lang="en-US" altLang="zh-CN" dirty="0" smtClean="0"/>
-              <a:t>perform </a:t>
-            </a:r>
-            <a:r>
-              <a:rPr lang="en-US" altLang="zh-CN" dirty="0"/>
-              <a:t>the same task for every element of a </a:t>
-            </a:r>
-            <a:r>
-              <a:rPr lang="en-US" altLang="zh-CN" dirty="0" smtClean="0"/>
-              <a:t>sequence</a:t>
-            </a:r>
-            <a:r>
-              <a:rPr lang="en-US" altLang="zh-CN" dirty="0"/>
-              <a:t>, with the output being depended on the previous </a:t>
-            </a:r>
-            <a:r>
-              <a:rPr lang="en-US" altLang="zh-CN" dirty="0" smtClean="0"/>
-              <a:t>computations.</a:t>
-            </a:r>
-          </a:p>
-          <a:p>
-            <a:pPr lvl="2"/>
-            <a:r>
-              <a:rPr lang="en-US" altLang="zh-CN" dirty="0" smtClean="0"/>
-              <a:t>RNNs </a:t>
-            </a:r>
-            <a:r>
-              <a:rPr lang="en-US" altLang="zh-CN" dirty="0"/>
-              <a:t> have a “memory” which captures information about what has been calculated so </a:t>
-            </a:r>
-            <a:r>
-              <a:rPr lang="en-US" altLang="zh-CN" dirty="0" smtClean="0"/>
-              <a:t>far.</a:t>
-            </a:r>
-            <a:endParaRPr lang="zh-CN" altLang="en-US" dirty="0"/>
-          </a:p>
-        </p:txBody>
-      </p:sp>
-      <p:sp>
-        <p:nvSpPr>
-          <p:cNvPr id="3" name="标题 2"/>
-          <p:cNvSpPr>
-            <a:spLocks noGrp="1"/>
-          </p:cNvSpPr>
-          <p:nvPr>
-            <p:ph type="title"/>
-          </p:nvPr>
-        </p:nvSpPr>
-        <p:spPr/>
-        <p:txBody>
-          <a:bodyPr/>
-          <a:lstStyle/>
-          <a:p>
-            <a:endParaRPr lang="zh-CN" altLang="en-US" dirty="0"/>
-          </a:p>
-        </p:txBody>
-      </p:sp>
-      <p:pic>
-        <p:nvPicPr>
-          <p:cNvPr id="122882" name="Picture 2" descr="A recurrent neural network and the unfolding in time of the computation involved in its forward computation."/>
-          <p:cNvPicPr>
-            <a:picLocks noChangeAspect="1" noChangeArrowheads="1"/>
-          </p:cNvPicPr>
-          <p:nvPr/>
-        </p:nvPicPr>
-        <p:blipFill>
-          <a:blip r:embed="rId2">
-            <a:extLst>
-              <a:ext uri="{28A0092B-C50C-407E-A947-70E740481C1C}">
-                <a14:useLocalDpi xmlns:a14="http://schemas.microsoft.com/office/drawing/2010/main" val="0"/>
-              </a:ext>
-            </a:extLst>
-          </a:blip>
-          <a:srcRect/>
-          <a:stretch>
-            <a:fillRect/>
-          </a:stretch>
-        </p:blipFill>
-        <p:spPr bwMode="auto">
-          <a:xfrm>
-            <a:off x="1190445" y="3482297"/>
-            <a:ext cx="6861928" cy="2753403"/>
-          </a:xfrm>
-          <a:prstGeom prst="rect">
-            <a:avLst/>
-          </a:prstGeom>
-          <a:noFill/>
-          <a:extLst>
-            <a:ext uri="{909E8E84-426E-40DD-AFC4-6F175D3DCCD1}">
-              <a14:hiddenFill xmlns:a14="http://schemas.microsoft.com/office/drawing/2010/main">
-                <a:solidFill>
-                  <a:srgbClr val="FFFFFF"/>
-                </a:solidFill>
-              </a14:hiddenFill>
-            </a:ext>
-          </a:extLst>
-        </p:spPr>
-      </p:pic>
-    </p:spTree>
-    <p:extLst>
-      <p:ext uri="{BB962C8B-B14F-4D97-AF65-F5344CB8AC3E}">
-        <p14:creationId xmlns:p14="http://schemas.microsoft.com/office/powerpoint/2010/main" val="1618240841"/>
-      </p:ext>
-    </p:extLst>
-  </p:cSld>
-  <p:clrMapOvr>
-    <a:masterClrMapping/>
-  </p:clrMapOvr>
-</p:sld>
-</file>
-
-<file path=ppt/slides/slide30.xml><?xml version="1.0" encoding="utf-8"?>
+<file path=ppt/slides/slide31.xml><?xml version="1.0" encoding="utf-8"?>
 <p:sld xmlns:a="http://schemas.openxmlformats.org/drawingml/2006/main" xmlns:r="http://schemas.openxmlformats.org/officeDocument/2006/relationships" xmlns:p="http://schemas.openxmlformats.org/presentationml/2006/main">
   <p:cSld>
     <p:bg>
@@ -41912,7 +42289,7 @@
           <a:graphicData uri="http://schemas.openxmlformats.org/presentationml/2006/ole">
             <mc:AlternateContent xmlns:mc="http://schemas.openxmlformats.org/markup-compatibility/2006">
               <mc:Choice xmlns:v="urn:schemas-microsoft-com:vml" Requires="v">
-                <p:oleObj spid="_x0000_s116804" name="Equation" r:id="rId5" imgW="4203360" imgH="863280" progId="Equation.DSMT4">
+                <p:oleObj spid="_x0000_s116862" name="Equation" r:id="rId5" imgW="4203360" imgH="863280" progId="Equation.DSMT4">
                   <p:embed/>
                 </p:oleObj>
               </mc:Choice>
@@ -42001,7 +42378,7 @@
           <a:graphicData uri="http://schemas.openxmlformats.org/presentationml/2006/ole">
             <mc:AlternateContent xmlns:mc="http://schemas.openxmlformats.org/markup-compatibility/2006">
               <mc:Choice xmlns:v="urn:schemas-microsoft-com:vml" Requires="v">
-                <p:oleObj spid="_x0000_s116805" name="Equation" r:id="rId7" imgW="1460160" imgH="2171520" progId="Equation.DSMT4">
+                <p:oleObj spid="_x0000_s116863" name="Equation" r:id="rId7" imgW="1460160" imgH="2171520" progId="Equation.DSMT4">
                   <p:embed/>
                 </p:oleObj>
               </mc:Choice>
@@ -42102,7 +42479,7 @@
 </p:sld>
 </file>
 
-<file path=ppt/slides/slide31.xml><?xml version="1.0" encoding="utf-8"?>
+<file path=ppt/slides/slide32.xml><?xml version="1.0" encoding="utf-8"?>
 <p:sld xmlns:a="http://schemas.openxmlformats.org/drawingml/2006/main" xmlns:r="http://schemas.openxmlformats.org/officeDocument/2006/relationships" xmlns:p="http://schemas.openxmlformats.org/presentationml/2006/main" show="0">
   <p:cSld>
     <p:bg>
@@ -42175,7 +42552,7 @@
           <a:graphicData uri="http://schemas.openxmlformats.org/presentationml/2006/ole">
             <mc:AlternateContent xmlns:mc="http://schemas.openxmlformats.org/markup-compatibility/2006">
               <mc:Choice xmlns:v="urn:schemas-microsoft-com:vml" Requires="v">
-                <p:oleObj spid="_x0000_s120900" name="Equation" r:id="rId5" imgW="114120" imgH="177480" progId="Equation.DSMT4">
+                <p:oleObj spid="_x0000_s120958" name="Equation" r:id="rId5" imgW="114120" imgH="177480" progId="Equation.DSMT4">
                   <p:embed/>
                 </p:oleObj>
               </mc:Choice>
@@ -42279,7 +42656,7 @@
           <a:graphicData uri="http://schemas.openxmlformats.org/presentationml/2006/ole">
             <mc:AlternateContent xmlns:mc="http://schemas.openxmlformats.org/markup-compatibility/2006">
               <mc:Choice xmlns:v="urn:schemas-microsoft-com:vml" Requires="v">
-                <p:oleObj spid="_x0000_s120901" name="Equation" r:id="rId8" imgW="1587240" imgH="3809880" progId="Equation.DSMT4">
+                <p:oleObj spid="_x0000_s120959" name="Equation" r:id="rId8" imgW="1587240" imgH="3809880" progId="Equation.DSMT4">
                   <p:embed/>
                 </p:oleObj>
               </mc:Choice>
@@ -42349,7 +42726,7 @@
 </p:sld>
 </file>
 
-<file path=ppt/slides/slide32.xml><?xml version="1.0" encoding="utf-8"?>
+<file path=ppt/slides/slide33.xml><?xml version="1.0" encoding="utf-8"?>
 <p:sld xmlns:a="http://schemas.openxmlformats.org/drawingml/2006/main" xmlns:r="http://schemas.openxmlformats.org/officeDocument/2006/relationships" xmlns:p="http://schemas.openxmlformats.org/presentationml/2006/main">
   <p:cSld>
     <p:bg>
@@ -42422,7 +42799,7 @@
           <a:graphicData uri="http://schemas.openxmlformats.org/presentationml/2006/ole">
             <mc:AlternateContent xmlns:mc="http://schemas.openxmlformats.org/markup-compatibility/2006">
               <mc:Choice xmlns:v="urn:schemas-microsoft-com:vml" Requires="v">
-                <p:oleObj spid="_x0000_s121922" name="Equation" r:id="rId5" imgW="114120" imgH="177480" progId="Equation.DSMT4">
+                <p:oleObj spid="_x0000_s121980" name="Equation" r:id="rId5" imgW="114120" imgH="177480" progId="Equation.DSMT4">
                   <p:embed/>
                 </p:oleObj>
               </mc:Choice>
@@ -42526,7 +42903,7 @@
           <a:graphicData uri="http://schemas.openxmlformats.org/presentationml/2006/ole">
             <mc:AlternateContent xmlns:mc="http://schemas.openxmlformats.org/markup-compatibility/2006">
               <mc:Choice xmlns:v="urn:schemas-microsoft-com:vml" Requires="v">
-                <p:oleObj spid="_x0000_s121923" name="Equation" r:id="rId8" imgW="2946240" imgH="3060360" progId="Equation.DSMT4">
+                <p:oleObj spid="_x0000_s121981" name="Equation" r:id="rId8" imgW="2946240" imgH="3060360" progId="Equation.DSMT4">
                   <p:embed/>
                 </p:oleObj>
               </mc:Choice>
@@ -42595,7 +42972,7 @@
 </p:sld>
 </file>
 
-<file path=ppt/slides/slide33.xml><?xml version="1.0" encoding="utf-8"?>
+<file path=ppt/slides/slide34.xml><?xml version="1.0" encoding="utf-8"?>
 <p:sld xmlns:a="http://schemas.openxmlformats.org/drawingml/2006/main" xmlns:r="http://schemas.openxmlformats.org/officeDocument/2006/relationships" xmlns:p="http://schemas.openxmlformats.org/presentationml/2006/main">
   <p:cSld>
     <p:spTree>
@@ -42701,7 +43078,7 @@
 </p:sld>
 </file>
 
-<file path=ppt/slides/slide34.xml><?xml version="1.0" encoding="utf-8"?>
+<file path=ppt/slides/slide35.xml><?xml version="1.0" encoding="utf-8"?>
 <p:sld xmlns:a="http://schemas.openxmlformats.org/drawingml/2006/main" xmlns:r="http://schemas.openxmlformats.org/officeDocument/2006/relationships" xmlns:p="http://schemas.openxmlformats.org/presentationml/2006/main" show="0">
   <p:cSld>
     <p:spTree>
@@ -43208,7 +43585,7 @@
           <a:graphicData uri="http://schemas.openxmlformats.org/presentationml/2006/ole">
             <mc:AlternateContent xmlns:mc="http://schemas.openxmlformats.org/markup-compatibility/2006">
               <mc:Choice xmlns:v="urn:schemas-microsoft-com:vml" Requires="v">
-                <p:oleObj spid="_x0000_s53474" name="Equation" r:id="rId3" imgW="977760" imgH="304560" progId="Equation.DSMT4">
+                <p:oleObj spid="_x0000_s53677" name="Equation" r:id="rId3" imgW="977760" imgH="304560" progId="Equation.DSMT4">
                   <p:embed/>
                 </p:oleObj>
               </mc:Choice>
@@ -43278,7 +43655,7 @@
           <a:graphicData uri="http://schemas.openxmlformats.org/presentationml/2006/ole">
             <mc:AlternateContent xmlns:mc="http://schemas.openxmlformats.org/markup-compatibility/2006">
               <mc:Choice xmlns:v="urn:schemas-microsoft-com:vml" Requires="v">
-                <p:oleObj spid="_x0000_s53475" name="Equation" r:id="rId5" imgW="1295280" imgH="228600" progId="Equation.DSMT4">
+                <p:oleObj spid="_x0000_s53678" name="Equation" r:id="rId5" imgW="1295280" imgH="228600" progId="Equation.DSMT4">
                   <p:embed/>
                 </p:oleObj>
               </mc:Choice>
@@ -43348,7 +43725,7 @@
           <a:graphicData uri="http://schemas.openxmlformats.org/presentationml/2006/ole">
             <mc:AlternateContent xmlns:mc="http://schemas.openxmlformats.org/markup-compatibility/2006">
               <mc:Choice xmlns:v="urn:schemas-microsoft-com:vml" Requires="v">
-                <p:oleObj spid="_x0000_s53476" name="Equation" r:id="rId7" imgW="1549080" imgH="279360" progId="Equation.DSMT4">
+                <p:oleObj spid="_x0000_s53679" name="Equation" r:id="rId7" imgW="1549080" imgH="279360" progId="Equation.DSMT4">
                   <p:embed/>
                 </p:oleObj>
               </mc:Choice>
@@ -43418,7 +43795,7 @@
           <a:graphicData uri="http://schemas.openxmlformats.org/presentationml/2006/ole">
             <mc:AlternateContent xmlns:mc="http://schemas.openxmlformats.org/markup-compatibility/2006">
               <mc:Choice xmlns:v="urn:schemas-microsoft-com:vml" Requires="v">
-                <p:oleObj spid="_x0000_s53477" name="Equation" r:id="rId9" imgW="2552400" imgH="228600" progId="Equation.DSMT4">
+                <p:oleObj spid="_x0000_s53680" name="Equation" r:id="rId9" imgW="2552400" imgH="228600" progId="Equation.DSMT4">
                   <p:embed/>
                 </p:oleObj>
               </mc:Choice>
@@ -43488,7 +43865,7 @@
           <a:graphicData uri="http://schemas.openxmlformats.org/presentationml/2006/ole">
             <mc:AlternateContent xmlns:mc="http://schemas.openxmlformats.org/markup-compatibility/2006">
               <mc:Choice xmlns:v="urn:schemas-microsoft-com:vml" Requires="v">
-                <p:oleObj spid="_x0000_s53478" name="Equation" r:id="rId11" imgW="812520" imgH="228600" progId="Equation.DSMT4">
+                <p:oleObj spid="_x0000_s53681" name="Equation" r:id="rId11" imgW="812520" imgH="228600" progId="Equation.DSMT4">
                   <p:embed/>
                 </p:oleObj>
               </mc:Choice>
@@ -43558,7 +43935,7 @@
           <a:graphicData uri="http://schemas.openxmlformats.org/presentationml/2006/ole">
             <mc:AlternateContent xmlns:mc="http://schemas.openxmlformats.org/markup-compatibility/2006">
               <mc:Choice xmlns:v="urn:schemas-microsoft-com:vml" Requires="v">
-                <p:oleObj spid="_x0000_s53479" name="Equation" r:id="rId13" imgW="571320" imgH="203040" progId="Equation.DSMT4">
+                <p:oleObj spid="_x0000_s53682" name="Equation" r:id="rId13" imgW="571320" imgH="203040" progId="Equation.DSMT4">
                   <p:embed/>
                 </p:oleObj>
               </mc:Choice>
@@ -43628,7 +44005,7 @@
           <a:graphicData uri="http://schemas.openxmlformats.org/presentationml/2006/ole">
             <mc:AlternateContent xmlns:mc="http://schemas.openxmlformats.org/markup-compatibility/2006">
               <mc:Choice xmlns:v="urn:schemas-microsoft-com:vml" Requires="v">
-                <p:oleObj spid="_x0000_s53480" name="Equation" r:id="rId15" imgW="634680" imgH="203040" progId="Equation.DSMT4">
+                <p:oleObj spid="_x0000_s53683" name="Equation" r:id="rId15" imgW="634680" imgH="203040" progId="Equation.DSMT4">
                   <p:embed/>
                 </p:oleObj>
               </mc:Choice>
@@ -43767,7 +44144,7 @@
 </p:sld>
 </file>
 
-<file path=ppt/slides/slide35.xml><?xml version="1.0" encoding="utf-8"?>
+<file path=ppt/slides/slide36.xml><?xml version="1.0" encoding="utf-8"?>
 <p:sld xmlns:a="http://schemas.openxmlformats.org/drawingml/2006/main" xmlns:r="http://schemas.openxmlformats.org/officeDocument/2006/relationships" xmlns:p="http://schemas.openxmlformats.org/presentationml/2006/main">
   <p:cSld>
     <p:spTree>
@@ -43942,99 +44319,6 @@
 </p:sld>
 </file>
 
-<file path=ppt/slides/slide36.xml><?xml version="1.0" encoding="utf-8"?>
-<p:sld xmlns:a="http://schemas.openxmlformats.org/drawingml/2006/main" xmlns:r="http://schemas.openxmlformats.org/officeDocument/2006/relationships" xmlns:p="http://schemas.openxmlformats.org/presentationml/2006/main">
-  <p:cSld>
-    <p:spTree>
-      <p:nvGrpSpPr>
-        <p:cNvPr id="1" name=""/>
-        <p:cNvGrpSpPr/>
-        <p:nvPr/>
-      </p:nvGrpSpPr>
-      <p:grpSpPr>
-        <a:xfrm>
-          <a:off x="0" y="0"/>
-          <a:ext cx="0" cy="0"/>
-          <a:chOff x="0" y="0"/>
-          <a:chExt cx="0" cy="0"/>
-        </a:xfrm>
-      </p:grpSpPr>
-      <p:sp>
-        <p:nvSpPr>
-          <p:cNvPr id="2" name="内容占位符 1"/>
-          <p:cNvSpPr>
-            <a:spLocks noGrp="1"/>
-          </p:cNvSpPr>
-          <p:nvPr>
-            <p:ph idx="1"/>
-          </p:nvPr>
-        </p:nvSpPr>
-        <p:spPr/>
-        <p:txBody>
-          <a:bodyPr/>
-          <a:lstStyle/>
-          <a:p>
-            <a:r>
-              <a:rPr lang="en-US" altLang="zh-CN" dirty="0" smtClean="0"/>
-              <a:t>During testing, the label sequence for a new test instance is determined by a </a:t>
-            </a:r>
-            <a:r>
-              <a:rPr lang="en-US" altLang="zh-CN" dirty="0" smtClean="0">
-                <a:solidFill>
-                  <a:srgbClr val="FF0000"/>
-                </a:solidFill>
-              </a:rPr>
-              <a:t>Viterbi</a:t>
-            </a:r>
-            <a:r>
-              <a:rPr lang="en-US" altLang="zh-CN" dirty="0" smtClean="0"/>
-              <a:t>-like algorithm, which returns the label sequence with the highest probability according to the trained model (Sutton and McCallum, 2006).</a:t>
-            </a:r>
-            <a:br>
-              <a:rPr lang="en-US" altLang="zh-CN" dirty="0" smtClean="0"/>
-            </a:br>
-            <a:endParaRPr lang="zh-CN" altLang="en-US" dirty="0"/>
-          </a:p>
-        </p:txBody>
-      </p:sp>
-      <p:sp>
-        <p:nvSpPr>
-          <p:cNvPr id="3" name="标题 2"/>
-          <p:cNvSpPr>
-            <a:spLocks noGrp="1"/>
-          </p:cNvSpPr>
-          <p:nvPr>
-            <p:ph type="title"/>
-          </p:nvPr>
-        </p:nvSpPr>
-        <p:spPr/>
-        <p:txBody>
-          <a:bodyPr/>
-          <a:lstStyle/>
-          <a:p>
-            <a:r>
-              <a:rPr lang="en-US" altLang="zh-CN" dirty="0" smtClean="0"/>
-              <a:t>Prediction of CRFs</a:t>
-            </a:r>
-            <a:endParaRPr lang="zh-CN" altLang="en-US" dirty="0"/>
-          </a:p>
-        </p:txBody>
-      </p:sp>
-    </p:spTree>
-  </p:cSld>
-  <p:clrMapOvr>
-    <a:masterClrMapping/>
-  </p:clrMapOvr>
-  <p:timing>
-    <p:tnLst>
-      <p:par>
-        <p:cTn id="1" dur="indefinite" restart="never" nodeType="tmRoot"/>
-      </p:par>
-    </p:tnLst>
-  </p:timing>
-</p:sld>
-</file>
-
 <file path=ppt/slides/slide37.xml><?xml version="1.0" encoding="utf-8"?>
 <p:sld xmlns:a="http://schemas.openxmlformats.org/drawingml/2006/main" xmlns:r="http://schemas.openxmlformats.org/officeDocument/2006/relationships" xmlns:p="http://schemas.openxmlformats.org/presentationml/2006/main">
   <p:cSld>
@@ -44068,6 +44352,99 @@
           <a:lstStyle/>
           <a:p>
             <a:r>
+              <a:rPr lang="en-US" altLang="zh-CN" dirty="0" smtClean="0"/>
+              <a:t>During testing, the label sequence for a new test instance is determined by a </a:t>
+            </a:r>
+            <a:r>
+              <a:rPr lang="en-US" altLang="zh-CN" dirty="0" smtClean="0">
+                <a:solidFill>
+                  <a:srgbClr val="FF0000"/>
+                </a:solidFill>
+              </a:rPr>
+              <a:t>Viterbi</a:t>
+            </a:r>
+            <a:r>
+              <a:rPr lang="en-US" altLang="zh-CN" dirty="0" smtClean="0"/>
+              <a:t>-like algorithm, which returns the label sequence with the highest probability according to the trained model (Sutton and McCallum, 2006).</a:t>
+            </a:r>
+            <a:br>
+              <a:rPr lang="en-US" altLang="zh-CN" dirty="0" smtClean="0"/>
+            </a:br>
+            <a:endParaRPr lang="zh-CN" altLang="en-US" dirty="0"/>
+          </a:p>
+        </p:txBody>
+      </p:sp>
+      <p:sp>
+        <p:nvSpPr>
+          <p:cNvPr id="3" name="标题 2"/>
+          <p:cNvSpPr>
+            <a:spLocks noGrp="1"/>
+          </p:cNvSpPr>
+          <p:nvPr>
+            <p:ph type="title"/>
+          </p:nvPr>
+        </p:nvSpPr>
+        <p:spPr/>
+        <p:txBody>
+          <a:bodyPr/>
+          <a:lstStyle/>
+          <a:p>
+            <a:r>
+              <a:rPr lang="en-US" altLang="zh-CN" dirty="0" smtClean="0"/>
+              <a:t>Prediction of CRFs</a:t>
+            </a:r>
+            <a:endParaRPr lang="zh-CN" altLang="en-US" dirty="0"/>
+          </a:p>
+        </p:txBody>
+      </p:sp>
+    </p:spTree>
+  </p:cSld>
+  <p:clrMapOvr>
+    <a:masterClrMapping/>
+  </p:clrMapOvr>
+  <p:timing>
+    <p:tnLst>
+      <p:par>
+        <p:cTn id="1" dur="indefinite" restart="never" nodeType="tmRoot"/>
+      </p:par>
+    </p:tnLst>
+  </p:timing>
+</p:sld>
+</file>
+
+<file path=ppt/slides/slide38.xml><?xml version="1.0" encoding="utf-8"?>
+<p:sld xmlns:a="http://schemas.openxmlformats.org/drawingml/2006/main" xmlns:r="http://schemas.openxmlformats.org/officeDocument/2006/relationships" xmlns:p="http://schemas.openxmlformats.org/presentationml/2006/main">
+  <p:cSld>
+    <p:spTree>
+      <p:nvGrpSpPr>
+        <p:cNvPr id="1" name=""/>
+        <p:cNvGrpSpPr/>
+        <p:nvPr/>
+      </p:nvGrpSpPr>
+      <p:grpSpPr>
+        <a:xfrm>
+          <a:off x="0" y="0"/>
+          <a:ext cx="0" cy="0"/>
+          <a:chOff x="0" y="0"/>
+          <a:chExt cx="0" cy="0"/>
+        </a:xfrm>
+      </p:grpSpPr>
+      <p:sp>
+        <p:nvSpPr>
+          <p:cNvPr id="2" name="内容占位符 1"/>
+          <p:cNvSpPr>
+            <a:spLocks noGrp="1"/>
+          </p:cNvSpPr>
+          <p:nvPr>
+            <p:ph idx="1"/>
+          </p:nvPr>
+        </p:nvSpPr>
+        <p:spPr/>
+        <p:txBody>
+          <a:bodyPr/>
+          <a:lstStyle/>
+          <a:p>
+            <a:r>
               <a:rPr lang="en-US" altLang="zh-CN" dirty="0" smtClean="0">
                 <a:sym typeface="+mn-ea"/>
               </a:rPr>
@@ -44165,7 +44542,7 @@
           <a:graphicData uri="http://schemas.openxmlformats.org/presentationml/2006/ole">
             <mc:AlternateContent xmlns:mc="http://schemas.openxmlformats.org/markup-compatibility/2006">
               <mc:Choice xmlns:v="urn:schemas-microsoft-com:vml" Requires="v">
-                <p:oleObj spid="_x0000_s38017" r:id="rId3" imgW="1752480" imgH="431640" progId="Equation.3">
+                <p:oleObj spid="_x0000_s38133" r:id="rId3" imgW="1752480" imgH="431640" progId="Equation.3">
                   <p:embed/>
                 </p:oleObj>
               </mc:Choice>
@@ -44237,7 +44614,7 @@
           <a:graphicData uri="http://schemas.openxmlformats.org/presentationml/2006/ole">
             <mc:AlternateContent xmlns:mc="http://schemas.openxmlformats.org/markup-compatibility/2006">
               <mc:Choice xmlns:v="urn:schemas-microsoft-com:vml" Requires="v">
-                <p:oleObj spid="_x0000_s38018" r:id="rId5" imgW="1739880" imgH="355320" progId="Equation.3">
+                <p:oleObj spid="_x0000_s38134" r:id="rId5" imgW="1739880" imgH="355320" progId="Equation.3">
                   <p:embed/>
                 </p:oleObj>
               </mc:Choice>
@@ -44309,7 +44686,7 @@
           <a:graphicData uri="http://schemas.openxmlformats.org/presentationml/2006/ole">
             <mc:AlternateContent xmlns:mc="http://schemas.openxmlformats.org/markup-compatibility/2006">
               <mc:Choice xmlns:v="urn:schemas-microsoft-com:vml" Requires="v">
-                <p:oleObj spid="_x0000_s38019" r:id="rId7" imgW="3531240" imgH="2381760" progId="Equation.3">
+                <p:oleObj spid="_x0000_s38135" r:id="rId7" imgW="3531240" imgH="2381760" progId="Equation.3">
                   <p:embed/>
                 </p:oleObj>
               </mc:Choice>
@@ -44379,7 +44756,7 @@
           <a:graphicData uri="http://schemas.openxmlformats.org/presentationml/2006/ole">
             <mc:AlternateContent xmlns:mc="http://schemas.openxmlformats.org/markup-compatibility/2006">
               <mc:Choice xmlns:v="urn:schemas-microsoft-com:vml" Requires="v">
-                <p:oleObj spid="_x0000_s38020" name="Equation" r:id="rId9" imgW="2539800" imgH="952200" progId="Equation.DSMT4">
+                <p:oleObj spid="_x0000_s38136" name="Equation" r:id="rId9" imgW="2539800" imgH="952200" progId="Equation.DSMT4">
                   <p:embed/>
                 </p:oleObj>
               </mc:Choice>
@@ -44448,7 +44825,7 @@
 </p:sld>
 </file>
 
-<file path=ppt/slides/slide38.xml><?xml version="1.0" encoding="utf-8"?>
+<file path=ppt/slides/slide39.xml><?xml version="1.0" encoding="utf-8"?>
 <p:sld xmlns:a="http://schemas.openxmlformats.org/drawingml/2006/main" xmlns:r="http://schemas.openxmlformats.org/officeDocument/2006/relationships" xmlns:p="http://schemas.openxmlformats.org/presentationml/2006/main">
   <p:cSld>
     <p:spTree>
@@ -44534,7 +44911,7 @@
           <a:graphicData uri="http://schemas.openxmlformats.org/presentationml/2006/ole">
             <mc:AlternateContent xmlns:mc="http://schemas.openxmlformats.org/markup-compatibility/2006">
               <mc:Choice xmlns:v="urn:schemas-microsoft-com:vml" Requires="v">
-                <p:oleObj spid="_x0000_s51237" name="Equation" r:id="rId3" imgW="4038480" imgH="1879560" progId="Equation.DSMT4">
+                <p:oleObj spid="_x0000_s51266" name="Equation" r:id="rId3" imgW="4038480" imgH="1879560" progId="Equation.DSMT4">
                   <p:embed/>
                 </p:oleObj>
               </mc:Choice>
@@ -44720,7 +45097,249 @@
 </p:sld>
 </file>
 
-<file path=ppt/slides/slide39.xml><?xml version="1.0" encoding="utf-8"?>
+<file path=ppt/slides/slide4.xml><?xml version="1.0" encoding="utf-8"?>
+<p:sld xmlns:a="http://schemas.openxmlformats.org/drawingml/2006/main" xmlns:r="http://schemas.openxmlformats.org/officeDocument/2006/relationships" xmlns:p="http://schemas.openxmlformats.org/presentationml/2006/main">
+  <p:cSld>
+    <p:spTree>
+      <p:nvGrpSpPr>
+        <p:cNvPr id="1" name=""/>
+        <p:cNvGrpSpPr/>
+        <p:nvPr/>
+      </p:nvGrpSpPr>
+      <p:grpSpPr>
+        <a:xfrm>
+          <a:off x="0" y="0"/>
+          <a:ext cx="0" cy="0"/>
+          <a:chOff x="0" y="0"/>
+          <a:chExt cx="0" cy="0"/>
+        </a:xfrm>
+      </p:grpSpPr>
+      <p:sp>
+        <p:nvSpPr>
+          <p:cNvPr id="2" name="内容占位符 1"/>
+          <p:cNvSpPr>
+            <a:spLocks noGrp="1"/>
+          </p:cNvSpPr>
+          <p:nvPr>
+            <p:ph idx="1"/>
+          </p:nvPr>
+        </p:nvSpPr>
+        <p:spPr/>
+        <p:txBody>
+          <a:bodyPr/>
+          <a:lstStyle/>
+          <a:p>
+            <a:r>
+              <a:rPr lang="en-US" altLang="zh-CN" dirty="0" smtClean="0"/>
+              <a:t>RNN(Recurrent Neural Network)</a:t>
+            </a:r>
+          </a:p>
+          <a:p>
+            <a:endParaRPr lang="en-US" altLang="zh-CN" dirty="0" smtClean="0"/>
+          </a:p>
+          <a:p>
+            <a:endParaRPr lang="en-US" altLang="zh-CN" dirty="0"/>
+          </a:p>
+          <a:p>
+            <a:r>
+              <a:rPr lang="en-US" altLang="zh-CN" dirty="0" smtClean="0"/>
+              <a:t>Note that:</a:t>
+            </a:r>
+          </a:p>
+          <a:p>
+            <a:pPr lvl="1"/>
+            <a:r>
+              <a:rPr lang="en-US" altLang="zh-CN" b="0" dirty="0" smtClean="0"/>
+              <a:t>a </a:t>
+            </a:r>
+            <a:r>
+              <a:rPr lang="en-US" altLang="zh-CN" b="0" dirty="0"/>
+              <a:t>RNN shares the same parameters </a:t>
+            </a:r>
+            <a:r>
+              <a:rPr lang="en-US" altLang="zh-CN" b="0" dirty="0" smtClean="0"/>
+              <a:t>(W,U ,V)</a:t>
+            </a:r>
+          </a:p>
+          <a:p>
+            <a:pPr lvl="1"/>
+            <a:r>
+              <a:rPr lang="en-US" altLang="zh-CN" dirty="0" smtClean="0"/>
+              <a:t>Output may </a:t>
+            </a:r>
+            <a:r>
+              <a:rPr lang="en-US" altLang="zh-CN" dirty="0"/>
+              <a:t>not be </a:t>
+            </a:r>
+            <a:r>
+              <a:rPr lang="en-US" altLang="zh-CN" dirty="0" smtClean="0"/>
+              <a:t>necessary.</a:t>
+            </a:r>
+          </a:p>
+          <a:p>
+            <a:endParaRPr lang="en-US" altLang="zh-CN" dirty="0" smtClean="0"/>
+          </a:p>
+          <a:p>
+            <a:endParaRPr lang="en-US" altLang="zh-CN" dirty="0" smtClean="0"/>
+          </a:p>
+        </p:txBody>
+      </p:sp>
+      <p:sp>
+        <p:nvSpPr>
+          <p:cNvPr id="3" name="标题 2"/>
+          <p:cNvSpPr>
+            <a:spLocks noGrp="1"/>
+          </p:cNvSpPr>
+          <p:nvPr>
+            <p:ph type="title"/>
+          </p:nvPr>
+        </p:nvSpPr>
+        <p:spPr/>
+        <p:txBody>
+          <a:bodyPr/>
+          <a:lstStyle/>
+          <a:p>
+            <a:endParaRPr lang="zh-CN" altLang="en-US"/>
+          </a:p>
+        </p:txBody>
+      </p:sp>
+      <p:pic>
+        <p:nvPicPr>
+          <p:cNvPr id="122882" name="Picture 2" descr="A recurrent neural network and the unfolding in time of the computation involved in its forward computation."/>
+          <p:cNvPicPr>
+            <a:picLocks noChangeAspect="1" noChangeArrowheads="1"/>
+          </p:cNvPicPr>
+          <p:nvPr/>
+        </p:nvPicPr>
+        <p:blipFill>
+          <a:blip r:embed="rId2">
+            <a:extLst>
+              <a:ext uri="{28A0092B-C50C-407E-A947-70E740481C1C}">
+                <a14:useLocalDpi xmlns:a14="http://schemas.microsoft.com/office/drawing/2010/main" val="0"/>
+              </a:ext>
+            </a:extLst>
+          </a:blip>
+          <a:srcRect/>
+          <a:stretch>
+            <a:fillRect/>
+          </a:stretch>
+        </p:blipFill>
+        <p:spPr bwMode="auto">
+          <a:xfrm>
+            <a:off x="2853958" y="4149794"/>
+            <a:ext cx="5198414" cy="2085905"/>
+          </a:xfrm>
+          <a:prstGeom prst="rect">
+            <a:avLst/>
+          </a:prstGeom>
+          <a:noFill/>
+          <a:extLst>
+            <a:ext uri="{909E8E84-426E-40DD-AFC4-6F175D3DCCD1}">
+              <a14:hiddenFill xmlns:a14="http://schemas.microsoft.com/office/drawing/2010/main">
+                <a:solidFill>
+                  <a:srgbClr val="FFFFFF"/>
+                </a:solidFill>
+              </a14:hiddenFill>
+            </a:ext>
+          </a:extLst>
+        </p:spPr>
+      </p:pic>
+      <p:pic>
+        <p:nvPicPr>
+          <p:cNvPr id="123909" name="Picture 5" descr="s_t=f(Ux_t + Ws_{t-1})"/>
+          <p:cNvPicPr>
+            <a:picLocks noChangeAspect="1" noChangeArrowheads="1"/>
+          </p:cNvPicPr>
+          <p:nvPr/>
+        </p:nvPicPr>
+        <p:blipFill>
+          <a:blip r:embed="rId3">
+            <a:extLst>
+              <a:ext uri="{28A0092B-C50C-407E-A947-70E740481C1C}">
+                <a14:useLocalDpi xmlns:a14="http://schemas.microsoft.com/office/drawing/2010/main" val="0"/>
+              </a:ext>
+            </a:extLst>
+          </a:blip>
+          <a:srcRect/>
+          <a:stretch>
+            <a:fillRect/>
+          </a:stretch>
+        </p:blipFill>
+        <p:spPr bwMode="auto">
+          <a:xfrm>
+            <a:off x="1034683" y="2050711"/>
+            <a:ext cx="2105025" cy="238125"/>
+          </a:xfrm>
+          <a:prstGeom prst="rect">
+            <a:avLst/>
+          </a:prstGeom>
+          <a:noFill/>
+          <a:extLst>
+            <a:ext uri="{909E8E84-426E-40DD-AFC4-6F175D3DCCD1}">
+              <a14:hiddenFill xmlns:a14="http://schemas.microsoft.com/office/drawing/2010/main">
+                <a:solidFill>
+                  <a:srgbClr val="FFFFFF"/>
+                </a:solidFill>
+              </a14:hiddenFill>
+            </a:ext>
+          </a:extLst>
+        </p:spPr>
+      </p:pic>
+      <p:pic>
+        <p:nvPicPr>
+          <p:cNvPr id="123911" name="Picture 7" descr="o_t = \mathrm{softmax}(Vs_t)"/>
+          <p:cNvPicPr>
+            <a:picLocks noChangeAspect="1" noChangeArrowheads="1"/>
+          </p:cNvPicPr>
+          <p:nvPr/>
+        </p:nvPicPr>
+        <p:blipFill>
+          <a:blip r:embed="rId4">
+            <a:extLst>
+              <a:ext uri="{28A0092B-C50C-407E-A947-70E740481C1C}">
+                <a14:useLocalDpi xmlns:a14="http://schemas.microsoft.com/office/drawing/2010/main" val="0"/>
+              </a:ext>
+            </a:extLst>
+          </a:blip>
+          <a:srcRect/>
+          <a:stretch>
+            <a:fillRect/>
+          </a:stretch>
+        </p:blipFill>
+        <p:spPr bwMode="auto">
+          <a:xfrm>
+            <a:off x="1034683" y="2528379"/>
+            <a:ext cx="1819275" cy="238125"/>
+          </a:xfrm>
+          <a:prstGeom prst="rect">
+            <a:avLst/>
+          </a:prstGeom>
+          <a:noFill/>
+          <a:extLst>
+            <a:ext uri="{909E8E84-426E-40DD-AFC4-6F175D3DCCD1}">
+              <a14:hiddenFill xmlns:a14="http://schemas.microsoft.com/office/drawing/2010/main">
+                <a:solidFill>
+                  <a:srgbClr val="FFFFFF"/>
+                </a:solidFill>
+              </a14:hiddenFill>
+            </a:ext>
+          </a:extLst>
+        </p:spPr>
+      </p:pic>
+    </p:spTree>
+    <p:extLst>
+      <p:ext uri="{BB962C8B-B14F-4D97-AF65-F5344CB8AC3E}">
+        <p14:creationId xmlns:p14="http://schemas.microsoft.com/office/powerpoint/2010/main" val="2560607334"/>
+      </p:ext>
+    </p:extLst>
+  </p:cSld>
+  <p:clrMapOvr>
+    <a:masterClrMapping/>
+  </p:clrMapOvr>
+</p:sld>
+</file>
+
+<file path=ppt/slides/slide40.xml><?xml version="1.0" encoding="utf-8"?>
 <p:sld xmlns:a="http://schemas.openxmlformats.org/drawingml/2006/main" xmlns:r="http://schemas.openxmlformats.org/officeDocument/2006/relationships" xmlns:p="http://schemas.openxmlformats.org/presentationml/2006/main" show="0">
   <p:cSld>
     <p:spTree>
@@ -45241,7 +45860,7 @@
           <a:graphicData uri="http://schemas.openxmlformats.org/presentationml/2006/ole">
             <mc:AlternateContent xmlns:mc="http://schemas.openxmlformats.org/markup-compatibility/2006">
               <mc:Choice xmlns:v="urn:schemas-microsoft-com:vml" Requires="v">
-                <p:oleObj spid="_x0000_s50435" name="Equation" r:id="rId3" imgW="1193760" imgH="317160" progId="Equation.DSMT4">
+                <p:oleObj spid="_x0000_s50667" name="Equation" r:id="rId3" imgW="1193760" imgH="317160" progId="Equation.DSMT4">
                   <p:embed/>
                 </p:oleObj>
               </mc:Choice>
@@ -45311,7 +45930,7 @@
           <a:graphicData uri="http://schemas.openxmlformats.org/presentationml/2006/ole">
             <mc:AlternateContent xmlns:mc="http://schemas.openxmlformats.org/markup-compatibility/2006">
               <mc:Choice xmlns:v="urn:schemas-microsoft-com:vml" Requires="v">
-                <p:oleObj spid="_x0000_s50436" name="Equation" r:id="rId5" imgW="1015920" imgH="241200" progId="Equation.DSMT4">
+                <p:oleObj spid="_x0000_s50668" name="Equation" r:id="rId5" imgW="1015920" imgH="241200" progId="Equation.DSMT4">
                   <p:embed/>
                 </p:oleObj>
               </mc:Choice>
@@ -45381,7 +46000,7 @@
           <a:graphicData uri="http://schemas.openxmlformats.org/presentationml/2006/ole">
             <mc:AlternateContent xmlns:mc="http://schemas.openxmlformats.org/markup-compatibility/2006">
               <mc:Choice xmlns:v="urn:schemas-microsoft-com:vml" Requires="v">
-                <p:oleObj spid="_x0000_s50437" name="Equation" r:id="rId7" imgW="2933640" imgH="228600" progId="Equation.DSMT4">
+                <p:oleObj spid="_x0000_s50669" name="Equation" r:id="rId7" imgW="2933640" imgH="228600" progId="Equation.DSMT4">
                   <p:embed/>
                 </p:oleObj>
               </mc:Choice>
@@ -45451,7 +46070,7 @@
           <a:graphicData uri="http://schemas.openxmlformats.org/presentationml/2006/ole">
             <mc:AlternateContent xmlns:mc="http://schemas.openxmlformats.org/markup-compatibility/2006">
               <mc:Choice xmlns:v="urn:schemas-microsoft-com:vml" Requires="v">
-                <p:oleObj spid="_x0000_s50438" name="Equation" r:id="rId9" imgW="3720960" imgH="304560" progId="Equation.DSMT4">
+                <p:oleObj spid="_x0000_s50670" name="Equation" r:id="rId9" imgW="3720960" imgH="304560" progId="Equation.DSMT4">
                   <p:embed/>
                 </p:oleObj>
               </mc:Choice>
@@ -45521,7 +46140,7 @@
           <a:graphicData uri="http://schemas.openxmlformats.org/presentationml/2006/ole">
             <mc:AlternateContent xmlns:mc="http://schemas.openxmlformats.org/markup-compatibility/2006">
               <mc:Choice xmlns:v="urn:schemas-microsoft-com:vml" Requires="v">
-                <p:oleObj spid="_x0000_s50439" name="Equation" r:id="rId11" imgW="3936960" imgH="304560" progId="Equation.DSMT4">
+                <p:oleObj spid="_x0000_s50671" name="Equation" r:id="rId11" imgW="3936960" imgH="304560" progId="Equation.DSMT4">
                   <p:embed/>
                 </p:oleObj>
               </mc:Choice>
@@ -45591,7 +46210,7 @@
           <a:graphicData uri="http://schemas.openxmlformats.org/presentationml/2006/ole">
             <mc:AlternateContent xmlns:mc="http://schemas.openxmlformats.org/markup-compatibility/2006">
               <mc:Choice xmlns:v="urn:schemas-microsoft-com:vml" Requires="v">
-                <p:oleObj spid="_x0000_s50440" name="Equation" r:id="rId13" imgW="3238200" imgH="304560" progId="Equation.DSMT4">
+                <p:oleObj spid="_x0000_s50672" name="Equation" r:id="rId13" imgW="3238200" imgH="304560" progId="Equation.DSMT4">
                   <p:embed/>
                 </p:oleObj>
               </mc:Choice>
@@ -45661,7 +46280,7 @@
           <a:graphicData uri="http://schemas.openxmlformats.org/presentationml/2006/ole">
             <mc:AlternateContent xmlns:mc="http://schemas.openxmlformats.org/markup-compatibility/2006">
               <mc:Choice xmlns:v="urn:schemas-microsoft-com:vml" Requires="v">
-                <p:oleObj spid="_x0000_s50441" name="Equation" r:id="rId15" imgW="888840" imgH="241200" progId="Equation.DSMT4">
+                <p:oleObj spid="_x0000_s50673" name="Equation" r:id="rId15" imgW="888840" imgH="241200" progId="Equation.DSMT4">
                   <p:embed/>
                 </p:oleObj>
               </mc:Choice>
@@ -45731,7 +46350,7 @@
           <a:graphicData uri="http://schemas.openxmlformats.org/presentationml/2006/ole">
             <mc:AlternateContent xmlns:mc="http://schemas.openxmlformats.org/markup-compatibility/2006">
               <mc:Choice xmlns:v="urn:schemas-microsoft-com:vml" Requires="v">
-                <p:oleObj spid="_x0000_s50442" name="Equation" r:id="rId17" imgW="1193760" imgH="317160" progId="Equation.DSMT4">
+                <p:oleObj spid="_x0000_s50674" name="Equation" r:id="rId17" imgW="1193760" imgH="317160" progId="Equation.DSMT4">
                   <p:embed/>
                 </p:oleObj>
               </mc:Choice>
@@ -45794,249 +46413,7 @@
 </p:sld>
 </file>
 
-<file path=ppt/slides/slide4.xml><?xml version="1.0" encoding="utf-8"?>
-<p:sld xmlns:a="http://schemas.openxmlformats.org/drawingml/2006/main" xmlns:r="http://schemas.openxmlformats.org/officeDocument/2006/relationships" xmlns:p="http://schemas.openxmlformats.org/presentationml/2006/main">
-  <p:cSld>
-    <p:spTree>
-      <p:nvGrpSpPr>
-        <p:cNvPr id="1" name=""/>
-        <p:cNvGrpSpPr/>
-        <p:nvPr/>
-      </p:nvGrpSpPr>
-      <p:grpSpPr>
-        <a:xfrm>
-          <a:off x="0" y="0"/>
-          <a:ext cx="0" cy="0"/>
-          <a:chOff x="0" y="0"/>
-          <a:chExt cx="0" cy="0"/>
-        </a:xfrm>
-      </p:grpSpPr>
-      <p:sp>
-        <p:nvSpPr>
-          <p:cNvPr id="2" name="内容占位符 1"/>
-          <p:cNvSpPr>
-            <a:spLocks noGrp="1"/>
-          </p:cNvSpPr>
-          <p:nvPr>
-            <p:ph idx="1"/>
-          </p:nvPr>
-        </p:nvSpPr>
-        <p:spPr/>
-        <p:txBody>
-          <a:bodyPr/>
-          <a:lstStyle/>
-          <a:p>
-            <a:r>
-              <a:rPr lang="en-US" altLang="zh-CN" dirty="0" smtClean="0"/>
-              <a:t>RNN(Recurrent Neural Network)</a:t>
-            </a:r>
-          </a:p>
-          <a:p>
-            <a:endParaRPr lang="en-US" altLang="zh-CN" dirty="0" smtClean="0"/>
-          </a:p>
-          <a:p>
-            <a:endParaRPr lang="en-US" altLang="zh-CN" dirty="0"/>
-          </a:p>
-          <a:p>
-            <a:r>
-              <a:rPr lang="en-US" altLang="zh-CN" dirty="0" smtClean="0"/>
-              <a:t>Note that:</a:t>
-            </a:r>
-          </a:p>
-          <a:p>
-            <a:pPr lvl="1"/>
-            <a:r>
-              <a:rPr lang="en-US" altLang="zh-CN" b="0" dirty="0" smtClean="0"/>
-              <a:t>a </a:t>
-            </a:r>
-            <a:r>
-              <a:rPr lang="en-US" altLang="zh-CN" b="0" dirty="0"/>
-              <a:t>RNN shares the same parameters </a:t>
-            </a:r>
-            <a:r>
-              <a:rPr lang="en-US" altLang="zh-CN" b="0" dirty="0" smtClean="0"/>
-              <a:t>(W,U ,V)</a:t>
-            </a:r>
-          </a:p>
-          <a:p>
-            <a:pPr lvl="1"/>
-            <a:r>
-              <a:rPr lang="en-US" altLang="zh-CN" dirty="0" smtClean="0"/>
-              <a:t>Output may </a:t>
-            </a:r>
-            <a:r>
-              <a:rPr lang="en-US" altLang="zh-CN" dirty="0"/>
-              <a:t>not be </a:t>
-            </a:r>
-            <a:r>
-              <a:rPr lang="en-US" altLang="zh-CN" dirty="0" smtClean="0"/>
-              <a:t>necessary.</a:t>
-            </a:r>
-          </a:p>
-          <a:p>
-            <a:endParaRPr lang="en-US" altLang="zh-CN" dirty="0" smtClean="0"/>
-          </a:p>
-          <a:p>
-            <a:endParaRPr lang="en-US" altLang="zh-CN" dirty="0" smtClean="0"/>
-          </a:p>
-        </p:txBody>
-      </p:sp>
-      <p:sp>
-        <p:nvSpPr>
-          <p:cNvPr id="3" name="标题 2"/>
-          <p:cNvSpPr>
-            <a:spLocks noGrp="1"/>
-          </p:cNvSpPr>
-          <p:nvPr>
-            <p:ph type="title"/>
-          </p:nvPr>
-        </p:nvSpPr>
-        <p:spPr/>
-        <p:txBody>
-          <a:bodyPr/>
-          <a:lstStyle/>
-          <a:p>
-            <a:endParaRPr lang="zh-CN" altLang="en-US"/>
-          </a:p>
-        </p:txBody>
-      </p:sp>
-      <p:pic>
-        <p:nvPicPr>
-          <p:cNvPr id="122882" name="Picture 2" descr="A recurrent neural network and the unfolding in time of the computation involved in its forward computation."/>
-          <p:cNvPicPr>
-            <a:picLocks noChangeAspect="1" noChangeArrowheads="1"/>
-          </p:cNvPicPr>
-          <p:nvPr/>
-        </p:nvPicPr>
-        <p:blipFill>
-          <a:blip r:embed="rId2">
-            <a:extLst>
-              <a:ext uri="{28A0092B-C50C-407E-A947-70E740481C1C}">
-                <a14:useLocalDpi xmlns:a14="http://schemas.microsoft.com/office/drawing/2010/main" val="0"/>
-              </a:ext>
-            </a:extLst>
-          </a:blip>
-          <a:srcRect/>
-          <a:stretch>
-            <a:fillRect/>
-          </a:stretch>
-        </p:blipFill>
-        <p:spPr bwMode="auto">
-          <a:xfrm>
-            <a:off x="2853958" y="4149794"/>
-            <a:ext cx="5198414" cy="2085905"/>
-          </a:xfrm>
-          <a:prstGeom prst="rect">
-            <a:avLst/>
-          </a:prstGeom>
-          <a:noFill/>
-          <a:extLst>
-            <a:ext uri="{909E8E84-426E-40DD-AFC4-6F175D3DCCD1}">
-              <a14:hiddenFill xmlns:a14="http://schemas.microsoft.com/office/drawing/2010/main">
-                <a:solidFill>
-                  <a:srgbClr val="FFFFFF"/>
-                </a:solidFill>
-              </a14:hiddenFill>
-            </a:ext>
-          </a:extLst>
-        </p:spPr>
-      </p:pic>
-      <p:pic>
-        <p:nvPicPr>
-          <p:cNvPr id="123909" name="Picture 5" descr="s_t=f(Ux_t + Ws_{t-1})"/>
-          <p:cNvPicPr>
-            <a:picLocks noChangeAspect="1" noChangeArrowheads="1"/>
-          </p:cNvPicPr>
-          <p:nvPr/>
-        </p:nvPicPr>
-        <p:blipFill>
-          <a:blip r:embed="rId3">
-            <a:extLst>
-              <a:ext uri="{28A0092B-C50C-407E-A947-70E740481C1C}">
-                <a14:useLocalDpi xmlns:a14="http://schemas.microsoft.com/office/drawing/2010/main" val="0"/>
-              </a:ext>
-            </a:extLst>
-          </a:blip>
-          <a:srcRect/>
-          <a:stretch>
-            <a:fillRect/>
-          </a:stretch>
-        </p:blipFill>
-        <p:spPr bwMode="auto">
-          <a:xfrm>
-            <a:off x="1034683" y="2050711"/>
-            <a:ext cx="2105025" cy="238125"/>
-          </a:xfrm>
-          <a:prstGeom prst="rect">
-            <a:avLst/>
-          </a:prstGeom>
-          <a:noFill/>
-          <a:extLst>
-            <a:ext uri="{909E8E84-426E-40DD-AFC4-6F175D3DCCD1}">
-              <a14:hiddenFill xmlns:a14="http://schemas.microsoft.com/office/drawing/2010/main">
-                <a:solidFill>
-                  <a:srgbClr val="FFFFFF"/>
-                </a:solidFill>
-              </a14:hiddenFill>
-            </a:ext>
-          </a:extLst>
-        </p:spPr>
-      </p:pic>
-      <p:pic>
-        <p:nvPicPr>
-          <p:cNvPr id="123911" name="Picture 7" descr="o_t = \mathrm{softmax}(Vs_t)"/>
-          <p:cNvPicPr>
-            <a:picLocks noChangeAspect="1" noChangeArrowheads="1"/>
-          </p:cNvPicPr>
-          <p:nvPr/>
-        </p:nvPicPr>
-        <p:blipFill>
-          <a:blip r:embed="rId4">
-            <a:extLst>
-              <a:ext uri="{28A0092B-C50C-407E-A947-70E740481C1C}">
-                <a14:useLocalDpi xmlns:a14="http://schemas.microsoft.com/office/drawing/2010/main" val="0"/>
-              </a:ext>
-            </a:extLst>
-          </a:blip>
-          <a:srcRect/>
-          <a:stretch>
-            <a:fillRect/>
-          </a:stretch>
-        </p:blipFill>
-        <p:spPr bwMode="auto">
-          <a:xfrm>
-            <a:off x="1034683" y="2528379"/>
-            <a:ext cx="1819275" cy="238125"/>
-          </a:xfrm>
-          <a:prstGeom prst="rect">
-            <a:avLst/>
-          </a:prstGeom>
-          <a:noFill/>
-          <a:extLst>
-            <a:ext uri="{909E8E84-426E-40DD-AFC4-6F175D3DCCD1}">
-              <a14:hiddenFill xmlns:a14="http://schemas.microsoft.com/office/drawing/2010/main">
-                <a:solidFill>
-                  <a:srgbClr val="FFFFFF"/>
-                </a:solidFill>
-              </a14:hiddenFill>
-            </a:ext>
-          </a:extLst>
-        </p:spPr>
-      </p:pic>
-    </p:spTree>
-    <p:extLst>
-      <p:ext uri="{BB962C8B-B14F-4D97-AF65-F5344CB8AC3E}">
-        <p14:creationId xmlns:p14="http://schemas.microsoft.com/office/powerpoint/2010/main" val="2560607334"/>
-      </p:ext>
-    </p:extLst>
-  </p:cSld>
-  <p:clrMapOvr>
-    <a:masterClrMapping/>
-  </p:clrMapOvr>
-</p:sld>
-</file>
-
-<file path=ppt/slides/slide40.xml><?xml version="1.0" encoding="utf-8"?>
+<file path=ppt/slides/slide41.xml><?xml version="1.0" encoding="utf-8"?>
 <p:sld xmlns:a="http://schemas.openxmlformats.org/drawingml/2006/main" xmlns:r="http://schemas.openxmlformats.org/officeDocument/2006/relationships" xmlns:p="http://schemas.openxmlformats.org/presentationml/2006/main">
   <p:cSld>
     <p:spTree>
@@ -46153,222 +46530,6 @@
 </p:sld>
 </file>
 
-<file path=ppt/slides/slide41.xml><?xml version="1.0" encoding="utf-8"?>
-<p:sld xmlns:a="http://schemas.openxmlformats.org/drawingml/2006/main" xmlns:r="http://schemas.openxmlformats.org/officeDocument/2006/relationships" xmlns:p="http://schemas.openxmlformats.org/presentationml/2006/main">
-  <p:cSld>
-    <p:spTree>
-      <p:nvGrpSpPr>
-        <p:cNvPr id="1" name=""/>
-        <p:cNvGrpSpPr/>
-        <p:nvPr/>
-      </p:nvGrpSpPr>
-      <p:grpSpPr>
-        <a:xfrm>
-          <a:off x="0" y="0"/>
-          <a:ext cx="0" cy="0"/>
-          <a:chOff x="0" y="0"/>
-          <a:chExt cx="0" cy="0"/>
-        </a:xfrm>
-      </p:grpSpPr>
-      <p:sp>
-        <p:nvSpPr>
-          <p:cNvPr id="2" name="内容占位符 1"/>
-          <p:cNvSpPr>
-            <a:spLocks noGrp="1"/>
-          </p:cNvSpPr>
-          <p:nvPr>
-            <p:ph idx="1"/>
-          </p:nvPr>
-        </p:nvSpPr>
-        <p:spPr/>
-        <p:txBody>
-          <a:bodyPr/>
-          <a:lstStyle/>
-          <a:p>
-            <a:r>
-              <a:rPr lang="en-US" altLang="zh-CN" dirty="0" smtClean="0"/>
-              <a:t>There are 5 possible tags that we are interested</a:t>
-            </a:r>
-            <a:br>
-              <a:rPr lang="en-US" altLang="zh-CN" dirty="0" smtClean="0"/>
-            </a:br>
-            <a:r>
-              <a:rPr lang="en-US" altLang="zh-CN" dirty="0" smtClean="0"/>
-              <a:t>in: </a:t>
-            </a:r>
-          </a:p>
-          <a:p>
-            <a:pPr lvl="1"/>
-            <a:r>
-              <a:rPr lang="en-US" altLang="zh-CN" i="1" dirty="0" smtClean="0"/>
-              <a:t>person</a:t>
-            </a:r>
-            <a:r>
-              <a:rPr lang="en-US" altLang="zh-CN" dirty="0" smtClean="0"/>
-              <a:t>, </a:t>
-            </a:r>
-            <a:r>
-              <a:rPr lang="en-US" altLang="zh-CN" i="1" dirty="0" smtClean="0"/>
-              <a:t>organization</a:t>
-            </a:r>
-            <a:r>
-              <a:rPr lang="en-US" altLang="zh-CN" dirty="0" smtClean="0"/>
-              <a:t>, </a:t>
-            </a:r>
-            <a:r>
-              <a:rPr lang="en-US" altLang="zh-CN" i="1" dirty="0" smtClean="0"/>
-              <a:t>location</a:t>
-            </a:r>
-            <a:r>
-              <a:rPr lang="en-US" altLang="zh-CN" dirty="0" smtClean="0"/>
-              <a:t>, </a:t>
-            </a:r>
-            <a:r>
-              <a:rPr lang="en-US" altLang="zh-CN" i="1" dirty="0" smtClean="0"/>
-              <a:t>miscellaneous </a:t>
-            </a:r>
-            <a:r>
-              <a:rPr lang="en-US" altLang="zh-CN" dirty="0" smtClean="0"/>
-              <a:t>(proper names), and </a:t>
-            </a:r>
-            <a:r>
-              <a:rPr lang="en-US" altLang="zh-CN" i="1" dirty="0" smtClean="0"/>
-              <a:t>none</a:t>
-            </a:r>
-            <a:r>
-              <a:rPr lang="en-US" altLang="zh-CN" dirty="0" smtClean="0"/>
-              <a:t>. </a:t>
-            </a:r>
-          </a:p>
-          <a:p>
-            <a:pPr lvl="1"/>
-            <a:r>
-              <a:rPr lang="en-US" altLang="zh-CN" dirty="0" smtClean="0"/>
-              <a:t>The </a:t>
-            </a:r>
-            <a:r>
-              <a:rPr lang="en-US" altLang="zh-CN" i="1" dirty="0" smtClean="0"/>
-              <a:t>none  </a:t>
-            </a:r>
-            <a:r>
-              <a:rPr lang="en-US" altLang="zh-CN" dirty="0" smtClean="0"/>
-              <a:t>tag indicates that the corresponding word is not a part of any</a:t>
-            </a:r>
-            <a:br>
-              <a:rPr lang="en-US" altLang="zh-CN" dirty="0" smtClean="0"/>
-            </a:br>
-            <a:r>
-              <a:rPr lang="en-US" altLang="zh-CN" dirty="0" smtClean="0"/>
-              <a:t>named entity. </a:t>
-            </a:r>
-          </a:p>
-          <a:p>
-            <a:pPr lvl="1"/>
-            <a:r>
-              <a:rPr lang="en-US" altLang="zh-CN" dirty="0" smtClean="0"/>
-              <a:t>For instance, it may be a verb or an adjective.</a:t>
-            </a:r>
-          </a:p>
-          <a:p>
-            <a:pPr lvl="1"/>
-            <a:endParaRPr lang="en-US" altLang="zh-CN" dirty="0" smtClean="0"/>
-          </a:p>
-          <a:p>
-            <a:pPr lvl="1"/>
-            <a:endParaRPr lang="en-US" altLang="zh-CN" dirty="0" smtClean="0"/>
-          </a:p>
-          <a:p>
-            <a:r>
-              <a:rPr lang="en-US" altLang="zh-CN" dirty="0" smtClean="0"/>
-              <a:t>Three types of features</a:t>
-            </a:r>
-          </a:p>
-          <a:p>
-            <a:pPr lvl="1"/>
-            <a:r>
-              <a:rPr lang="en-US" altLang="zh-CN" dirty="0" smtClean="0"/>
-              <a:t>the identity of words (W) in a window of size 5 and their combinations. </a:t>
-            </a:r>
-          </a:p>
-          <a:p>
-            <a:pPr lvl="1">
-              <a:buNone/>
-            </a:pPr>
-            <a:r>
-              <a:rPr lang="en-US" altLang="zh-CN" dirty="0" smtClean="0"/>
-              <a:t/>
-            </a:r>
-            <a:br>
-              <a:rPr lang="en-US" altLang="zh-CN" dirty="0" smtClean="0"/>
-            </a:br>
-            <a:r>
-              <a:rPr lang="en-US" altLang="zh-CN" dirty="0" smtClean="0"/>
-              <a:t> </a:t>
-            </a:r>
-            <a:br>
-              <a:rPr lang="en-US" altLang="zh-CN" dirty="0" smtClean="0"/>
-            </a:br>
-            <a:r>
-              <a:rPr lang="en-US" altLang="zh-CN" dirty="0" smtClean="0"/>
-              <a:t> </a:t>
-            </a:r>
-            <a:br>
-              <a:rPr lang="en-US" altLang="zh-CN" dirty="0" smtClean="0"/>
-            </a:br>
-            <a:r>
-              <a:rPr lang="en-US" altLang="zh-CN" dirty="0" smtClean="0"/>
-              <a:t> </a:t>
-            </a:r>
-            <a:br>
-              <a:rPr lang="en-US" altLang="zh-CN" dirty="0" smtClean="0"/>
-            </a:br>
-            <a:endParaRPr lang="zh-CN" altLang="en-US" dirty="0"/>
-          </a:p>
-        </p:txBody>
-      </p:sp>
-      <p:sp>
-        <p:nvSpPr>
-          <p:cNvPr id="3" name="标题 2"/>
-          <p:cNvSpPr>
-            <a:spLocks noGrp="1"/>
-          </p:cNvSpPr>
-          <p:nvPr>
-            <p:ph type="title"/>
-          </p:nvPr>
-        </p:nvSpPr>
-        <p:spPr>
-          <a:xfrm>
-            <a:off x="359231" y="250470"/>
-            <a:ext cx="5388427" cy="584775"/>
-          </a:xfrm>
-        </p:spPr>
-        <p:txBody>
-          <a:bodyPr/>
-          <a:lstStyle/>
-          <a:p>
-            <a:r>
-              <a:rPr lang="en-US" altLang="zh-CN" b="1" dirty="0" smtClean="0"/>
-              <a:t>Features for CRFs</a:t>
-            </a:r>
-            <a:endParaRPr lang="zh-CN" altLang="en-US" dirty="0"/>
-          </a:p>
-        </p:txBody>
-      </p:sp>
-    </p:spTree>
-  </p:cSld>
-  <p:clrMapOvr>
-    <a:masterClrMapping/>
-  </p:clrMapOvr>
-  <p:timing>
-    <p:tnLst>
-      <p:par>
-        <p:cTn id="1" dur="indefinite" restart="never" nodeType="tmRoot"/>
-      </p:par>
-    </p:tnLst>
-  </p:timing>
-</p:sld>
-</file>
-
 <file path=ppt/slides/slide42.xml><?xml version="1.0" encoding="utf-8"?>
 <p:sld xmlns:a="http://schemas.openxmlformats.org/drawingml/2006/main" xmlns:r="http://schemas.openxmlformats.org/officeDocument/2006/relationships" xmlns:p="http://schemas.openxmlformats.org/presentationml/2006/main">
   <p:cSld>
@@ -46401,65 +46562,118 @@
           <a:bodyPr/>
           <a:lstStyle/>
           <a:p>
-            <a:pPr lvl="1"/>
             <a:r>
               <a:rPr lang="en-US" altLang="zh-CN" dirty="0" smtClean="0"/>
-              <a:t>Orthographic features (O) in a window of size 5 :</a:t>
+              <a:t>There are 5 possible tags that we are interested</a:t>
+            </a:r>
+            <a:br>
+              <a:rPr lang="en-US" altLang="zh-CN" dirty="0" smtClean="0"/>
+            </a:br>
+            <a:r>
+              <a:rPr lang="en-US" altLang="zh-CN" dirty="0" smtClean="0"/>
+              <a:t>in: </a:t>
             </a:r>
           </a:p>
           <a:p>
-            <a:pPr lvl="2"/>
+            <a:pPr lvl="1"/>
+            <a:r>
+              <a:rPr lang="en-US" altLang="zh-CN" i="1" dirty="0" smtClean="0"/>
+              <a:t>person</a:t>
+            </a:r>
             <a:r>
               <a:rPr lang="en-US" altLang="zh-CN" dirty="0" smtClean="0"/>
-              <a:t>whether a word is in lower case,</a:t>
+              <a:t>, </a:t>
+            </a:r>
+            <a:r>
+              <a:rPr lang="en-US" altLang="zh-CN" i="1" dirty="0" smtClean="0"/>
+              <a:t>organization</a:t>
+            </a:r>
+            <a:r>
+              <a:rPr lang="en-US" altLang="zh-CN" dirty="0" smtClean="0"/>
+              <a:t>, </a:t>
+            </a:r>
+            <a:r>
+              <a:rPr lang="en-US" altLang="zh-CN" i="1" dirty="0" smtClean="0"/>
+              <a:t>location</a:t>
+            </a:r>
+            <a:r>
+              <a:rPr lang="en-US" altLang="zh-CN" dirty="0" smtClean="0"/>
+              <a:t>, </a:t>
+            </a:r>
+            <a:r>
+              <a:rPr lang="en-US" altLang="zh-CN" i="1" dirty="0" smtClean="0"/>
+              <a:t>miscellaneous </a:t>
+            </a:r>
+            <a:r>
+              <a:rPr lang="en-US" altLang="zh-CN" dirty="0" smtClean="0"/>
+              <a:t>(proper names), and </a:t>
+            </a:r>
+            <a:r>
+              <a:rPr lang="en-US" altLang="zh-CN" i="1" dirty="0" smtClean="0"/>
+              <a:t>none</a:t>
+            </a:r>
+            <a:r>
+              <a:rPr lang="en-US" altLang="zh-CN" dirty="0" smtClean="0"/>
+              <a:t>. </a:t>
             </a:r>
           </a:p>
           <a:p>
-            <a:pPr lvl="2"/>
+            <a:pPr lvl="1"/>
             <a:r>
               <a:rPr lang="en-US" altLang="zh-CN" dirty="0" smtClean="0"/>
-              <a:t>whether it has the first letter capitalized</a:t>
+              <a:t>The </a:t>
+            </a:r>
+            <a:r>
+              <a:rPr lang="en-US" altLang="zh-CN" i="1" dirty="0" smtClean="0"/>
+              <a:t>none  </a:t>
+            </a:r>
+            <a:r>
+              <a:rPr lang="en-US" altLang="zh-CN" dirty="0" smtClean="0"/>
+              <a:t>tag indicates that the corresponding word is not a part of any</a:t>
+            </a:r>
+            <a:br>
+              <a:rPr lang="en-US" altLang="zh-CN" dirty="0" smtClean="0"/>
+            </a:br>
+            <a:r>
+              <a:rPr lang="en-US" altLang="zh-CN" dirty="0" smtClean="0"/>
+              <a:t>named entity. </a:t>
             </a:r>
           </a:p>
           <a:p>
-            <a:pPr lvl="2"/>
+            <a:pPr lvl="1"/>
             <a:r>
               <a:rPr lang="en-US" altLang="zh-CN" dirty="0" smtClean="0"/>
-              <a:t>whether all of its letters are capitalized</a:t>
+              <a:t>For instance, it may be a verb or an adjective.</a:t>
             </a:r>
           </a:p>
           <a:p>
-            <a:pPr lvl="2"/>
-            <a:r>
-              <a:rPr lang="en-US" altLang="zh-CN" dirty="0" smtClean="0"/>
-              <a:t>whether it contains numeric letters or not</a:t>
-            </a:r>
-          </a:p>
-          <a:p>
-            <a:pPr lvl="2"/>
+            <a:pPr lvl="1"/>
             <a:endParaRPr lang="en-US" altLang="zh-CN" dirty="0" smtClean="0"/>
           </a:p>
           <a:p>
             <a:pPr lvl="1"/>
-            <a:r>
-              <a:rPr lang="en-US" altLang="zh-CN" dirty="0" smtClean="0"/>
-              <a:t>The part-of-speech (P) of the word and the combination of W and P to better describe the context of the sentence.</a:t>
-            </a:r>
+            <a:endParaRPr lang="en-US" altLang="zh-CN" dirty="0" smtClean="0"/>
           </a:p>
           <a:p>
-            <a:pPr>
+            <a:r>
+              <a:rPr lang="en-US" altLang="zh-CN" dirty="0" smtClean="0"/>
+              <a:t>Three types of features</a:t>
+            </a:r>
+          </a:p>
+          <a:p>
+            <a:pPr lvl="1"/>
+            <a:r>
+              <a:rPr lang="en-US" altLang="zh-CN" dirty="0" smtClean="0"/>
+              <a:t>the identity of words (W) in a window of size 5 and their combinations. </a:t>
+            </a:r>
+          </a:p>
+          <a:p>
+            <a:pPr lvl="1">
               <a:buNone/>
             </a:pPr>
             <a:r>
               <a:rPr lang="en-US" altLang="zh-CN" dirty="0" smtClean="0"/>
               <a:t/>
-            </a:r>
-            <a:br>
-              <a:rPr lang="en-US" altLang="zh-CN" dirty="0" smtClean="0"/>
-            </a:br>
-            <a:r>
-              <a:rPr lang="en-US" altLang="zh-CN" dirty="0" smtClean="0"/>
-              <a:t> </a:t>
             </a:r>
             <a:br>
               <a:rPr lang="en-US" altLang="zh-CN" dirty="0" smtClean="0"/>
@@ -46533,6 +46747,169 @@
 </file>
 
 <file path=ppt/slides/slide43.xml><?xml version="1.0" encoding="utf-8"?>
+<p:sld xmlns:a="http://schemas.openxmlformats.org/drawingml/2006/main" xmlns:r="http://schemas.openxmlformats.org/officeDocument/2006/relationships" xmlns:p="http://schemas.openxmlformats.org/presentationml/2006/main">
+  <p:cSld>
+    <p:spTree>
+      <p:nvGrpSpPr>
+        <p:cNvPr id="1" name=""/>
+        <p:cNvGrpSpPr/>
+        <p:nvPr/>
+      </p:nvGrpSpPr>
+      <p:grpSpPr>
+        <a:xfrm>
+          <a:off x="0" y="0"/>
+          <a:ext cx="0" cy="0"/>
+          <a:chOff x="0" y="0"/>
+          <a:chExt cx="0" cy="0"/>
+        </a:xfrm>
+      </p:grpSpPr>
+      <p:sp>
+        <p:nvSpPr>
+          <p:cNvPr id="2" name="内容占位符 1"/>
+          <p:cNvSpPr>
+            <a:spLocks noGrp="1"/>
+          </p:cNvSpPr>
+          <p:nvPr>
+            <p:ph idx="1"/>
+          </p:nvPr>
+        </p:nvSpPr>
+        <p:spPr/>
+        <p:txBody>
+          <a:bodyPr/>
+          <a:lstStyle/>
+          <a:p>
+            <a:pPr lvl="1"/>
+            <a:r>
+              <a:rPr lang="en-US" altLang="zh-CN" dirty="0" smtClean="0"/>
+              <a:t>Orthographic features (O) in a window of size 5 :</a:t>
+            </a:r>
+          </a:p>
+          <a:p>
+            <a:pPr lvl="2"/>
+            <a:r>
+              <a:rPr lang="en-US" altLang="zh-CN" dirty="0" smtClean="0"/>
+              <a:t>whether a word is in lower case,</a:t>
+            </a:r>
+          </a:p>
+          <a:p>
+            <a:pPr lvl="2"/>
+            <a:r>
+              <a:rPr lang="en-US" altLang="zh-CN" dirty="0" smtClean="0"/>
+              <a:t>whether it has the first letter capitalized</a:t>
+            </a:r>
+          </a:p>
+          <a:p>
+            <a:pPr lvl="2"/>
+            <a:r>
+              <a:rPr lang="en-US" altLang="zh-CN" dirty="0" smtClean="0"/>
+              <a:t>whether all of its letters are capitalized</a:t>
+            </a:r>
+          </a:p>
+          <a:p>
+            <a:pPr lvl="2"/>
+            <a:r>
+              <a:rPr lang="en-US" altLang="zh-CN" dirty="0" smtClean="0"/>
+              <a:t>whether it contains numeric letters or not</a:t>
+            </a:r>
+          </a:p>
+          <a:p>
+            <a:pPr lvl="2"/>
+            <a:endParaRPr lang="en-US" altLang="zh-CN" dirty="0" smtClean="0"/>
+          </a:p>
+          <a:p>
+            <a:pPr lvl="1"/>
+            <a:r>
+              <a:rPr lang="en-US" altLang="zh-CN" dirty="0" smtClean="0"/>
+              <a:t>The part-of-speech (P) of the word and the combination of W and P to better describe the context of the sentence.</a:t>
+            </a:r>
+          </a:p>
+          <a:p>
+            <a:pPr>
+              <a:buNone/>
+            </a:pPr>
+            <a:r>
+              <a:rPr lang="en-US" altLang="zh-CN" dirty="0" smtClean="0"/>
+              <a:t/>
+            </a:r>
+            <a:br>
+              <a:rPr lang="en-US" altLang="zh-CN" dirty="0" smtClean="0"/>
+            </a:br>
+            <a:r>
+              <a:rPr lang="en-US" altLang="zh-CN" dirty="0" smtClean="0"/>
+              <a:t> </a:t>
+            </a:r>
+            <a:br>
+              <a:rPr lang="en-US" altLang="zh-CN" dirty="0" smtClean="0"/>
+            </a:br>
+            <a:r>
+              <a:rPr lang="en-US" altLang="zh-CN" dirty="0" smtClean="0"/>
+              <a:t> </a:t>
+            </a:r>
+            <a:br>
+              <a:rPr lang="en-US" altLang="zh-CN" dirty="0" smtClean="0"/>
+            </a:br>
+            <a:r>
+              <a:rPr lang="en-US" altLang="zh-CN" dirty="0" smtClean="0"/>
+              <a:t> </a:t>
+            </a:r>
+            <a:br>
+              <a:rPr lang="en-US" altLang="zh-CN" dirty="0" smtClean="0"/>
+            </a:br>
+            <a:r>
+              <a:rPr lang="en-US" altLang="zh-CN" dirty="0" smtClean="0"/>
+              <a:t> </a:t>
+            </a:r>
+            <a:br>
+              <a:rPr lang="en-US" altLang="zh-CN" dirty="0" smtClean="0"/>
+            </a:br>
+            <a:endParaRPr lang="zh-CN" altLang="en-US" dirty="0"/>
+          </a:p>
+        </p:txBody>
+      </p:sp>
+      <p:sp>
+        <p:nvSpPr>
+          <p:cNvPr id="3" name="标题 2"/>
+          <p:cNvSpPr>
+            <a:spLocks noGrp="1"/>
+          </p:cNvSpPr>
+          <p:nvPr>
+            <p:ph type="title"/>
+          </p:nvPr>
+        </p:nvSpPr>
+        <p:spPr>
+          <a:xfrm>
+            <a:off x="359231" y="250470"/>
+            <a:ext cx="5388427" cy="584775"/>
+          </a:xfrm>
+        </p:spPr>
+        <p:txBody>
+          <a:bodyPr/>
+          <a:lstStyle/>
+          <a:p>
+            <a:r>
+              <a:rPr lang="en-US" altLang="zh-CN" b="1" dirty="0" smtClean="0"/>
+              <a:t>Features for CRFs</a:t>
+            </a:r>
+            <a:endParaRPr lang="zh-CN" altLang="en-US" dirty="0"/>
+          </a:p>
+        </p:txBody>
+      </p:sp>
+    </p:spTree>
+  </p:cSld>
+  <p:clrMapOvr>
+    <a:masterClrMapping/>
+  </p:clrMapOvr>
+  <p:timing>
+    <p:tnLst>
+      <p:par>
+        <p:cTn id="1" dur="indefinite" restart="never" nodeType="tmRoot"/>
+      </p:par>
+    </p:tnLst>
+  </p:timing>
+</p:sld>
+</file>
+
+<file path=ppt/slides/slide44.xml><?xml version="1.0" encoding="utf-8"?>
 <p:sld xmlns:a="http://schemas.openxmlformats.org/drawingml/2006/main" xmlns:r="http://schemas.openxmlformats.org/officeDocument/2006/relationships" xmlns:p="http://schemas.openxmlformats.org/presentationml/2006/main">
   <p:cSld>
     <p:spTree>
@@ -47681,7 +48058,7 @@
 </p:sld>
 </file>
 
-<file path=ppt/slides/slide44.xml><?xml version="1.0" encoding="utf-8"?>
+<file path=ppt/slides/slide45.xml><?xml version="1.0" encoding="utf-8"?>
 <p:sld xmlns:a="http://schemas.openxmlformats.org/drawingml/2006/main" xmlns:r="http://schemas.openxmlformats.org/officeDocument/2006/relationships" xmlns:p="http://schemas.openxmlformats.org/presentationml/2006/main">
   <p:cSld>
     <p:spTree>
@@ -48861,7 +49238,7 @@
 </p:sld>
 </file>
 
-<file path=ppt/slides/slide45.xml><?xml version="1.0" encoding="utf-8"?>
+<file path=ppt/slides/slide46.xml><?xml version="1.0" encoding="utf-8"?>
 <p:sld xmlns:a="http://schemas.openxmlformats.org/drawingml/2006/main" xmlns:r="http://schemas.openxmlformats.org/officeDocument/2006/relationships" xmlns:p="http://schemas.openxmlformats.org/presentationml/2006/main">
   <p:cSld>
     <p:spTree>
@@ -48988,7 +49365,7 @@
 </p:sld>
 </file>
 
-<file path=ppt/slides/slide46.xml><?xml version="1.0" encoding="utf-8"?>
+<file path=ppt/slides/slide47.xml><?xml version="1.0" encoding="utf-8"?>
 <p:sld xmlns:a="http://schemas.openxmlformats.org/drawingml/2006/main" xmlns:r="http://schemas.openxmlformats.org/officeDocument/2006/relationships" xmlns:p="http://schemas.openxmlformats.org/presentationml/2006/main" show="0">
   <p:cSld>
     <p:spTree>
@@ -49456,7 +49833,7 @@
           <a:graphicData uri="http://schemas.openxmlformats.org/presentationml/2006/ole">
             <mc:AlternateContent xmlns:mc="http://schemas.openxmlformats.org/markup-compatibility/2006">
               <mc:Choice xmlns:v="urn:schemas-microsoft-com:vml" Requires="v">
-                <p:oleObj spid="_x0000_s42017" name="Equation" r:id="rId3" imgW="10972800" imgH="7924800" progId="Equation.DSMT4">
+                <p:oleObj spid="_x0000_s42046" name="Equation" r:id="rId3" imgW="10972800" imgH="7924800" progId="Equation.DSMT4">
                   <p:embed/>
                 </p:oleObj>
               </mc:Choice>
@@ -49519,7 +49896,7 @@
 </p:sld>
 </file>
 
-<file path=ppt/slides/slide47.xml><?xml version="1.0" encoding="utf-8"?>
+<file path=ppt/slides/slide48.xml><?xml version="1.0" encoding="utf-8"?>
 <p:sld xmlns:a="http://schemas.openxmlformats.org/drawingml/2006/main" xmlns:r="http://schemas.openxmlformats.org/officeDocument/2006/relationships" xmlns:p="http://schemas.openxmlformats.org/presentationml/2006/main">
   <p:cSld>
     <p:spTree>
@@ -49611,7 +49988,7 @@
 </p:sld>
 </file>
 
-<file path=ppt/slides/slide48.xml><?xml version="1.0" encoding="utf-8"?>
+<file path=ppt/slides/slide49.xml><?xml version="1.0" encoding="utf-8"?>
 <p:sld xmlns:a="http://schemas.openxmlformats.org/drawingml/2006/main" xmlns:r="http://schemas.openxmlformats.org/officeDocument/2006/relationships" xmlns:p="http://schemas.openxmlformats.org/presentationml/2006/main">
   <p:cSld>
     <p:spTree>
@@ -49815,7 +50192,185 @@
 </p:sld>
 </file>
 
-<file path=ppt/slides/slide49.xml><?xml version="1.0" encoding="utf-8"?>
+<file path=ppt/slides/slide5.xml><?xml version="1.0" encoding="utf-8"?>
+<p:sld xmlns:a="http://schemas.openxmlformats.org/drawingml/2006/main" xmlns:r="http://schemas.openxmlformats.org/officeDocument/2006/relationships" xmlns:p="http://schemas.openxmlformats.org/presentationml/2006/main">
+  <p:cSld>
+    <p:spTree>
+      <p:nvGrpSpPr>
+        <p:cNvPr id="1" name=""/>
+        <p:cNvGrpSpPr/>
+        <p:nvPr/>
+      </p:nvGrpSpPr>
+      <p:grpSpPr>
+        <a:xfrm>
+          <a:off x="0" y="0"/>
+          <a:ext cx="0" cy="0"/>
+          <a:chOff x="0" y="0"/>
+          <a:chExt cx="0" cy="0"/>
+        </a:xfrm>
+      </p:grpSpPr>
+      <p:sp>
+        <p:nvSpPr>
+          <p:cNvPr id="2" name="内容占位符 1"/>
+          <p:cNvSpPr>
+            <a:spLocks noGrp="1"/>
+          </p:cNvSpPr>
+          <p:nvPr>
+            <p:ph idx="1"/>
+          </p:nvPr>
+        </p:nvSpPr>
+        <p:spPr/>
+        <p:txBody>
+          <a:bodyPr/>
+          <a:lstStyle/>
+          <a:p>
+            <a:r>
+              <a:rPr lang="en-US" altLang="zh-CN" b="0" dirty="0" smtClean="0"/>
+              <a:t>vocabulary =</a:t>
+            </a:r>
+            <a:r>
+              <a:rPr lang="zh-CN" altLang="en-US" b="0" dirty="0" smtClean="0"/>
+              <a:t>｛</a:t>
+            </a:r>
+            <a:r>
+              <a:rPr lang="en-US" altLang="zh-CN" b="0" dirty="0" smtClean="0"/>
+              <a:t>h</a:t>
+            </a:r>
+            <a:r>
+              <a:rPr lang="zh-CN" altLang="en-US" b="0" dirty="0" smtClean="0"/>
+              <a:t>，</a:t>
+            </a:r>
+            <a:r>
+              <a:rPr lang="en-US" altLang="zh-CN" b="0" dirty="0" smtClean="0"/>
+              <a:t>e</a:t>
+            </a:r>
+            <a:r>
+              <a:rPr lang="zh-CN" altLang="en-US" b="0" dirty="0" smtClean="0"/>
+              <a:t>，</a:t>
+            </a:r>
+            <a:r>
+              <a:rPr lang="en-US" altLang="zh-CN" b="0" dirty="0" smtClean="0"/>
+              <a:t>l</a:t>
+            </a:r>
+            <a:r>
+              <a:rPr lang="zh-CN" altLang="en-US" b="0" dirty="0" smtClean="0"/>
+              <a:t>，</a:t>
+            </a:r>
+            <a:r>
+              <a:rPr lang="en-US" altLang="zh-CN" b="0" dirty="0" smtClean="0"/>
+              <a:t>o</a:t>
+            </a:r>
+            <a:r>
+              <a:rPr lang="zh-CN" altLang="en-US" b="0" dirty="0" smtClean="0"/>
+              <a:t>｝</a:t>
+            </a:r>
+            <a:endParaRPr lang="en-US" altLang="zh-CN" b="0" dirty="0" smtClean="0"/>
+          </a:p>
+          <a:p>
+            <a:r>
+              <a:rPr lang="en-US" altLang="zh-CN" b="0" dirty="0" smtClean="0"/>
+              <a:t>the </a:t>
+            </a:r>
+            <a:r>
+              <a:rPr lang="en-US" altLang="zh-CN" b="0" dirty="0"/>
+              <a:t>training sequence “hello</a:t>
+            </a:r>
+            <a:r>
+              <a:rPr lang="en-US" altLang="zh-CN" b="0" dirty="0" smtClean="0"/>
+              <a:t>”</a:t>
+            </a:r>
+          </a:p>
+          <a:p>
+            <a:r>
+              <a:rPr lang="en-US" altLang="zh-CN" b="0" dirty="0" smtClean="0"/>
+              <a:t>1-of-k encoding</a:t>
+            </a:r>
+            <a:endParaRPr lang="zh-CN" altLang="en-US" dirty="0"/>
+          </a:p>
+        </p:txBody>
+      </p:sp>
+      <p:sp>
+        <p:nvSpPr>
+          <p:cNvPr id="3" name="标题 2"/>
+          <p:cNvSpPr>
+            <a:spLocks noGrp="1"/>
+          </p:cNvSpPr>
+          <p:nvPr>
+            <p:ph type="title"/>
+          </p:nvPr>
+        </p:nvSpPr>
+        <p:spPr/>
+        <p:txBody>
+          <a:bodyPr/>
+          <a:lstStyle/>
+          <a:p>
+            <a:r>
+              <a:rPr lang="en-US" altLang="zh-CN" dirty="0" smtClean="0"/>
+              <a:t>Applications</a:t>
+            </a:r>
+            <a:r>
+              <a:rPr lang="en-US" altLang="zh-CN" dirty="0"/>
+              <a:t> </a:t>
+            </a:r>
+            <a:endParaRPr lang="zh-CN" altLang="en-US" dirty="0"/>
+          </a:p>
+        </p:txBody>
+      </p:sp>
+      <p:pic>
+        <p:nvPicPr>
+          <p:cNvPr id="124930" name="Picture 2" descr="http://karpathy.github.io/assets/rnn/charseq.jpeg"/>
+          <p:cNvPicPr>
+            <a:picLocks noChangeAspect="1" noChangeArrowheads="1"/>
+          </p:cNvPicPr>
+          <p:nvPr/>
+        </p:nvPicPr>
+        <p:blipFill>
+          <a:blip r:embed="rId2">
+            <a:extLst>
+              <a:ext uri="{28A0092B-C50C-407E-A947-70E740481C1C}">
+                <a14:useLocalDpi xmlns:a14="http://schemas.microsoft.com/office/drawing/2010/main" val="0"/>
+              </a:ext>
+            </a:extLst>
+          </a:blip>
+          <a:srcRect/>
+          <a:stretch>
+            <a:fillRect/>
+          </a:stretch>
+        </p:blipFill>
+        <p:spPr bwMode="auto">
+          <a:xfrm>
+            <a:off x="3899140" y="2224200"/>
+            <a:ext cx="4990860" cy="4011500"/>
+          </a:xfrm>
+          <a:prstGeom prst="rect">
+            <a:avLst/>
+          </a:prstGeom>
+          <a:noFill/>
+          <a:extLst>
+            <a:ext uri="{909E8E84-426E-40DD-AFC4-6F175D3DCCD1}">
+              <a14:hiddenFill xmlns:a14="http://schemas.microsoft.com/office/drawing/2010/main">
+                <a:solidFill>
+                  <a:srgbClr val="FFFFFF"/>
+                </a:solidFill>
+              </a14:hiddenFill>
+            </a:ext>
+          </a:extLst>
+        </p:spPr>
+      </p:pic>
+    </p:spTree>
+    <p:extLst>
+      <p:ext uri="{BB962C8B-B14F-4D97-AF65-F5344CB8AC3E}">
+        <p14:creationId xmlns:p14="http://schemas.microsoft.com/office/powerpoint/2010/main" val="215313915"/>
+      </p:ext>
+    </p:extLst>
+  </p:cSld>
+  <p:clrMapOvr>
+    <a:masterClrMapping/>
+  </p:clrMapOvr>
+</p:sld>
+</file>
+
+<file path=ppt/slides/slide50.xml><?xml version="1.0" encoding="utf-8"?>
 <p:sld xmlns:a="http://schemas.openxmlformats.org/drawingml/2006/main" xmlns:r="http://schemas.openxmlformats.org/officeDocument/2006/relationships" xmlns:p="http://schemas.openxmlformats.org/presentationml/2006/main">
   <p:cSld>
     <p:spTree>
@@ -50653,87 +51208,7 @@
 </p:sld>
 </file>
 
-<file path=ppt/slides/slide5.xml><?xml version="1.0" encoding="utf-8"?>
-<p:sld xmlns:a="http://schemas.openxmlformats.org/drawingml/2006/main" xmlns:r="http://schemas.openxmlformats.org/officeDocument/2006/relationships" xmlns:p="http://schemas.openxmlformats.org/presentationml/2006/main">
-  <p:cSld>
-    <p:spTree>
-      <p:nvGrpSpPr>
-        <p:cNvPr id="1" name=""/>
-        <p:cNvGrpSpPr/>
-        <p:nvPr/>
-      </p:nvGrpSpPr>
-      <p:grpSpPr>
-        <a:xfrm>
-          <a:off x="0" y="0"/>
-          <a:ext cx="0" cy="0"/>
-          <a:chOff x="0" y="0"/>
-          <a:chExt cx="0" cy="0"/>
-        </a:xfrm>
-      </p:grpSpPr>
-      <p:sp>
-        <p:nvSpPr>
-          <p:cNvPr id="2" name="内容占位符 1"/>
-          <p:cNvSpPr>
-            <a:spLocks noGrp="1"/>
-          </p:cNvSpPr>
-          <p:nvPr>
-            <p:ph idx="1"/>
-          </p:nvPr>
-        </p:nvSpPr>
-        <p:spPr/>
-        <p:txBody>
-          <a:bodyPr/>
-          <a:lstStyle/>
-          <a:p>
-            <a:r>
-              <a:rPr lang="en-US" altLang="zh-CN" dirty="0" smtClean="0"/>
-              <a:t>Language Modeling and </a:t>
-            </a:r>
-            <a:r>
-              <a:rPr lang="en-US" altLang="zh-CN" smtClean="0"/>
-              <a:t>Generating Text</a:t>
-            </a:r>
-            <a:endParaRPr lang="zh-CN" altLang="en-US" dirty="0"/>
-          </a:p>
-        </p:txBody>
-      </p:sp>
-      <p:sp>
-        <p:nvSpPr>
-          <p:cNvPr id="3" name="标题 2"/>
-          <p:cNvSpPr>
-            <a:spLocks noGrp="1"/>
-          </p:cNvSpPr>
-          <p:nvPr>
-            <p:ph type="title"/>
-          </p:nvPr>
-        </p:nvSpPr>
-        <p:spPr/>
-        <p:txBody>
-          <a:bodyPr/>
-          <a:lstStyle/>
-          <a:p>
-            <a:r>
-              <a:rPr lang="en-US" altLang="zh-CN" dirty="0" smtClean="0"/>
-              <a:t>Applications</a:t>
-            </a:r>
-            <a:endParaRPr lang="zh-CN" altLang="en-US" dirty="0"/>
-          </a:p>
-        </p:txBody>
-      </p:sp>
-    </p:spTree>
-    <p:extLst>
-      <p:ext uri="{BB962C8B-B14F-4D97-AF65-F5344CB8AC3E}">
-        <p14:creationId xmlns:p14="http://schemas.microsoft.com/office/powerpoint/2010/main" val="3486315592"/>
-      </p:ext>
-    </p:extLst>
-  </p:cSld>
-  <p:clrMapOvr>
-    <a:masterClrMapping/>
-  </p:clrMapOvr>
-</p:sld>
-</file>
-
-<file path=ppt/slides/slide50.xml><?xml version="1.0" encoding="utf-8"?>
+<file path=ppt/slides/slide51.xml><?xml version="1.0" encoding="utf-8"?>
 <p:sld xmlns:a="http://schemas.openxmlformats.org/drawingml/2006/main" xmlns:r="http://schemas.openxmlformats.org/officeDocument/2006/relationships" xmlns:p="http://schemas.openxmlformats.org/presentationml/2006/main">
   <p:cSld>
     <p:spTree>
@@ -51042,7 +51517,7 @@
 </p:sld>
 </file>
 
-<file path=ppt/slides/slide51.xml><?xml version="1.0" encoding="utf-8"?>
+<file path=ppt/slides/slide52.xml><?xml version="1.0" encoding="utf-8"?>
 <p:sld xmlns:a="http://schemas.openxmlformats.org/drawingml/2006/main" xmlns:r="http://schemas.openxmlformats.org/officeDocument/2006/relationships" xmlns:p="http://schemas.openxmlformats.org/presentationml/2006/main">
   <p:cSld>
     <p:spTree>
@@ -51154,7 +51629,7 @@
 </p:sld>
 </file>
 
-<file path=ppt/slides/slide52.xml><?xml version="1.0" encoding="utf-8"?>
+<file path=ppt/slides/slide53.xml><?xml version="1.0" encoding="utf-8"?>
 <p:sld xmlns:a="http://schemas.openxmlformats.org/drawingml/2006/main" xmlns:r="http://schemas.openxmlformats.org/officeDocument/2006/relationships" xmlns:p="http://schemas.openxmlformats.org/presentationml/2006/main">
   <p:cSld>
     <p:spTree>
@@ -51238,67 +51713,60 @@
           <a:lstStyle/>
           <a:p>
             <a:r>
-              <a:rPr lang="en-US" altLang="zh-CN" b="0" dirty="0" smtClean="0"/>
-              <a:t>vocabulary =</a:t>
-            </a:r>
-            <a:r>
-              <a:rPr lang="zh-CN" altLang="en-US" b="0" dirty="0" smtClean="0"/>
-              <a:t>｛</a:t>
-            </a:r>
-            <a:r>
-              <a:rPr lang="en-US" altLang="zh-CN" b="0" dirty="0" smtClean="0"/>
-              <a:t>h</a:t>
-            </a:r>
-            <a:r>
-              <a:rPr lang="zh-CN" altLang="en-US" b="0" dirty="0" smtClean="0"/>
-              <a:t>，</a:t>
-            </a:r>
-            <a:r>
-              <a:rPr lang="en-US" altLang="zh-CN" b="0" dirty="0" smtClean="0"/>
-              <a:t>e</a:t>
-            </a:r>
-            <a:r>
-              <a:rPr lang="zh-CN" altLang="en-US" b="0" dirty="0" smtClean="0"/>
-              <a:t>，</a:t>
-            </a:r>
-            <a:r>
-              <a:rPr lang="en-US" altLang="zh-CN" b="0" dirty="0" smtClean="0"/>
-              <a:t>l</a:t>
-            </a:r>
-            <a:r>
-              <a:rPr lang="zh-CN" altLang="en-US" b="0" dirty="0" smtClean="0"/>
-              <a:t>，</a:t>
-            </a:r>
-            <a:r>
-              <a:rPr lang="en-US" altLang="zh-CN" b="0" dirty="0" smtClean="0"/>
-              <a:t>o</a:t>
-            </a:r>
-            <a:r>
-              <a:rPr lang="zh-CN" altLang="en-US" b="0" dirty="0" smtClean="0"/>
-              <a:t>｝</a:t>
-            </a:r>
-            <a:endParaRPr lang="en-US" altLang="zh-CN" b="0" dirty="0" smtClean="0"/>
+              <a:rPr lang="en-US" altLang="zh-CN" dirty="0" smtClean="0"/>
+              <a:t>Language Modeling and Generating </a:t>
+            </a:r>
+            <a:r>
+              <a:rPr lang="en-US" altLang="zh-CN" dirty="0" smtClean="0"/>
+              <a:t>Text</a:t>
+            </a:r>
           </a:p>
           <a:p>
-            <a:r>
-              <a:rPr lang="en-US" altLang="zh-CN" b="0" dirty="0" smtClean="0"/>
-              <a:t>the </a:t>
-            </a:r>
-            <a:r>
-              <a:rPr lang="en-US" altLang="zh-CN" b="0" dirty="0"/>
-              <a:t>training sequence “hello</a:t>
-            </a:r>
-            <a:r>
-              <a:rPr lang="en-US" altLang="zh-CN" b="0" dirty="0" smtClean="0"/>
-              <a:t>”</a:t>
-            </a:r>
+            <a:pPr lvl="1"/>
+            <a:r>
+              <a:rPr lang="en-US" altLang="zh-CN" dirty="0" smtClean="0"/>
+              <a:t>Example: Given </a:t>
+            </a:r>
+            <a:r>
+              <a:rPr lang="en-US" altLang="zh-CN" dirty="0"/>
+              <a:t>a sequence of words we want to predict the probability of each word given the previous words. </a:t>
+            </a:r>
+            <a:endParaRPr lang="en-US" altLang="zh-CN" dirty="0"/>
           </a:p>
           <a:p>
             <a:r>
-              <a:rPr lang="en-US" altLang="zh-CN" b="0" dirty="0" smtClean="0"/>
-              <a:t>1-of-k encoding</a:t>
-            </a:r>
-            <a:endParaRPr lang="zh-CN" altLang="en-US" dirty="0"/>
+              <a:rPr lang="en-US" altLang="zh-CN" dirty="0" smtClean="0"/>
+              <a:t>Machine Translation</a:t>
+            </a:r>
+            <a:endParaRPr lang="en-US" altLang="zh-CN" dirty="0"/>
+          </a:p>
+          <a:p>
+            <a:pPr lvl="1"/>
+            <a:r>
+              <a:rPr lang="en-US" altLang="zh-CN" dirty="0"/>
+              <a:t>Example </a:t>
+            </a:r>
+            <a:r>
+              <a:rPr lang="en-US" altLang="zh-CN" dirty="0" smtClean="0"/>
+              <a:t>: German </a:t>
+            </a:r>
+            <a:r>
+              <a:rPr lang="en-US" altLang="zh-CN" dirty="0" smtClean="0"/>
+              <a:t>-&gt;  English</a:t>
+            </a:r>
+            <a:endParaRPr lang="en-US" altLang="zh-CN" dirty="0"/>
+          </a:p>
+          <a:p>
+            <a:r>
+              <a:rPr lang="en-US" altLang="zh-CN" dirty="0" smtClean="0"/>
+              <a:t>Speech Recognition</a:t>
+            </a:r>
+          </a:p>
+          <a:p>
+            <a:endParaRPr lang="en-US" altLang="zh-CN" dirty="0"/>
+          </a:p>
+          <a:p>
+            <a:endParaRPr lang="en-US" altLang="zh-CN" dirty="0" smtClean="0"/>
           </a:p>
         </p:txBody>
       </p:sp>
@@ -51321,17 +51789,13 @@
               <a:rPr lang="en-US" altLang="zh-CN" dirty="0" smtClean="0"/>
               <a:t>Applications</a:t>
             </a:r>
-            <a:r>
-              <a:rPr lang="en-US" altLang="zh-CN" dirty="0"/>
-              <a:t> </a:t>
-            </a:r>
             <a:endParaRPr lang="zh-CN" altLang="en-US" dirty="0"/>
           </a:p>
         </p:txBody>
       </p:sp>
       <p:pic>
         <p:nvPicPr>
-          <p:cNvPr id="124930" name="Picture 2" descr="http://karpathy.github.io/assets/rnn/charseq.jpeg"/>
+          <p:cNvPr id="122882" name="Picture 2" descr="RNN for Machine Translation"/>
           <p:cNvPicPr>
             <a:picLocks noChangeAspect="1" noChangeArrowheads="1"/>
           </p:cNvPicPr>
@@ -51352,8 +51816,8 @@
         </p:blipFill>
         <p:spPr bwMode="auto">
           <a:xfrm>
-            <a:off x="3899140" y="2224200"/>
-            <a:ext cx="4990860" cy="4011500"/>
+            <a:off x="3696240" y="3359475"/>
+            <a:ext cx="5287710" cy="2876225"/>
           </a:xfrm>
           <a:prstGeom prst="rect">
             <a:avLst/>
@@ -51373,7 +51837,7 @@
     </p:spTree>
     <p:extLst>
       <p:ext uri="{BB962C8B-B14F-4D97-AF65-F5344CB8AC3E}">
-        <p14:creationId xmlns:p14="http://schemas.microsoft.com/office/powerpoint/2010/main" val="215313915"/>
+        <p14:creationId xmlns:p14="http://schemas.microsoft.com/office/powerpoint/2010/main" val="3486315592"/>
       </p:ext>
     </p:extLst>
   </p:cSld>
@@ -51415,7 +51879,13 @@
           <a:bodyPr/>
           <a:lstStyle/>
           <a:p>
-            <a:endParaRPr lang="zh-CN" altLang="en-US"/>
+            <a:r>
+              <a:rPr lang="en-US" altLang="zh-CN" dirty="0" smtClean="0"/>
+              <a:t>Generating Image Descriptions</a:t>
+            </a:r>
+          </a:p>
+          <a:p>
+            <a:endParaRPr lang="zh-CN" altLang="en-US" dirty="0"/>
           </a:p>
         </p:txBody>
       </p:sp>
@@ -51438,6 +51908,150 @@
           </a:p>
         </p:txBody>
       </p:sp>
+      <p:pic>
+        <p:nvPicPr>
+          <p:cNvPr id="123906" name="Picture 2" descr="Deep Visual-Semantic Alignments for Generating Image Descriptions"/>
+          <p:cNvPicPr>
+            <a:picLocks noChangeAspect="1" noChangeArrowheads="1"/>
+          </p:cNvPicPr>
+          <p:nvPr/>
+        </p:nvPicPr>
+        <p:blipFill>
+          <a:blip r:embed="rId2">
+            <a:extLst>
+              <a:ext uri="{28A0092B-C50C-407E-A947-70E740481C1C}">
+                <a14:useLocalDpi xmlns:a14="http://schemas.microsoft.com/office/drawing/2010/main" val="0"/>
+              </a:ext>
+            </a:extLst>
+          </a:blip>
+          <a:srcRect/>
+          <a:stretch>
+            <a:fillRect/>
+          </a:stretch>
+        </p:blipFill>
+        <p:spPr bwMode="auto">
+          <a:xfrm>
+            <a:off x="394829" y="2365263"/>
+            <a:ext cx="8328942" cy="2838674"/>
+          </a:xfrm>
+          <a:prstGeom prst="rect">
+            <a:avLst/>
+          </a:prstGeom>
+          <a:noFill/>
+          <a:extLst>
+            <a:ext uri="{909E8E84-426E-40DD-AFC4-6F175D3DCCD1}">
+              <a14:hiddenFill xmlns:a14="http://schemas.microsoft.com/office/drawing/2010/main">
+                <a:solidFill>
+                  <a:srgbClr val="FFFFFF"/>
+                </a:solidFill>
+              </a14:hiddenFill>
+            </a:ext>
+          </a:extLst>
+        </p:spPr>
+      </p:pic>
+    </p:spTree>
+    <p:extLst>
+      <p:ext uri="{BB962C8B-B14F-4D97-AF65-F5344CB8AC3E}">
+        <p14:creationId xmlns:p14="http://schemas.microsoft.com/office/powerpoint/2010/main" val="4102276809"/>
+      </p:ext>
+    </p:extLst>
+  </p:cSld>
+  <p:clrMapOvr>
+    <a:masterClrMapping/>
+  </p:clrMapOvr>
+</p:sld>
+</file>
+
+<file path=ppt/slides/slide8.xml><?xml version="1.0" encoding="utf-8"?>
+<p:sld xmlns:a="http://schemas.openxmlformats.org/drawingml/2006/main" xmlns:r="http://schemas.openxmlformats.org/officeDocument/2006/relationships" xmlns:p="http://schemas.openxmlformats.org/presentationml/2006/main">
+  <p:cSld>
+    <p:spTree>
+      <p:nvGrpSpPr>
+        <p:cNvPr id="1" name=""/>
+        <p:cNvGrpSpPr/>
+        <p:nvPr/>
+      </p:nvGrpSpPr>
+      <p:grpSpPr>
+        <a:xfrm>
+          <a:off x="0" y="0"/>
+          <a:ext cx="0" cy="0"/>
+          <a:chOff x="0" y="0"/>
+          <a:chExt cx="0" cy="0"/>
+        </a:xfrm>
+      </p:grpSpPr>
+      <p:sp>
+        <p:nvSpPr>
+          <p:cNvPr id="2" name="内容占位符 1"/>
+          <p:cNvSpPr>
+            <a:spLocks noGrp="1"/>
+          </p:cNvSpPr>
+          <p:nvPr>
+            <p:ph idx="1"/>
+          </p:nvPr>
+        </p:nvSpPr>
+        <p:spPr/>
+        <p:txBody>
+          <a:bodyPr/>
+          <a:lstStyle/>
+          <a:p>
+            <a:r>
+              <a:rPr lang="en-US" altLang="zh-CN" dirty="0" smtClean="0"/>
+              <a:t>Chain Rule</a:t>
+            </a:r>
+          </a:p>
+          <a:p>
+            <a:endParaRPr lang="en-US" altLang="zh-CN" dirty="0" smtClean="0"/>
+          </a:p>
+          <a:p>
+            <a:r>
+              <a:rPr lang="en-US" altLang="zh-CN" dirty="0" err="1" smtClean="0"/>
+              <a:t>Backpropagation</a:t>
+            </a:r>
+            <a:endParaRPr lang="en-US" altLang="zh-CN" dirty="0" smtClean="0"/>
+          </a:p>
+          <a:p>
+            <a:endParaRPr lang="en-US" altLang="zh-CN" dirty="0" smtClean="0"/>
+          </a:p>
+          <a:p>
+            <a:r>
+              <a:rPr lang="en-US" altLang="zh-CN" dirty="0" smtClean="0"/>
+              <a:t>BPTT(</a:t>
+            </a:r>
+            <a:r>
+              <a:rPr lang="en-US" altLang="zh-CN" dirty="0" err="1" smtClean="0"/>
+              <a:t>Backpropagation</a:t>
+            </a:r>
+            <a:r>
+              <a:rPr lang="en-US" altLang="zh-CN" dirty="0" smtClean="0"/>
+              <a:t> Through Time)</a:t>
+            </a:r>
+            <a:endParaRPr lang="zh-CN" altLang="en-US" dirty="0"/>
+          </a:p>
+        </p:txBody>
+      </p:sp>
+      <p:sp>
+        <p:nvSpPr>
+          <p:cNvPr id="3" name="标题 2"/>
+          <p:cNvSpPr>
+            <a:spLocks noGrp="1"/>
+          </p:cNvSpPr>
+          <p:nvPr>
+            <p:ph type="title"/>
+          </p:nvPr>
+        </p:nvSpPr>
+        <p:spPr/>
+        <p:txBody>
+          <a:bodyPr/>
+          <a:lstStyle/>
+          <a:p>
+            <a:r>
+              <a:rPr lang="en-US" altLang="zh-CN" dirty="0" smtClean="0"/>
+              <a:t>Training RNN</a:t>
+            </a:r>
+            <a:endParaRPr lang="zh-CN" altLang="en-US" dirty="0"/>
+          </a:p>
+        </p:txBody>
+      </p:sp>
     </p:spTree>
     <p:extLst>
       <p:ext uri="{BB962C8B-B14F-4D97-AF65-F5344CB8AC3E}">
@@ -51451,7 +52065,7 @@
 </p:sld>
 </file>
 
-<file path=ppt/slides/slide8.xml><?xml version="1.0" encoding="utf-8"?>
+<file path=ppt/slides/slide9.xml><?xml version="1.0" encoding="utf-8"?>
 <p:sld xmlns:a="http://schemas.openxmlformats.org/drawingml/2006/main" xmlns:r="http://schemas.openxmlformats.org/officeDocument/2006/relationships" xmlns:p="http://schemas.openxmlformats.org/presentationml/2006/main">
   <p:cSld>
     <p:spTree>
@@ -51516,172 +52130,6 @@
   <p:clrMapOvr>
     <a:masterClrMapping/>
   </p:clrMapOvr>
-</p:sld>
-</file>
-
-<file path=ppt/slides/slide9.xml><?xml version="1.0" encoding="utf-8"?>
-<p:sld xmlns:a="http://schemas.openxmlformats.org/drawingml/2006/main" xmlns:r="http://schemas.openxmlformats.org/officeDocument/2006/relationships" xmlns:p="http://schemas.openxmlformats.org/presentationml/2006/main">
-  <p:cSld>
-    <p:spTree>
-      <p:nvGrpSpPr>
-        <p:cNvPr id="1" name=""/>
-        <p:cNvGrpSpPr/>
-        <p:nvPr/>
-      </p:nvGrpSpPr>
-      <p:grpSpPr>
-        <a:xfrm>
-          <a:off x="0" y="0"/>
-          <a:ext cx="0" cy="0"/>
-          <a:chOff x="0" y="0"/>
-          <a:chExt cx="0" cy="0"/>
-        </a:xfrm>
-      </p:grpSpPr>
-      <p:sp>
-        <p:nvSpPr>
-          <p:cNvPr id="9" name="标题 8"/>
-          <p:cNvSpPr>
-            <a:spLocks noGrp="1"/>
-          </p:cNvSpPr>
-          <p:nvPr>
-            <p:ph type="title"/>
-          </p:nvPr>
-        </p:nvSpPr>
-        <p:spPr/>
-        <p:txBody>
-          <a:bodyPr/>
-          <a:lstStyle/>
-          <a:p>
-            <a:r>
-              <a:rPr lang="en-US" altLang="zh-CN" dirty="0" smtClean="0"/>
-              <a:t>Outline</a:t>
-            </a:r>
-            <a:endParaRPr lang="zh-CN" altLang="en-US" dirty="0"/>
-          </a:p>
-        </p:txBody>
-      </p:sp>
-      <p:sp>
-        <p:nvSpPr>
-          <p:cNvPr id="10" name="文本占位符 9"/>
-          <p:cNvSpPr>
-            <a:spLocks noGrp="1"/>
-          </p:cNvSpPr>
-          <p:nvPr>
-            <p:ph type="body" sz="quarter" idx="10"/>
-          </p:nvPr>
-        </p:nvSpPr>
-        <p:spPr/>
-        <p:txBody>
-          <a:bodyPr/>
-          <a:lstStyle/>
-          <a:p>
-            <a:r>
-              <a:rPr lang="en-US" altLang="zh-CN" b="1" dirty="0" smtClean="0"/>
-              <a:t>Bootstrapping with CRFs</a:t>
-            </a:r>
-            <a:endParaRPr lang="zh-CN" altLang="en-US" dirty="0"/>
-          </a:p>
-        </p:txBody>
-      </p:sp>
-      <p:sp>
-        <p:nvSpPr>
-          <p:cNvPr id="11" name="文本占位符 10"/>
-          <p:cNvSpPr>
-            <a:spLocks noGrp="1"/>
-          </p:cNvSpPr>
-          <p:nvPr>
-            <p:ph type="body" sz="quarter" idx="11"/>
-          </p:nvPr>
-        </p:nvSpPr>
-        <p:spPr>
-          <a:xfrm>
-            <a:off x="2492474" y="2779986"/>
-            <a:ext cx="5309419" cy="452492"/>
-          </a:xfrm>
-        </p:spPr>
-        <p:txBody>
-          <a:bodyPr/>
-          <a:lstStyle/>
-          <a:p>
-            <a:r>
-              <a:rPr lang="en-US" altLang="zh-CN" b="1" dirty="0" smtClean="0"/>
-              <a:t>Margin Infused Relaxed Algorithm for CRFs</a:t>
-            </a:r>
-            <a:r>
-              <a:rPr lang="en-US" altLang="zh-CN" dirty="0" smtClean="0"/>
-              <a:t/>
-            </a:r>
-            <a:br>
-              <a:rPr lang="en-US" altLang="zh-CN" dirty="0" smtClean="0"/>
-            </a:br>
-            <a:endParaRPr lang="zh-CN" altLang="en-US" dirty="0"/>
-          </a:p>
-        </p:txBody>
-      </p:sp>
-      <p:sp>
-        <p:nvSpPr>
-          <p:cNvPr id="6" name="文本占位符 5"/>
-          <p:cNvSpPr>
-            <a:spLocks noGrp="1"/>
-          </p:cNvSpPr>
-          <p:nvPr>
-            <p:ph type="body" sz="quarter" idx="12"/>
-          </p:nvPr>
-        </p:nvSpPr>
-        <p:spPr/>
-        <p:txBody>
-          <a:bodyPr/>
-          <a:lstStyle/>
-          <a:p>
-            <a:r>
-              <a:rPr lang="en-US" altLang="zh-CN" b="1" dirty="0" smtClean="0"/>
-              <a:t>Introduction</a:t>
-            </a:r>
-            <a:endParaRPr lang="zh-CN" altLang="en-US" b="1" dirty="0" smtClean="0"/>
-          </a:p>
-        </p:txBody>
-      </p:sp>
-      <p:sp>
-        <p:nvSpPr>
-          <p:cNvPr id="12" name="文本占位符 11"/>
-          <p:cNvSpPr>
-            <a:spLocks noGrp="1"/>
-          </p:cNvSpPr>
-          <p:nvPr>
-            <p:ph type="body" sz="quarter" idx="13"/>
-          </p:nvPr>
-        </p:nvSpPr>
-        <p:spPr/>
-        <p:txBody>
-          <a:bodyPr/>
-          <a:lstStyle/>
-          <a:p>
-            <a:r>
-              <a:rPr lang="en-US" altLang="zh-CN" b="1" dirty="0" smtClean="0"/>
-              <a:t>Experimental Results &amp; Discussions</a:t>
-            </a:r>
-            <a:r>
-              <a:rPr lang="en-US" altLang="zh-CN" dirty="0" smtClean="0"/>
-              <a:t/>
-            </a:r>
-            <a:br>
-              <a:rPr lang="en-US" altLang="zh-CN" dirty="0" smtClean="0"/>
-            </a:br>
-            <a:endParaRPr lang="zh-CN" altLang="en-US" dirty="0"/>
-          </a:p>
-        </p:txBody>
-      </p:sp>
-    </p:spTree>
-  </p:cSld>
-  <p:clrMapOvr>
-    <a:masterClrMapping/>
-  </p:clrMapOvr>
-  <p:timing>
-    <p:tnLst>
-      <p:par>
-        <p:cTn id="1" dur="indefinite" restart="never" nodeType="tmRoot"/>
-      </p:par>
-    </p:tnLst>
-  </p:timing>
 </p:sld>
 </file>
 
